--- a/Architecture.pptx
+++ b/Architecture.pptx
@@ -5,15 +5,17 @@
     <p:sldMasterId id="2147483648" r:id="rId1"/>
   </p:sldMasterIdLst>
   <p:notesMasterIdLst>
-    <p:notesMasterId r:id="rId8"/>
+    <p:notesMasterId r:id="rId10"/>
   </p:notesMasterIdLst>
   <p:sldIdLst>
     <p:sldId id="256" r:id="rId2"/>
-    <p:sldId id="257" r:id="rId3"/>
-    <p:sldId id="261" r:id="rId4"/>
-    <p:sldId id="259" r:id="rId5"/>
-    <p:sldId id="260" r:id="rId6"/>
-    <p:sldId id="262" r:id="rId7"/>
+    <p:sldId id="263" r:id="rId3"/>
+    <p:sldId id="257" r:id="rId4"/>
+    <p:sldId id="264" r:id="rId5"/>
+    <p:sldId id="261" r:id="rId6"/>
+    <p:sldId id="259" r:id="rId7"/>
+    <p:sldId id="260" r:id="rId8"/>
+    <p:sldId id="262" r:id="rId9"/>
   </p:sldIdLst>
   <p:sldSz cx="12192000" cy="6858000"/>
   <p:notesSz cx="6858000" cy="9144000"/>
@@ -112,6 +114,11 @@
       </a:defRPr>
     </a:lvl9pPr>
   </p:defaultTextStyle>
+  <p:extLst>
+    <p:ext uri="{EFAFB233-063F-42B5-8137-9DF3F51BA10A}">
+      <p15:sldGuideLst xmlns:p15="http://schemas.microsoft.com/office/powerpoint/2012/main"/>
+    </p:ext>
+  </p:extLst>
 </p:presentation>
 </file>
 
@@ -3118,17 +3125,17 @@
       </dgm:t>
     </dgm:pt>
     <dgm:pt modelId="{C5979184-A5A5-44DA-8218-E104B45DCD1F}">
-      <dgm:prSet phldrT="[Text]"/>
+      <dgm:prSet phldrT="[Text]" custT="1"/>
       <dgm:spPr/>
       <dgm:t>
         <a:bodyPr/>
         <a:lstStyle/>
         <a:p>
           <a:r>
-            <a:rPr lang="en-US" dirty="0"/>
+            <a:rPr lang="en-US" sz="2000" dirty="0"/>
             <a:t>Backend</a:t>
           </a:r>
-          <a:endParaRPr lang="en-MY" dirty="0"/>
+          <a:endParaRPr lang="en-MY" sz="2000" dirty="0"/>
         </a:p>
       </dgm:t>
     </dgm:pt>
@@ -3155,17 +3162,17 @@
       </dgm:t>
     </dgm:pt>
     <dgm:pt modelId="{A16F4CCE-FD75-4B14-9F31-B9F350CB0D85}">
-      <dgm:prSet phldrT="[Text]"/>
+      <dgm:prSet phldrT="[Text]" custT="1"/>
       <dgm:spPr/>
       <dgm:t>
         <a:bodyPr/>
         <a:lstStyle/>
         <a:p>
           <a:r>
-            <a:rPr lang="en-US" dirty="0"/>
+            <a:rPr lang="en-US" sz="2000" dirty="0"/>
             <a:t>Console</a:t>
           </a:r>
-          <a:endParaRPr lang="en-MY" dirty="0"/>
+          <a:endParaRPr lang="en-MY" sz="2000" dirty="0"/>
         </a:p>
       </dgm:t>
     </dgm:pt>
@@ -3192,17 +3199,17 @@
       </dgm:t>
     </dgm:pt>
     <dgm:pt modelId="{A4DC01F3-CD3E-445F-AF8E-3867AE23E9C6}">
-      <dgm:prSet phldrT="[Text]"/>
+      <dgm:prSet phldrT="[Text]" custT="1"/>
       <dgm:spPr/>
       <dgm:t>
         <a:bodyPr/>
         <a:lstStyle/>
         <a:p>
           <a:r>
-            <a:rPr lang="en-MY" b="0" i="0" dirty="0"/>
+            <a:rPr lang="en-MY" sz="2000" b="0" i="0" dirty="0"/>
             <a:t>Backoffice</a:t>
           </a:r>
-          <a:endParaRPr lang="en-MY" dirty="0"/>
+          <a:endParaRPr lang="en-MY" sz="2000" dirty="0"/>
         </a:p>
       </dgm:t>
     </dgm:pt>
@@ -3229,17 +3236,17 @@
       </dgm:t>
     </dgm:pt>
     <dgm:pt modelId="{B70E2295-BD8D-40B3-B3CD-BDD528C8772E}">
-      <dgm:prSet phldrT="[Text]"/>
+      <dgm:prSet phldrT="[Text]" custT="1"/>
       <dgm:spPr/>
       <dgm:t>
         <a:bodyPr/>
         <a:lstStyle/>
         <a:p>
           <a:r>
-            <a:rPr lang="en-US" dirty="0"/>
+            <a:rPr lang="en-US" sz="2000" dirty="0"/>
             <a:t>Documentation</a:t>
           </a:r>
-          <a:endParaRPr lang="en-MY" dirty="0"/>
+          <a:endParaRPr lang="en-MY" sz="2000" dirty="0"/>
         </a:p>
       </dgm:t>
     </dgm:pt>
@@ -3255,6 +3262,162 @@
       </dgm:t>
     </dgm:pt>
     <dgm:pt modelId="{639F430B-997C-4092-9F3E-D4E945294D30}" type="sibTrans" cxnId="{DC4F815F-23AD-4191-88AA-76A4A5730EBB}">
+      <dgm:prSet/>
+      <dgm:spPr/>
+      <dgm:t>
+        <a:bodyPr/>
+        <a:lstStyle/>
+        <a:p>
+          <a:endParaRPr lang="en-MY"/>
+        </a:p>
+      </dgm:t>
+    </dgm:pt>
+    <dgm:pt modelId="{DD4FE771-FB1D-482E-8B2D-54A2F4FFD693}">
+      <dgm:prSet phldrT="[Text]">
+        <dgm:style>
+          <a:lnRef idx="2">
+            <a:schemeClr val="dk1"/>
+          </a:lnRef>
+          <a:fillRef idx="1">
+            <a:schemeClr val="lt1"/>
+          </a:fillRef>
+          <a:effectRef idx="0">
+            <a:schemeClr val="dk1"/>
+          </a:effectRef>
+          <a:fontRef idx="minor">
+            <a:schemeClr val="dk1"/>
+          </a:fontRef>
+        </dgm:style>
+      </dgm:prSet>
+      <dgm:spPr/>
+      <dgm:t>
+        <a:bodyPr/>
+        <a:lstStyle/>
+        <a:p>
+          <a:r>
+            <a:rPr lang="en-US" dirty="0"/>
+            <a:t>http://localhost:8080/console</a:t>
+          </a:r>
+          <a:endParaRPr lang="en-MY" dirty="0"/>
+        </a:p>
+      </dgm:t>
+    </dgm:pt>
+    <dgm:pt modelId="{57F7D453-0990-4186-B89A-6DD9A28802C8}" type="parTrans" cxnId="{25B2BC04-9C6F-4F5F-B84F-13DF5F5F987C}">
+      <dgm:prSet/>
+      <dgm:spPr/>
+      <dgm:t>
+        <a:bodyPr/>
+        <a:lstStyle/>
+        <a:p>
+          <a:endParaRPr lang="en-MY"/>
+        </a:p>
+      </dgm:t>
+    </dgm:pt>
+    <dgm:pt modelId="{FFD0638C-FB91-41FD-BB2B-29042FA11908}" type="sibTrans" cxnId="{25B2BC04-9C6F-4F5F-B84F-13DF5F5F987C}">
+      <dgm:prSet/>
+      <dgm:spPr/>
+      <dgm:t>
+        <a:bodyPr/>
+        <a:lstStyle/>
+        <a:p>
+          <a:endParaRPr lang="en-MY"/>
+        </a:p>
+      </dgm:t>
+    </dgm:pt>
+    <dgm:pt modelId="{CA08D759-2B4E-41B1-B872-02E228C83D5E}">
+      <dgm:prSet phldrT="[Text]">
+        <dgm:style>
+          <a:lnRef idx="2">
+            <a:schemeClr val="dk1"/>
+          </a:lnRef>
+          <a:fillRef idx="1">
+            <a:schemeClr val="lt1"/>
+          </a:fillRef>
+          <a:effectRef idx="0">
+            <a:schemeClr val="dk1"/>
+          </a:effectRef>
+          <a:fontRef idx="minor">
+            <a:schemeClr val="dk1"/>
+          </a:fontRef>
+        </dgm:style>
+      </dgm:prSet>
+      <dgm:spPr/>
+      <dgm:t>
+        <a:bodyPr/>
+        <a:lstStyle/>
+        <a:p>
+          <a:r>
+            <a:rPr lang="en-US" dirty="0"/>
+            <a:t>http://localhost:8080/backoffice</a:t>
+          </a:r>
+          <a:endParaRPr lang="en-MY" dirty="0"/>
+        </a:p>
+      </dgm:t>
+    </dgm:pt>
+    <dgm:pt modelId="{C0BCEAB6-635D-4C3B-BDFB-3DA7541800F3}" type="parTrans" cxnId="{9007E204-482E-457A-B1B9-6EB70812C98D}">
+      <dgm:prSet/>
+      <dgm:spPr/>
+      <dgm:t>
+        <a:bodyPr/>
+        <a:lstStyle/>
+        <a:p>
+          <a:endParaRPr lang="en-MY"/>
+        </a:p>
+      </dgm:t>
+    </dgm:pt>
+    <dgm:pt modelId="{A6D903A0-5ADE-4562-A0B3-C65177AC10AB}" type="sibTrans" cxnId="{9007E204-482E-457A-B1B9-6EB70812C98D}">
+      <dgm:prSet/>
+      <dgm:spPr/>
+      <dgm:t>
+        <a:bodyPr/>
+        <a:lstStyle/>
+        <a:p>
+          <a:endParaRPr lang="en-MY"/>
+        </a:p>
+      </dgm:t>
+    </dgm:pt>
+    <dgm:pt modelId="{A2E1B4C6-C2C6-4EEE-9D2F-22E06AE21456}">
+      <dgm:prSet phldrT="[Text]">
+        <dgm:style>
+          <a:lnRef idx="2">
+            <a:schemeClr val="dk1"/>
+          </a:lnRef>
+          <a:fillRef idx="1">
+            <a:schemeClr val="lt1"/>
+          </a:fillRef>
+          <a:effectRef idx="0">
+            <a:schemeClr val="dk1"/>
+          </a:effectRef>
+          <a:fontRef idx="minor">
+            <a:schemeClr val="dk1"/>
+          </a:fontRef>
+        </dgm:style>
+      </dgm:prSet>
+      <dgm:spPr/>
+      <dgm:t>
+        <a:bodyPr/>
+        <a:lstStyle/>
+        <a:p>
+          <a:r>
+            <a:rPr lang="en-US" dirty="0"/>
+            <a:t>http://localhost:8080/documentation</a:t>
+          </a:r>
+          <a:endParaRPr lang="en-MY" dirty="0"/>
+        </a:p>
+      </dgm:t>
+    </dgm:pt>
+    <dgm:pt modelId="{D71622EE-7570-4525-A75A-2AD593DD58E0}" type="parTrans" cxnId="{703C4002-255E-4156-985D-95B0BCE0827E}">
+      <dgm:prSet/>
+      <dgm:spPr/>
+      <dgm:t>
+        <a:bodyPr/>
+        <a:lstStyle/>
+        <a:p>
+          <a:endParaRPr lang="en-MY"/>
+        </a:p>
+      </dgm:t>
+    </dgm:pt>
+    <dgm:pt modelId="{A3418BFB-F1F7-4A92-8CC1-DA2C4CBC1E25}" type="sibTrans" cxnId="{703C4002-255E-4156-985D-95B0BCE0827E}">
       <dgm:prSet/>
       <dgm:spPr/>
       <dgm:t>
@@ -3338,6 +3501,42 @@
       <dgm:prSet presAssocID="{A16F4CCE-FD75-4B14-9F31-B9F350CB0D85}" presName="hierChild4" presStyleCnt="0"/>
       <dgm:spPr/>
     </dgm:pt>
+    <dgm:pt modelId="{2F1EA886-C6B3-43DB-9FB5-18F2E36793AA}" type="pres">
+      <dgm:prSet presAssocID="{57F7D453-0990-4186-B89A-6DD9A28802C8}" presName="Name37" presStyleLbl="parChTrans1D3" presStyleIdx="0" presStyleCnt="3"/>
+      <dgm:spPr/>
+    </dgm:pt>
+    <dgm:pt modelId="{C226E1F6-D822-4B36-B522-59DB0E2D8EF1}" type="pres">
+      <dgm:prSet presAssocID="{DD4FE771-FB1D-482E-8B2D-54A2F4FFD693}" presName="hierRoot2" presStyleCnt="0">
+        <dgm:presLayoutVars>
+          <dgm:hierBranch val="init"/>
+        </dgm:presLayoutVars>
+      </dgm:prSet>
+      <dgm:spPr/>
+    </dgm:pt>
+    <dgm:pt modelId="{5F92E6FA-7169-4141-BA41-FB011936FFD4}" type="pres">
+      <dgm:prSet presAssocID="{DD4FE771-FB1D-482E-8B2D-54A2F4FFD693}" presName="rootComposite" presStyleCnt="0"/>
+      <dgm:spPr/>
+    </dgm:pt>
+    <dgm:pt modelId="{1D4964D1-165D-4B1A-ACCA-AC06C6263449}" type="pres">
+      <dgm:prSet presAssocID="{DD4FE771-FB1D-482E-8B2D-54A2F4FFD693}" presName="rootText" presStyleLbl="node3" presStyleIdx="0" presStyleCnt="3">
+        <dgm:presLayoutVars>
+          <dgm:chPref val="3"/>
+        </dgm:presLayoutVars>
+      </dgm:prSet>
+      <dgm:spPr/>
+    </dgm:pt>
+    <dgm:pt modelId="{75036613-0ADC-432E-A0B5-95492B509909}" type="pres">
+      <dgm:prSet presAssocID="{DD4FE771-FB1D-482E-8B2D-54A2F4FFD693}" presName="rootConnector" presStyleLbl="node3" presStyleIdx="0" presStyleCnt="3"/>
+      <dgm:spPr/>
+    </dgm:pt>
+    <dgm:pt modelId="{A3C63068-8CB7-4466-9330-4D6E9269610D}" type="pres">
+      <dgm:prSet presAssocID="{DD4FE771-FB1D-482E-8B2D-54A2F4FFD693}" presName="hierChild4" presStyleCnt="0"/>
+      <dgm:spPr/>
+    </dgm:pt>
+    <dgm:pt modelId="{9F445741-5DFC-4F6C-9AE5-912F4BEB96DF}" type="pres">
+      <dgm:prSet presAssocID="{DD4FE771-FB1D-482E-8B2D-54A2F4FFD693}" presName="hierChild5" presStyleCnt="0"/>
+      <dgm:spPr/>
+    </dgm:pt>
     <dgm:pt modelId="{BCE238E2-1834-4D01-8805-5E205B76A70E}" type="pres">
       <dgm:prSet presAssocID="{A16F4CCE-FD75-4B14-9F31-B9F350CB0D85}" presName="hierChild5" presStyleCnt="0"/>
       <dgm:spPr/>
@@ -3374,6 +3573,42 @@
       <dgm:prSet presAssocID="{A4DC01F3-CD3E-445F-AF8E-3867AE23E9C6}" presName="hierChild4" presStyleCnt="0"/>
       <dgm:spPr/>
     </dgm:pt>
+    <dgm:pt modelId="{A9E1FCC9-2609-49F1-8FCA-1901C48DCF4C}" type="pres">
+      <dgm:prSet presAssocID="{C0BCEAB6-635D-4C3B-BDFB-3DA7541800F3}" presName="Name37" presStyleLbl="parChTrans1D3" presStyleIdx="1" presStyleCnt="3"/>
+      <dgm:spPr/>
+    </dgm:pt>
+    <dgm:pt modelId="{FBF29A0D-DC69-43F9-BA0D-42E97A8577F3}" type="pres">
+      <dgm:prSet presAssocID="{CA08D759-2B4E-41B1-B872-02E228C83D5E}" presName="hierRoot2" presStyleCnt="0">
+        <dgm:presLayoutVars>
+          <dgm:hierBranch val="init"/>
+        </dgm:presLayoutVars>
+      </dgm:prSet>
+      <dgm:spPr/>
+    </dgm:pt>
+    <dgm:pt modelId="{DB8CBF27-2C29-4371-9C7B-A47D3CD4BD9E}" type="pres">
+      <dgm:prSet presAssocID="{CA08D759-2B4E-41B1-B872-02E228C83D5E}" presName="rootComposite" presStyleCnt="0"/>
+      <dgm:spPr/>
+    </dgm:pt>
+    <dgm:pt modelId="{54C1ACBB-615C-4FAD-838A-A79E5BBD6244}" type="pres">
+      <dgm:prSet presAssocID="{CA08D759-2B4E-41B1-B872-02E228C83D5E}" presName="rootText" presStyleLbl="node3" presStyleIdx="1" presStyleCnt="3">
+        <dgm:presLayoutVars>
+          <dgm:chPref val="3"/>
+        </dgm:presLayoutVars>
+      </dgm:prSet>
+      <dgm:spPr/>
+    </dgm:pt>
+    <dgm:pt modelId="{35B7EA3D-3158-4B4B-AF38-A1C7B6C71527}" type="pres">
+      <dgm:prSet presAssocID="{CA08D759-2B4E-41B1-B872-02E228C83D5E}" presName="rootConnector" presStyleLbl="node3" presStyleIdx="1" presStyleCnt="3"/>
+      <dgm:spPr/>
+    </dgm:pt>
+    <dgm:pt modelId="{5A80C20F-24C9-42ED-A8B2-040C201D7BCA}" type="pres">
+      <dgm:prSet presAssocID="{CA08D759-2B4E-41B1-B872-02E228C83D5E}" presName="hierChild4" presStyleCnt="0"/>
+      <dgm:spPr/>
+    </dgm:pt>
+    <dgm:pt modelId="{718EB654-B72E-4D40-BCE2-FA02A4E20C5B}" type="pres">
+      <dgm:prSet presAssocID="{CA08D759-2B4E-41B1-B872-02E228C83D5E}" presName="hierChild5" presStyleCnt="0"/>
+      <dgm:spPr/>
+    </dgm:pt>
     <dgm:pt modelId="{808F6534-4BD7-400E-88BF-B6BFEA7B3648}" type="pres">
       <dgm:prSet presAssocID="{A4DC01F3-CD3E-445F-AF8E-3867AE23E9C6}" presName="hierChild5" presStyleCnt="0"/>
       <dgm:spPr/>
@@ -3410,6 +3645,42 @@
       <dgm:prSet presAssocID="{B70E2295-BD8D-40B3-B3CD-BDD528C8772E}" presName="hierChild4" presStyleCnt="0"/>
       <dgm:spPr/>
     </dgm:pt>
+    <dgm:pt modelId="{81058E2F-9927-4CF1-9B88-68211E08ECA4}" type="pres">
+      <dgm:prSet presAssocID="{D71622EE-7570-4525-A75A-2AD593DD58E0}" presName="Name37" presStyleLbl="parChTrans1D3" presStyleIdx="2" presStyleCnt="3"/>
+      <dgm:spPr/>
+    </dgm:pt>
+    <dgm:pt modelId="{BC61A174-6C12-429E-99BC-F4AC8FB9BD5B}" type="pres">
+      <dgm:prSet presAssocID="{A2E1B4C6-C2C6-4EEE-9D2F-22E06AE21456}" presName="hierRoot2" presStyleCnt="0">
+        <dgm:presLayoutVars>
+          <dgm:hierBranch val="init"/>
+        </dgm:presLayoutVars>
+      </dgm:prSet>
+      <dgm:spPr/>
+    </dgm:pt>
+    <dgm:pt modelId="{D314C3CA-E2C0-447E-84AD-CB22ECE12713}" type="pres">
+      <dgm:prSet presAssocID="{A2E1B4C6-C2C6-4EEE-9D2F-22E06AE21456}" presName="rootComposite" presStyleCnt="0"/>
+      <dgm:spPr/>
+    </dgm:pt>
+    <dgm:pt modelId="{96E97766-8CC7-4578-9C8B-A4C49B0870C9}" type="pres">
+      <dgm:prSet presAssocID="{A2E1B4C6-C2C6-4EEE-9D2F-22E06AE21456}" presName="rootText" presStyleLbl="node3" presStyleIdx="2" presStyleCnt="3">
+        <dgm:presLayoutVars>
+          <dgm:chPref val="3"/>
+        </dgm:presLayoutVars>
+      </dgm:prSet>
+      <dgm:spPr/>
+    </dgm:pt>
+    <dgm:pt modelId="{984D57E1-A5BD-4991-91D6-17EE886A1330}" type="pres">
+      <dgm:prSet presAssocID="{A2E1B4C6-C2C6-4EEE-9D2F-22E06AE21456}" presName="rootConnector" presStyleLbl="node3" presStyleIdx="2" presStyleCnt="3"/>
+      <dgm:spPr/>
+    </dgm:pt>
+    <dgm:pt modelId="{762D4CA0-E898-4C4D-83E9-2C596D2BF56D}" type="pres">
+      <dgm:prSet presAssocID="{A2E1B4C6-C2C6-4EEE-9D2F-22E06AE21456}" presName="hierChild4" presStyleCnt="0"/>
+      <dgm:spPr/>
+    </dgm:pt>
+    <dgm:pt modelId="{7289F47D-B67A-46F6-9D37-B8F90119D283}" type="pres">
+      <dgm:prSet presAssocID="{A2E1B4C6-C2C6-4EEE-9D2F-22E06AE21456}" presName="hierChild5" presStyleCnt="0"/>
+      <dgm:spPr/>
+    </dgm:pt>
     <dgm:pt modelId="{1907D812-C0BF-4908-BFF1-61E2C21AC04B}" type="pres">
       <dgm:prSet presAssocID="{B70E2295-BD8D-40B3-B3CD-BDD528C8772E}" presName="hierChild5" presStyleCnt="0"/>
       <dgm:spPr/>
@@ -3420,9 +3691,14 @@
     </dgm:pt>
   </dgm:ptLst>
   <dgm:cxnLst>
+    <dgm:cxn modelId="{703C4002-255E-4156-985D-95B0BCE0827E}" srcId="{B70E2295-BD8D-40B3-B3CD-BDD528C8772E}" destId="{A2E1B4C6-C2C6-4EEE-9D2F-22E06AE21456}" srcOrd="0" destOrd="0" parTransId="{D71622EE-7570-4525-A75A-2AD593DD58E0}" sibTransId="{A3418BFB-F1F7-4A92-8CC1-DA2C4CBC1E25}"/>
+    <dgm:cxn modelId="{25B2BC04-9C6F-4F5F-B84F-13DF5F5F987C}" srcId="{A16F4CCE-FD75-4B14-9F31-B9F350CB0D85}" destId="{DD4FE771-FB1D-482E-8B2D-54A2F4FFD693}" srcOrd="0" destOrd="0" parTransId="{57F7D453-0990-4186-B89A-6DD9A28802C8}" sibTransId="{FFD0638C-FB91-41FD-BB2B-29042FA11908}"/>
+    <dgm:cxn modelId="{9007E204-482E-457A-B1B9-6EB70812C98D}" srcId="{A4DC01F3-CD3E-445F-AF8E-3867AE23E9C6}" destId="{CA08D759-2B4E-41B1-B872-02E228C83D5E}" srcOrd="0" destOrd="0" parTransId="{C0BCEAB6-635D-4C3B-BDFB-3DA7541800F3}" sibTransId="{A6D903A0-5ADE-4562-A0B3-C65177AC10AB}"/>
     <dgm:cxn modelId="{9D3A0322-BB76-4299-8A8A-9B2FD4E768E9}" type="presOf" srcId="{1B5ED22B-0609-42CE-A182-AE219376AC9B}" destId="{FEFF75E2-6AB3-4CDE-8393-7ADFAA00FFD5}" srcOrd="0" destOrd="0" presId="urn:microsoft.com/office/officeart/2005/8/layout/orgChart1"/>
+    <dgm:cxn modelId="{9A85AD24-F715-492E-B260-CA32CC8AE5AF}" type="presOf" srcId="{D71622EE-7570-4525-A75A-2AD593DD58E0}" destId="{81058E2F-9927-4CF1-9B88-68211E08ECA4}" srcOrd="0" destOrd="0" presId="urn:microsoft.com/office/officeart/2005/8/layout/orgChart1"/>
     <dgm:cxn modelId="{5663B140-E93B-4633-B461-528639479EFF}" type="presOf" srcId="{B70E2295-BD8D-40B3-B3CD-BDD528C8772E}" destId="{337A4F7E-BE49-4F9C-BFFF-635EFDB9DDCB}" srcOrd="0" destOrd="0" presId="urn:microsoft.com/office/officeart/2005/8/layout/orgChart1"/>
     <dgm:cxn modelId="{DC4F815F-23AD-4191-88AA-76A4A5730EBB}" srcId="{C5979184-A5A5-44DA-8218-E104B45DCD1F}" destId="{B70E2295-BD8D-40B3-B3CD-BDD528C8772E}" srcOrd="2" destOrd="0" parTransId="{1B5ED22B-0609-42CE-A182-AE219376AC9B}" sibTransId="{639F430B-997C-4092-9F3E-D4E945294D30}"/>
+    <dgm:cxn modelId="{6AB79062-F32E-42D5-84C2-476669C8019B}" type="presOf" srcId="{DD4FE771-FB1D-482E-8B2D-54A2F4FFD693}" destId="{75036613-0ADC-432E-A0B5-95492B509909}" srcOrd="1" destOrd="0" presId="urn:microsoft.com/office/officeart/2005/8/layout/orgChart1"/>
     <dgm:cxn modelId="{360BF265-5D94-43B7-A5A5-37B0FCB9C8FA}" srcId="{0EE25DE3-ABC8-46AA-8D73-A9322D478032}" destId="{C5979184-A5A5-44DA-8218-E104B45DCD1F}" srcOrd="0" destOrd="0" parTransId="{D26BA138-75D5-4E26-AE8D-FACC301FF1FA}" sibTransId="{32BA19A2-13AF-4DBF-93F2-9057C92A2A3D}"/>
     <dgm:cxn modelId="{93AA1D6E-83D5-4471-B8AA-3C0D40E9EA6E}" type="presOf" srcId="{BE5B16A7-2EEA-4489-B44C-29430DC3499F}" destId="{C6A2A661-8126-48E2-B345-C9073D8180E7}" srcOrd="0" destOrd="0" presId="urn:microsoft.com/office/officeart/2005/8/layout/orgChart1"/>
     <dgm:cxn modelId="{D5F90D6F-57C1-40BF-A738-084105D826D2}" type="presOf" srcId="{02946D37-A82D-404D-BF37-C08D3A18D474}" destId="{9247D4DA-E176-4F36-9A7B-D712731E6B14}" srcOrd="0" destOrd="0" presId="urn:microsoft.com/office/officeart/2005/8/layout/orgChart1"/>
@@ -3430,11 +3706,18 @@
     <dgm:cxn modelId="{767B3E76-2563-43EC-9049-AC84C0A12C59}" type="presOf" srcId="{B70E2295-BD8D-40B3-B3CD-BDD528C8772E}" destId="{62DF5C3E-0980-4EF1-8069-155F06B10051}" srcOrd="1" destOrd="0" presId="urn:microsoft.com/office/officeart/2005/8/layout/orgChart1"/>
     <dgm:cxn modelId="{C9D96D77-D4E9-4016-B3AD-6D510789BE53}" type="presOf" srcId="{A16F4CCE-FD75-4B14-9F31-B9F350CB0D85}" destId="{DE21D347-D7B4-4F3D-815B-B5DB51DC78D4}" srcOrd="0" destOrd="0" presId="urn:microsoft.com/office/officeart/2005/8/layout/orgChart1"/>
     <dgm:cxn modelId="{3E7ED48B-D8D7-4610-8F33-696182F97D00}" type="presOf" srcId="{C5979184-A5A5-44DA-8218-E104B45DCD1F}" destId="{58624D93-1131-4728-88C3-27196D59788A}" srcOrd="1" destOrd="0" presId="urn:microsoft.com/office/officeart/2005/8/layout/orgChart1"/>
+    <dgm:cxn modelId="{5EBA608C-F217-4230-A1F5-2F8A3CEE8A4B}" type="presOf" srcId="{CA08D759-2B4E-41B1-B872-02E228C83D5E}" destId="{54C1ACBB-615C-4FAD-838A-A79E5BBD6244}" srcOrd="0" destOrd="0" presId="urn:microsoft.com/office/officeart/2005/8/layout/orgChart1"/>
     <dgm:cxn modelId="{72C21A9A-FA05-4BFA-87B4-12BA7FB0732C}" type="presOf" srcId="{A16F4CCE-FD75-4B14-9F31-B9F350CB0D85}" destId="{67F90A8F-1684-42C4-9848-F3ADEFCC261D}" srcOrd="1" destOrd="0" presId="urn:microsoft.com/office/officeart/2005/8/layout/orgChart1"/>
     <dgm:cxn modelId="{F4ADBA9B-1982-4888-8771-E511541B9515}" type="presOf" srcId="{0EE25DE3-ABC8-46AA-8D73-A9322D478032}" destId="{C3F8E719-5C9E-4F92-BF33-B7431D4BC948}" srcOrd="0" destOrd="0" presId="urn:microsoft.com/office/officeart/2005/8/layout/orgChart1"/>
+    <dgm:cxn modelId="{62E657A4-158E-4B25-842E-B646F29E373F}" type="presOf" srcId="{A2E1B4C6-C2C6-4EEE-9D2F-22E06AE21456}" destId="{984D57E1-A5BD-4991-91D6-17EE886A1330}" srcOrd="1" destOrd="0" presId="urn:microsoft.com/office/officeart/2005/8/layout/orgChart1"/>
     <dgm:cxn modelId="{663681B7-97C7-427D-8C61-4A46C981503A}" srcId="{C5979184-A5A5-44DA-8218-E104B45DCD1F}" destId="{A16F4CCE-FD75-4B14-9F31-B9F350CB0D85}" srcOrd="0" destOrd="0" parTransId="{02946D37-A82D-404D-BF37-C08D3A18D474}" sibTransId="{E426C449-F6BB-4CE6-BDAD-69651E2FF7B4}"/>
+    <dgm:cxn modelId="{247066BA-D450-49D1-B841-326CA60EADB2}" type="presOf" srcId="{57F7D453-0990-4186-B89A-6DD9A28802C8}" destId="{2F1EA886-C6B3-43DB-9FB5-18F2E36793AA}" srcOrd="0" destOrd="0" presId="urn:microsoft.com/office/officeart/2005/8/layout/orgChart1"/>
+    <dgm:cxn modelId="{832400BD-69CE-46F0-9E47-5ED38651FDB7}" type="presOf" srcId="{CA08D759-2B4E-41B1-B872-02E228C83D5E}" destId="{35B7EA3D-3158-4B4B-AF38-A1C7B6C71527}" srcOrd="1" destOrd="0" presId="urn:microsoft.com/office/officeart/2005/8/layout/orgChart1"/>
+    <dgm:cxn modelId="{F1A85AD1-393B-4AC8-9469-5039BB3B85BA}" type="presOf" srcId="{C0BCEAB6-635D-4C3B-BDFB-3DA7541800F3}" destId="{A9E1FCC9-2609-49F1-8FCA-1901C48DCF4C}" srcOrd="0" destOrd="0" presId="urn:microsoft.com/office/officeart/2005/8/layout/orgChart1"/>
     <dgm:cxn modelId="{328095D4-2503-4877-8FE0-0FB0859978F4}" type="presOf" srcId="{C5979184-A5A5-44DA-8218-E104B45DCD1F}" destId="{1AE6FE9F-3740-49DA-8675-21FA667287DF}" srcOrd="0" destOrd="0" presId="urn:microsoft.com/office/officeart/2005/8/layout/orgChart1"/>
+    <dgm:cxn modelId="{D823C6D5-8DF2-41DA-937D-1D554A287773}" type="presOf" srcId="{DD4FE771-FB1D-482E-8B2D-54A2F4FFD693}" destId="{1D4964D1-165D-4B1A-ACCA-AC06C6263449}" srcOrd="0" destOrd="0" presId="urn:microsoft.com/office/officeart/2005/8/layout/orgChart1"/>
     <dgm:cxn modelId="{9FC932D6-BD96-4C08-ACEB-875553CED883}" srcId="{C5979184-A5A5-44DA-8218-E104B45DCD1F}" destId="{A4DC01F3-CD3E-445F-AF8E-3867AE23E9C6}" srcOrd="1" destOrd="0" parTransId="{BE5B16A7-2EEA-4489-B44C-29430DC3499F}" sibTransId="{06DEF592-53E6-4E6E-8FC3-681029DABECB}"/>
+    <dgm:cxn modelId="{3C8E51FE-875F-4CBB-A702-547CFDD21B74}" type="presOf" srcId="{A2E1B4C6-C2C6-4EEE-9D2F-22E06AE21456}" destId="{96E97766-8CC7-4578-9C8B-A4C49B0870C9}" srcOrd="0" destOrd="0" presId="urn:microsoft.com/office/officeart/2005/8/layout/orgChart1"/>
     <dgm:cxn modelId="{777E7DFF-C190-4AFB-BACC-E41D0DE921BB}" type="presOf" srcId="{A4DC01F3-CD3E-445F-AF8E-3867AE23E9C6}" destId="{A3FDA43D-2B59-42F0-BC67-25D6E25A8C23}" srcOrd="1" destOrd="0" presId="urn:microsoft.com/office/officeart/2005/8/layout/orgChart1"/>
     <dgm:cxn modelId="{B3FFBBAE-B651-4C5C-B92F-1DAFBBB41926}" type="presParOf" srcId="{C3F8E719-5C9E-4F92-BF33-B7431D4BC948}" destId="{F14C2225-46CD-40C8-8DC4-C8ABCACDB832}" srcOrd="0" destOrd="0" presId="urn:microsoft.com/office/officeart/2005/8/layout/orgChart1"/>
     <dgm:cxn modelId="{1418DC1F-A7C2-4F5B-9E1E-35913F2299EA}" type="presParOf" srcId="{F14C2225-46CD-40C8-8DC4-C8ABCACDB832}" destId="{CC24AE33-E750-4935-A00F-EDC4D29061F6}" srcOrd="0" destOrd="0" presId="urn:microsoft.com/office/officeart/2005/8/layout/orgChart1"/>
@@ -3447,6 +3730,13 @@
     <dgm:cxn modelId="{F4956614-1A6F-424C-A843-802F55643ED0}" type="presParOf" srcId="{5057F776-3D14-4D4A-8E18-0597768C5E7B}" destId="{DE21D347-D7B4-4F3D-815B-B5DB51DC78D4}" srcOrd="0" destOrd="0" presId="urn:microsoft.com/office/officeart/2005/8/layout/orgChart1"/>
     <dgm:cxn modelId="{63D532AE-E6A6-4742-820D-F17ED261FCF0}" type="presParOf" srcId="{5057F776-3D14-4D4A-8E18-0597768C5E7B}" destId="{67F90A8F-1684-42C4-9848-F3ADEFCC261D}" srcOrd="1" destOrd="0" presId="urn:microsoft.com/office/officeart/2005/8/layout/orgChart1"/>
     <dgm:cxn modelId="{E9210A04-4454-4B54-B779-725AF769EA4B}" type="presParOf" srcId="{45E30756-995F-4E97-87FD-79E4831622E0}" destId="{8F741CDE-EA5C-4504-A8F6-0849CA38C469}" srcOrd="1" destOrd="0" presId="urn:microsoft.com/office/officeart/2005/8/layout/orgChart1"/>
+    <dgm:cxn modelId="{08B17E0D-C544-4F86-B1EA-15853BBA2D89}" type="presParOf" srcId="{8F741CDE-EA5C-4504-A8F6-0849CA38C469}" destId="{2F1EA886-C6B3-43DB-9FB5-18F2E36793AA}" srcOrd="0" destOrd="0" presId="urn:microsoft.com/office/officeart/2005/8/layout/orgChart1"/>
+    <dgm:cxn modelId="{989E2214-6491-4CFE-89CC-88D22F5FF83E}" type="presParOf" srcId="{8F741CDE-EA5C-4504-A8F6-0849CA38C469}" destId="{C226E1F6-D822-4B36-B522-59DB0E2D8EF1}" srcOrd="1" destOrd="0" presId="urn:microsoft.com/office/officeart/2005/8/layout/orgChart1"/>
+    <dgm:cxn modelId="{713A39FA-1F1C-460A-A903-2FC32498FD03}" type="presParOf" srcId="{C226E1F6-D822-4B36-B522-59DB0E2D8EF1}" destId="{5F92E6FA-7169-4141-BA41-FB011936FFD4}" srcOrd="0" destOrd="0" presId="urn:microsoft.com/office/officeart/2005/8/layout/orgChart1"/>
+    <dgm:cxn modelId="{8D4750B0-3344-44BC-AA22-DFEF5180DF49}" type="presParOf" srcId="{5F92E6FA-7169-4141-BA41-FB011936FFD4}" destId="{1D4964D1-165D-4B1A-ACCA-AC06C6263449}" srcOrd="0" destOrd="0" presId="urn:microsoft.com/office/officeart/2005/8/layout/orgChart1"/>
+    <dgm:cxn modelId="{835CA227-215B-4C3A-9C2D-1FDFA4CB6935}" type="presParOf" srcId="{5F92E6FA-7169-4141-BA41-FB011936FFD4}" destId="{75036613-0ADC-432E-A0B5-95492B509909}" srcOrd="1" destOrd="0" presId="urn:microsoft.com/office/officeart/2005/8/layout/orgChart1"/>
+    <dgm:cxn modelId="{5C84FE5E-5E24-4564-93AA-0F6BA4BA9B0F}" type="presParOf" srcId="{C226E1F6-D822-4B36-B522-59DB0E2D8EF1}" destId="{A3C63068-8CB7-4466-9330-4D6E9269610D}" srcOrd="1" destOrd="0" presId="urn:microsoft.com/office/officeart/2005/8/layout/orgChart1"/>
+    <dgm:cxn modelId="{559F849F-A44B-4F4C-8AAC-8BE13439F455}" type="presParOf" srcId="{C226E1F6-D822-4B36-B522-59DB0E2D8EF1}" destId="{9F445741-5DFC-4F6C-9AE5-912F4BEB96DF}" srcOrd="2" destOrd="0" presId="urn:microsoft.com/office/officeart/2005/8/layout/orgChart1"/>
     <dgm:cxn modelId="{F3810E4C-C385-40CD-8C2B-6174FCEB61E8}" type="presParOf" srcId="{45E30756-995F-4E97-87FD-79E4831622E0}" destId="{BCE238E2-1834-4D01-8805-5E205B76A70E}" srcOrd="2" destOrd="0" presId="urn:microsoft.com/office/officeart/2005/8/layout/orgChart1"/>
     <dgm:cxn modelId="{EFEA4647-F258-4160-98FA-C1BAE03EDFCA}" type="presParOf" srcId="{8BF2D3DD-13EF-4A7A-948F-5CA83B360C83}" destId="{C6A2A661-8126-48E2-B345-C9073D8180E7}" srcOrd="2" destOrd="0" presId="urn:microsoft.com/office/officeart/2005/8/layout/orgChart1"/>
     <dgm:cxn modelId="{BCF06529-74F5-48BB-9EA9-22C70B6A2B91}" type="presParOf" srcId="{8BF2D3DD-13EF-4A7A-948F-5CA83B360C83}" destId="{B9EC54A0-FEE4-4FA0-94D4-5A9D30C5EB03}" srcOrd="3" destOrd="0" presId="urn:microsoft.com/office/officeart/2005/8/layout/orgChart1"/>
@@ -3454,6 +3744,13 @@
     <dgm:cxn modelId="{D3D455AE-F9D3-4A16-B00C-4DAA675B9E01}" type="presParOf" srcId="{04B889CD-55B0-4004-9D70-A40904E0403B}" destId="{DFE4809F-3D7B-4894-909A-412368FF4BCF}" srcOrd="0" destOrd="0" presId="urn:microsoft.com/office/officeart/2005/8/layout/orgChart1"/>
     <dgm:cxn modelId="{AE271AC1-ADBA-4FD2-9EE0-11F261C94E36}" type="presParOf" srcId="{04B889CD-55B0-4004-9D70-A40904E0403B}" destId="{A3FDA43D-2B59-42F0-BC67-25D6E25A8C23}" srcOrd="1" destOrd="0" presId="urn:microsoft.com/office/officeart/2005/8/layout/orgChart1"/>
     <dgm:cxn modelId="{C7FE05D2-30D2-4C4C-861F-DFE292941442}" type="presParOf" srcId="{B9EC54A0-FEE4-4FA0-94D4-5A9D30C5EB03}" destId="{0CF666C9-DBAB-4793-B836-F7DAFD65D375}" srcOrd="1" destOrd="0" presId="urn:microsoft.com/office/officeart/2005/8/layout/orgChart1"/>
+    <dgm:cxn modelId="{9F985375-A0AD-461E-8639-365D047A6F27}" type="presParOf" srcId="{0CF666C9-DBAB-4793-B836-F7DAFD65D375}" destId="{A9E1FCC9-2609-49F1-8FCA-1901C48DCF4C}" srcOrd="0" destOrd="0" presId="urn:microsoft.com/office/officeart/2005/8/layout/orgChart1"/>
+    <dgm:cxn modelId="{D71150FB-122E-4BD6-A2A5-E428A25FCF10}" type="presParOf" srcId="{0CF666C9-DBAB-4793-B836-F7DAFD65D375}" destId="{FBF29A0D-DC69-43F9-BA0D-42E97A8577F3}" srcOrd="1" destOrd="0" presId="urn:microsoft.com/office/officeart/2005/8/layout/orgChart1"/>
+    <dgm:cxn modelId="{7513B577-7A0F-4316-8AF7-8846CDFB21A1}" type="presParOf" srcId="{FBF29A0D-DC69-43F9-BA0D-42E97A8577F3}" destId="{DB8CBF27-2C29-4371-9C7B-A47D3CD4BD9E}" srcOrd="0" destOrd="0" presId="urn:microsoft.com/office/officeart/2005/8/layout/orgChart1"/>
+    <dgm:cxn modelId="{FF400CA0-5134-4C60-8834-313756C45760}" type="presParOf" srcId="{DB8CBF27-2C29-4371-9C7B-A47D3CD4BD9E}" destId="{54C1ACBB-615C-4FAD-838A-A79E5BBD6244}" srcOrd="0" destOrd="0" presId="urn:microsoft.com/office/officeart/2005/8/layout/orgChart1"/>
+    <dgm:cxn modelId="{86E4418A-E1C3-4B22-822C-F82F4AE8FFA6}" type="presParOf" srcId="{DB8CBF27-2C29-4371-9C7B-A47D3CD4BD9E}" destId="{35B7EA3D-3158-4B4B-AF38-A1C7B6C71527}" srcOrd="1" destOrd="0" presId="urn:microsoft.com/office/officeart/2005/8/layout/orgChart1"/>
+    <dgm:cxn modelId="{E804ACFE-1BAE-4871-84CF-48A8E9EE8B44}" type="presParOf" srcId="{FBF29A0D-DC69-43F9-BA0D-42E97A8577F3}" destId="{5A80C20F-24C9-42ED-A8B2-040C201D7BCA}" srcOrd="1" destOrd="0" presId="urn:microsoft.com/office/officeart/2005/8/layout/orgChart1"/>
+    <dgm:cxn modelId="{C7F046B7-DDB5-4F23-B87E-A6B4FF524712}" type="presParOf" srcId="{FBF29A0D-DC69-43F9-BA0D-42E97A8577F3}" destId="{718EB654-B72E-4D40-BCE2-FA02A4E20C5B}" srcOrd="2" destOrd="0" presId="urn:microsoft.com/office/officeart/2005/8/layout/orgChart1"/>
     <dgm:cxn modelId="{D3982A11-F6EE-4ACA-968D-9AC27552639F}" type="presParOf" srcId="{B9EC54A0-FEE4-4FA0-94D4-5A9D30C5EB03}" destId="{808F6534-4BD7-400E-88BF-B6BFEA7B3648}" srcOrd="2" destOrd="0" presId="urn:microsoft.com/office/officeart/2005/8/layout/orgChart1"/>
     <dgm:cxn modelId="{BCB73EA9-7BC8-4FE4-A7E1-4F8320CF0160}" type="presParOf" srcId="{8BF2D3DD-13EF-4A7A-948F-5CA83B360C83}" destId="{FEFF75E2-6AB3-4CDE-8393-7ADFAA00FFD5}" srcOrd="4" destOrd="0" presId="urn:microsoft.com/office/officeart/2005/8/layout/orgChart1"/>
     <dgm:cxn modelId="{6A312B8D-2EE2-4423-99D2-6FFE386341CA}" type="presParOf" srcId="{8BF2D3DD-13EF-4A7A-948F-5CA83B360C83}" destId="{66006986-F3FF-48F2-8FBD-771F06512224}" srcOrd="5" destOrd="0" presId="urn:microsoft.com/office/officeart/2005/8/layout/orgChart1"/>
@@ -3461,6 +3758,13 @@
     <dgm:cxn modelId="{CE8239D1-465B-4F4F-A6FB-0607F5E45CBF}" type="presParOf" srcId="{EECE4341-13EC-4F37-9A62-E96610A85896}" destId="{337A4F7E-BE49-4F9C-BFFF-635EFDB9DDCB}" srcOrd="0" destOrd="0" presId="urn:microsoft.com/office/officeart/2005/8/layout/orgChart1"/>
     <dgm:cxn modelId="{549FEDD6-B5DA-4945-AE67-287752BA1F49}" type="presParOf" srcId="{EECE4341-13EC-4F37-9A62-E96610A85896}" destId="{62DF5C3E-0980-4EF1-8069-155F06B10051}" srcOrd="1" destOrd="0" presId="urn:microsoft.com/office/officeart/2005/8/layout/orgChart1"/>
     <dgm:cxn modelId="{DD072BE0-DF0A-4AB4-B948-38A3FADF7B5B}" type="presParOf" srcId="{66006986-F3FF-48F2-8FBD-771F06512224}" destId="{8578E297-F44C-48B6-ADB6-707838FE461A}" srcOrd="1" destOrd="0" presId="urn:microsoft.com/office/officeart/2005/8/layout/orgChart1"/>
+    <dgm:cxn modelId="{5617D91F-DAF0-4340-8F34-5A83ADAF005E}" type="presParOf" srcId="{8578E297-F44C-48B6-ADB6-707838FE461A}" destId="{81058E2F-9927-4CF1-9B88-68211E08ECA4}" srcOrd="0" destOrd="0" presId="urn:microsoft.com/office/officeart/2005/8/layout/orgChart1"/>
+    <dgm:cxn modelId="{84D2A308-C8AB-44E5-B6D4-908060F45189}" type="presParOf" srcId="{8578E297-F44C-48B6-ADB6-707838FE461A}" destId="{BC61A174-6C12-429E-99BC-F4AC8FB9BD5B}" srcOrd="1" destOrd="0" presId="urn:microsoft.com/office/officeart/2005/8/layout/orgChart1"/>
+    <dgm:cxn modelId="{0A6A1B4E-818C-4F4B-9524-5EFAA89B7AF8}" type="presParOf" srcId="{BC61A174-6C12-429E-99BC-F4AC8FB9BD5B}" destId="{D314C3CA-E2C0-447E-84AD-CB22ECE12713}" srcOrd="0" destOrd="0" presId="urn:microsoft.com/office/officeart/2005/8/layout/orgChart1"/>
+    <dgm:cxn modelId="{AB49FCF0-79A2-46A8-88C1-2A4F663AA531}" type="presParOf" srcId="{D314C3CA-E2C0-447E-84AD-CB22ECE12713}" destId="{96E97766-8CC7-4578-9C8B-A4C49B0870C9}" srcOrd="0" destOrd="0" presId="urn:microsoft.com/office/officeart/2005/8/layout/orgChart1"/>
+    <dgm:cxn modelId="{30AEB3DB-9A38-4C3B-9369-3107C5C9BBD3}" type="presParOf" srcId="{D314C3CA-E2C0-447E-84AD-CB22ECE12713}" destId="{984D57E1-A5BD-4991-91D6-17EE886A1330}" srcOrd="1" destOrd="0" presId="urn:microsoft.com/office/officeart/2005/8/layout/orgChart1"/>
+    <dgm:cxn modelId="{ABF04E09-2BF0-4F82-8CB1-A5334B8898F0}" type="presParOf" srcId="{BC61A174-6C12-429E-99BC-F4AC8FB9BD5B}" destId="{762D4CA0-E898-4C4D-83E9-2C596D2BF56D}" srcOrd="1" destOrd="0" presId="urn:microsoft.com/office/officeart/2005/8/layout/orgChart1"/>
+    <dgm:cxn modelId="{7F6FE4B3-DB48-4416-B169-D2D25D3A4E58}" type="presParOf" srcId="{BC61A174-6C12-429E-99BC-F4AC8FB9BD5B}" destId="{7289F47D-B67A-46F6-9D37-B8F90119D283}" srcOrd="2" destOrd="0" presId="urn:microsoft.com/office/officeart/2005/8/layout/orgChart1"/>
     <dgm:cxn modelId="{1A044B70-F5EF-40D9-92F5-97E26897BB6F}" type="presParOf" srcId="{66006986-F3FF-48F2-8FBD-771F06512224}" destId="{1907D812-C0BF-4908-BFF1-61E2C21AC04B}" srcOrd="2" destOrd="0" presId="urn:microsoft.com/office/officeart/2005/8/layout/orgChart1"/>
     <dgm:cxn modelId="{1E6BC3D1-F993-4042-9C1E-D516CA59906B}" type="presParOf" srcId="{F14C2225-46CD-40C8-8DC4-C8ABCACDB832}" destId="{59E4B91E-F378-4CB3-87D8-A1A5DD82B1AF}" srcOrd="2" destOrd="0" presId="urn:microsoft.com/office/officeart/2005/8/layout/orgChart1"/>
   </dgm:cxnLst>
@@ -7955,15 +8259,15 @@
       <dsp:cNvGrpSpPr/>
     </dsp:nvGrpSpPr>
     <dsp:grpSpPr/>
-    <dsp:sp modelId="{FEFF75E2-6AB3-4CDE-8393-7ADFAA00FFD5}">
+    <dsp:sp modelId="{81058E2F-9927-4CF1-9B88-68211E08ECA4}">
       <dsp:nvSpPr>
         <dsp:cNvPr id="0" name=""/>
         <dsp:cNvSpPr/>
       </dsp:nvSpPr>
       <dsp:spPr>
         <a:xfrm>
-          <a:off x="3593306" y="1340550"/>
-          <a:ext cx="2542290" cy="441224"/>
+          <a:off x="6093845" y="2730143"/>
+          <a:ext cx="338204" cy="1037160"/>
         </a:xfrm>
         <a:custGeom>
           <a:avLst/>
@@ -7977,13 +8281,72 @@
                 <a:pt x="0" y="0"/>
               </a:moveTo>
               <a:lnTo>
-                <a:pt x="0" y="220612"/>
+                <a:pt x="0" y="1037160"/>
               </a:lnTo>
               <a:lnTo>
-                <a:pt x="2542290" y="220612"/>
+                <a:pt x="338204" y="1037160"/>
+              </a:lnTo>
+            </a:path>
+          </a:pathLst>
+        </a:custGeom>
+        <a:noFill/>
+        <a:ln w="12700" cap="flat" cmpd="sng" algn="ctr">
+          <a:solidFill>
+            <a:schemeClr val="accent1">
+              <a:shade val="80000"/>
+              <a:hueOff val="0"/>
+              <a:satOff val="0"/>
+              <a:lumOff val="0"/>
+              <a:alphaOff val="0"/>
+            </a:schemeClr>
+          </a:solidFill>
+          <a:prstDash val="solid"/>
+          <a:miter lim="800000"/>
+        </a:ln>
+        <a:effectLst/>
+      </dsp:spPr>
+      <dsp:style>
+        <a:lnRef idx="2">
+          <a:scrgbClr r="0" g="0" b="0"/>
+        </a:lnRef>
+        <a:fillRef idx="0">
+          <a:scrgbClr r="0" g="0" b="0"/>
+        </a:fillRef>
+        <a:effectRef idx="0">
+          <a:scrgbClr r="0" g="0" b="0"/>
+        </a:effectRef>
+        <a:fontRef idx="minor"/>
+      </dsp:style>
+    </dsp:sp>
+    <dsp:sp modelId="{FEFF75E2-6AB3-4CDE-8393-7ADFAA00FFD5}">
+      <dsp:nvSpPr>
+        <dsp:cNvPr id="0" name=""/>
+        <dsp:cNvSpPr/>
+      </dsp:nvSpPr>
+      <dsp:spPr>
+        <a:xfrm>
+          <a:off x="4267540" y="1129308"/>
+          <a:ext cx="2728182" cy="473486"/>
+        </a:xfrm>
+        <a:custGeom>
+          <a:avLst/>
+          <a:gdLst/>
+          <a:ahLst/>
+          <a:cxnLst/>
+          <a:rect l="0" t="0" r="0" b="0"/>
+          <a:pathLst>
+            <a:path>
+              <a:moveTo>
+                <a:pt x="0" y="0"/>
+              </a:moveTo>
+              <a:lnTo>
+                <a:pt x="0" y="236743"/>
               </a:lnTo>
               <a:lnTo>
-                <a:pt x="2542290" y="441224"/>
+                <a:pt x="2728182" y="236743"/>
+              </a:lnTo>
+              <a:lnTo>
+                <a:pt x="2728182" y="473486"/>
               </a:lnTo>
             </a:path>
           </a:pathLst>
@@ -8017,6 +8380,65 @@
         <a:fontRef idx="minor"/>
       </dsp:style>
     </dsp:sp>
+    <dsp:sp modelId="{A9E1FCC9-2609-49F1-8FCA-1901C48DCF4C}">
+      <dsp:nvSpPr>
+        <dsp:cNvPr id="0" name=""/>
+        <dsp:cNvSpPr/>
+      </dsp:nvSpPr>
+      <dsp:spPr>
+        <a:xfrm>
+          <a:off x="3365662" y="2730143"/>
+          <a:ext cx="338204" cy="1037160"/>
+        </a:xfrm>
+        <a:custGeom>
+          <a:avLst/>
+          <a:gdLst/>
+          <a:ahLst/>
+          <a:cxnLst/>
+          <a:rect l="0" t="0" r="0" b="0"/>
+          <a:pathLst>
+            <a:path>
+              <a:moveTo>
+                <a:pt x="0" y="0"/>
+              </a:moveTo>
+              <a:lnTo>
+                <a:pt x="0" y="1037160"/>
+              </a:lnTo>
+              <a:lnTo>
+                <a:pt x="338204" y="1037160"/>
+              </a:lnTo>
+            </a:path>
+          </a:pathLst>
+        </a:custGeom>
+        <a:noFill/>
+        <a:ln w="12700" cap="flat" cmpd="sng" algn="ctr">
+          <a:solidFill>
+            <a:schemeClr val="accent1">
+              <a:shade val="80000"/>
+              <a:hueOff val="0"/>
+              <a:satOff val="0"/>
+              <a:lumOff val="0"/>
+              <a:alphaOff val="0"/>
+            </a:schemeClr>
+          </a:solidFill>
+          <a:prstDash val="solid"/>
+          <a:miter lim="800000"/>
+        </a:ln>
+        <a:effectLst/>
+      </dsp:spPr>
+      <dsp:style>
+        <a:lnRef idx="2">
+          <a:scrgbClr r="0" g="0" b="0"/>
+        </a:lnRef>
+        <a:fillRef idx="0">
+          <a:scrgbClr r="0" g="0" b="0"/>
+        </a:fillRef>
+        <a:effectRef idx="0">
+          <a:scrgbClr r="0" g="0" b="0"/>
+        </a:effectRef>
+        <a:fontRef idx="minor"/>
+      </dsp:style>
+    </dsp:sp>
     <dsp:sp modelId="{C6A2A661-8126-48E2-B345-C9073D8180E7}">
       <dsp:nvSpPr>
         <dsp:cNvPr id="0" name=""/>
@@ -8024,8 +8446,8 @@
       </dsp:nvSpPr>
       <dsp:spPr>
         <a:xfrm>
-          <a:off x="3547586" y="1340550"/>
-          <a:ext cx="91440" cy="441224"/>
+          <a:off x="4221820" y="1129308"/>
+          <a:ext cx="91440" cy="473486"/>
         </a:xfrm>
         <a:custGeom>
           <a:avLst/>
@@ -8039,7 +8461,7 @@
                 <a:pt x="45720" y="0"/>
               </a:moveTo>
               <a:lnTo>
-                <a:pt x="45720" y="441224"/>
+                <a:pt x="45720" y="473486"/>
               </a:lnTo>
             </a:path>
           </a:pathLst>
@@ -8073,15 +8495,15 @@
         <a:fontRef idx="minor"/>
       </dsp:style>
     </dsp:sp>
-    <dsp:sp modelId="{9247D4DA-E176-4F36-9A7B-D712731E6B14}">
+    <dsp:sp modelId="{2F1EA886-C6B3-43DB-9FB5-18F2E36793AA}">
       <dsp:nvSpPr>
         <dsp:cNvPr id="0" name=""/>
         <dsp:cNvSpPr/>
       </dsp:nvSpPr>
       <dsp:spPr>
         <a:xfrm>
-          <a:off x="1051015" y="1340550"/>
-          <a:ext cx="2542290" cy="441224"/>
+          <a:off x="637479" y="2730143"/>
+          <a:ext cx="338204" cy="1037160"/>
         </a:xfrm>
         <a:custGeom>
           <a:avLst/>
@@ -8092,16 +8514,75 @@
           <a:pathLst>
             <a:path>
               <a:moveTo>
-                <a:pt x="2542290" y="0"/>
+                <a:pt x="0" y="0"/>
               </a:moveTo>
               <a:lnTo>
-                <a:pt x="2542290" y="220612"/>
+                <a:pt x="0" y="1037160"/>
               </a:lnTo>
               <a:lnTo>
-                <a:pt x="0" y="220612"/>
+                <a:pt x="338204" y="1037160"/>
+              </a:lnTo>
+            </a:path>
+          </a:pathLst>
+        </a:custGeom>
+        <a:noFill/>
+        <a:ln w="12700" cap="flat" cmpd="sng" algn="ctr">
+          <a:solidFill>
+            <a:schemeClr val="accent1">
+              <a:shade val="80000"/>
+              <a:hueOff val="0"/>
+              <a:satOff val="0"/>
+              <a:lumOff val="0"/>
+              <a:alphaOff val="0"/>
+            </a:schemeClr>
+          </a:solidFill>
+          <a:prstDash val="solid"/>
+          <a:miter lim="800000"/>
+        </a:ln>
+        <a:effectLst/>
+      </dsp:spPr>
+      <dsp:style>
+        <a:lnRef idx="2">
+          <a:scrgbClr r="0" g="0" b="0"/>
+        </a:lnRef>
+        <a:fillRef idx="0">
+          <a:scrgbClr r="0" g="0" b="0"/>
+        </a:fillRef>
+        <a:effectRef idx="0">
+          <a:scrgbClr r="0" g="0" b="0"/>
+        </a:effectRef>
+        <a:fontRef idx="minor"/>
+      </dsp:style>
+    </dsp:sp>
+    <dsp:sp modelId="{9247D4DA-E176-4F36-9A7B-D712731E6B14}">
+      <dsp:nvSpPr>
+        <dsp:cNvPr id="0" name=""/>
+        <dsp:cNvSpPr/>
+      </dsp:nvSpPr>
+      <dsp:spPr>
+        <a:xfrm>
+          <a:off x="1539358" y="1129308"/>
+          <a:ext cx="2728182" cy="473486"/>
+        </a:xfrm>
+        <a:custGeom>
+          <a:avLst/>
+          <a:gdLst/>
+          <a:ahLst/>
+          <a:cxnLst/>
+          <a:rect l="0" t="0" r="0" b="0"/>
+          <a:pathLst>
+            <a:path>
+              <a:moveTo>
+                <a:pt x="2728182" y="0"/>
+              </a:moveTo>
+              <a:lnTo>
+                <a:pt x="2728182" y="236743"/>
               </a:lnTo>
               <a:lnTo>
-                <a:pt x="0" y="441224"/>
+                <a:pt x="0" y="236743"/>
+              </a:lnTo>
+              <a:lnTo>
+                <a:pt x="0" y="473486"/>
               </a:lnTo>
             </a:path>
           </a:pathLst>
@@ -8142,8 +8623,8 @@
       </dsp:nvSpPr>
       <dsp:spPr>
         <a:xfrm>
-          <a:off x="2542773" y="290017"/>
-          <a:ext cx="2101066" cy="1050533"/>
+          <a:off x="3140192" y="1960"/>
+          <a:ext cx="2254696" cy="1127348"/>
         </a:xfrm>
         <a:prstGeom prst="rect">
           <a:avLst/>
@@ -8185,12 +8666,12 @@
         </a:fontRef>
       </dsp:style>
       <dsp:txBody>
-        <a:bodyPr spcFirstLastPara="0" vert="horz" wrap="square" lIns="15875" tIns="15875" rIns="15875" bIns="15875" numCol="1" spcCol="1270" anchor="ctr" anchorCtr="0">
+        <a:bodyPr spcFirstLastPara="0" vert="horz" wrap="square" lIns="12700" tIns="12700" rIns="12700" bIns="12700" numCol="1" spcCol="1270" anchor="ctr" anchorCtr="0">
           <a:noAutofit/>
         </a:bodyPr>
         <a:lstStyle/>
         <a:p>
-          <a:pPr marL="0" lvl="0" indent="0" algn="ctr" defTabSz="1111250">
+          <a:pPr marL="0" lvl="0" indent="0" algn="ctr" defTabSz="889000">
             <a:lnSpc>
               <a:spcPct val="90000"/>
             </a:lnSpc>
@@ -8203,15 +8684,15 @@
             <a:buNone/>
           </a:pPr>
           <a:r>
-            <a:rPr lang="en-US" sz="2500" kern="1200" dirty="0"/>
+            <a:rPr lang="en-US" sz="2000" kern="1200" dirty="0"/>
             <a:t>Backend</a:t>
           </a:r>
-          <a:endParaRPr lang="en-MY" sz="2500" kern="1200" dirty="0"/>
+          <a:endParaRPr lang="en-MY" sz="2000" kern="1200" dirty="0"/>
         </a:p>
       </dsp:txBody>
       <dsp:txXfrm>
-        <a:off x="2542773" y="290017"/>
-        <a:ext cx="2101066" cy="1050533"/>
+        <a:off x="3140192" y="1960"/>
+        <a:ext cx="2254696" cy="1127348"/>
       </dsp:txXfrm>
     </dsp:sp>
     <dsp:sp modelId="{DE21D347-D7B4-4F3D-815B-B5DB51DC78D4}">
@@ -8221,8 +8702,8 @@
       </dsp:nvSpPr>
       <dsp:spPr>
         <a:xfrm>
-          <a:off x="482" y="1781774"/>
-          <a:ext cx="2101066" cy="1050533"/>
+          <a:off x="412009" y="1602794"/>
+          <a:ext cx="2254696" cy="1127348"/>
         </a:xfrm>
         <a:prstGeom prst="rect">
           <a:avLst/>
@@ -8264,12 +8745,12 @@
         </a:fontRef>
       </dsp:style>
       <dsp:txBody>
-        <a:bodyPr spcFirstLastPara="0" vert="horz" wrap="square" lIns="15875" tIns="15875" rIns="15875" bIns="15875" numCol="1" spcCol="1270" anchor="ctr" anchorCtr="0">
+        <a:bodyPr spcFirstLastPara="0" vert="horz" wrap="square" lIns="12700" tIns="12700" rIns="12700" bIns="12700" numCol="1" spcCol="1270" anchor="ctr" anchorCtr="0">
           <a:noAutofit/>
         </a:bodyPr>
         <a:lstStyle/>
         <a:p>
-          <a:pPr marL="0" lvl="0" indent="0" algn="ctr" defTabSz="1111250">
+          <a:pPr marL="0" lvl="0" indent="0" algn="ctr" defTabSz="889000">
             <a:lnSpc>
               <a:spcPct val="90000"/>
             </a:lnSpc>
@@ -8282,15 +8763,84 @@
             <a:buNone/>
           </a:pPr>
           <a:r>
-            <a:rPr lang="en-US" sz="2500" kern="1200" dirty="0"/>
+            <a:rPr lang="en-US" sz="2000" kern="1200" dirty="0"/>
             <a:t>Console</a:t>
           </a:r>
-          <a:endParaRPr lang="en-MY" sz="2500" kern="1200" dirty="0"/>
+          <a:endParaRPr lang="en-MY" sz="2000" kern="1200" dirty="0"/>
         </a:p>
       </dsp:txBody>
       <dsp:txXfrm>
-        <a:off x="482" y="1781774"/>
-        <a:ext cx="2101066" cy="1050533"/>
+        <a:off x="412009" y="1602794"/>
+        <a:ext cx="2254696" cy="1127348"/>
+      </dsp:txXfrm>
+    </dsp:sp>
+    <dsp:sp modelId="{1D4964D1-165D-4B1A-ACCA-AC06C6263449}">
+      <dsp:nvSpPr>
+        <dsp:cNvPr id="0" name=""/>
+        <dsp:cNvSpPr/>
+      </dsp:nvSpPr>
+      <dsp:spPr>
+        <a:xfrm>
+          <a:off x="975683" y="3203629"/>
+          <a:ext cx="2254696" cy="1127348"/>
+        </a:xfrm>
+        <a:prstGeom prst="rect">
+          <a:avLst/>
+        </a:prstGeom>
+        <a:solidFill>
+          <a:schemeClr val="lt1"/>
+        </a:solidFill>
+        <a:ln w="12700" cap="flat" cmpd="sng" algn="ctr">
+          <a:solidFill>
+            <a:schemeClr val="dk1"/>
+          </a:solidFill>
+          <a:prstDash val="solid"/>
+          <a:miter lim="800000"/>
+        </a:ln>
+        <a:effectLst/>
+      </dsp:spPr>
+      <dsp:style>
+        <a:lnRef idx="2">
+          <a:schemeClr val="dk1"/>
+        </a:lnRef>
+        <a:fillRef idx="1">
+          <a:schemeClr val="lt1"/>
+        </a:fillRef>
+        <a:effectRef idx="0">
+          <a:schemeClr val="dk1"/>
+        </a:effectRef>
+        <a:fontRef idx="minor">
+          <a:schemeClr val="dk1"/>
+        </a:fontRef>
+      </dsp:style>
+      <dsp:txBody>
+        <a:bodyPr spcFirstLastPara="0" vert="horz" wrap="square" lIns="6985" tIns="6985" rIns="6985" bIns="6985" numCol="1" spcCol="1270" anchor="ctr" anchorCtr="0">
+          <a:noAutofit/>
+        </a:bodyPr>
+        <a:lstStyle/>
+        <a:p>
+          <a:pPr marL="0" lvl="0" indent="0" algn="ctr" defTabSz="488950">
+            <a:lnSpc>
+              <a:spcPct val="90000"/>
+            </a:lnSpc>
+            <a:spcBef>
+              <a:spcPct val="0"/>
+            </a:spcBef>
+            <a:spcAft>
+              <a:spcPct val="35000"/>
+            </a:spcAft>
+            <a:buNone/>
+          </a:pPr>
+          <a:r>
+            <a:rPr lang="en-US" sz="1100" kern="1200" dirty="0"/>
+            <a:t>http://localhost:8080/console</a:t>
+          </a:r>
+          <a:endParaRPr lang="en-MY" sz="1100" kern="1200" dirty="0"/>
+        </a:p>
+      </dsp:txBody>
+      <dsp:txXfrm>
+        <a:off x="975683" y="3203629"/>
+        <a:ext cx="2254696" cy="1127348"/>
       </dsp:txXfrm>
     </dsp:sp>
     <dsp:sp modelId="{DFE4809F-3D7B-4894-909A-412368FF4BCF}">
@@ -8300,8 +8850,8 @@
       </dsp:nvSpPr>
       <dsp:spPr>
         <a:xfrm>
-          <a:off x="2542773" y="1781774"/>
-          <a:ext cx="2101066" cy="1050533"/>
+          <a:off x="3140192" y="1602794"/>
+          <a:ext cx="2254696" cy="1127348"/>
         </a:xfrm>
         <a:prstGeom prst="rect">
           <a:avLst/>
@@ -8343,12 +8893,12 @@
         </a:fontRef>
       </dsp:style>
       <dsp:txBody>
-        <a:bodyPr spcFirstLastPara="0" vert="horz" wrap="square" lIns="15875" tIns="15875" rIns="15875" bIns="15875" numCol="1" spcCol="1270" anchor="ctr" anchorCtr="0">
+        <a:bodyPr spcFirstLastPara="0" vert="horz" wrap="square" lIns="12700" tIns="12700" rIns="12700" bIns="12700" numCol="1" spcCol="1270" anchor="ctr" anchorCtr="0">
           <a:noAutofit/>
         </a:bodyPr>
         <a:lstStyle/>
         <a:p>
-          <a:pPr marL="0" lvl="0" indent="0" algn="ctr" defTabSz="1111250">
+          <a:pPr marL="0" lvl="0" indent="0" algn="ctr" defTabSz="889000">
             <a:lnSpc>
               <a:spcPct val="90000"/>
             </a:lnSpc>
@@ -8361,15 +8911,84 @@
             <a:buNone/>
           </a:pPr>
           <a:r>
-            <a:rPr lang="en-MY" sz="2500" b="0" i="0" kern="1200" dirty="0"/>
+            <a:rPr lang="en-MY" sz="2000" b="0" i="0" kern="1200" dirty="0"/>
             <a:t>Backoffice</a:t>
           </a:r>
-          <a:endParaRPr lang="en-MY" sz="2500" kern="1200" dirty="0"/>
+          <a:endParaRPr lang="en-MY" sz="2000" kern="1200" dirty="0"/>
         </a:p>
       </dsp:txBody>
       <dsp:txXfrm>
-        <a:off x="2542773" y="1781774"/>
-        <a:ext cx="2101066" cy="1050533"/>
+        <a:off x="3140192" y="1602794"/>
+        <a:ext cx="2254696" cy="1127348"/>
+      </dsp:txXfrm>
+    </dsp:sp>
+    <dsp:sp modelId="{54C1ACBB-615C-4FAD-838A-A79E5BBD6244}">
+      <dsp:nvSpPr>
+        <dsp:cNvPr id="0" name=""/>
+        <dsp:cNvSpPr/>
+      </dsp:nvSpPr>
+      <dsp:spPr>
+        <a:xfrm>
+          <a:off x="3703866" y="3203629"/>
+          <a:ext cx="2254696" cy="1127348"/>
+        </a:xfrm>
+        <a:prstGeom prst="rect">
+          <a:avLst/>
+        </a:prstGeom>
+        <a:solidFill>
+          <a:schemeClr val="lt1"/>
+        </a:solidFill>
+        <a:ln w="12700" cap="flat" cmpd="sng" algn="ctr">
+          <a:solidFill>
+            <a:schemeClr val="dk1"/>
+          </a:solidFill>
+          <a:prstDash val="solid"/>
+          <a:miter lim="800000"/>
+        </a:ln>
+        <a:effectLst/>
+      </dsp:spPr>
+      <dsp:style>
+        <a:lnRef idx="2">
+          <a:schemeClr val="dk1"/>
+        </a:lnRef>
+        <a:fillRef idx="1">
+          <a:schemeClr val="lt1"/>
+        </a:fillRef>
+        <a:effectRef idx="0">
+          <a:schemeClr val="dk1"/>
+        </a:effectRef>
+        <a:fontRef idx="minor">
+          <a:schemeClr val="dk1"/>
+        </a:fontRef>
+      </dsp:style>
+      <dsp:txBody>
+        <a:bodyPr spcFirstLastPara="0" vert="horz" wrap="square" lIns="6985" tIns="6985" rIns="6985" bIns="6985" numCol="1" spcCol="1270" anchor="ctr" anchorCtr="0">
+          <a:noAutofit/>
+        </a:bodyPr>
+        <a:lstStyle/>
+        <a:p>
+          <a:pPr marL="0" lvl="0" indent="0" algn="ctr" defTabSz="488950">
+            <a:lnSpc>
+              <a:spcPct val="90000"/>
+            </a:lnSpc>
+            <a:spcBef>
+              <a:spcPct val="0"/>
+            </a:spcBef>
+            <a:spcAft>
+              <a:spcPct val="35000"/>
+            </a:spcAft>
+            <a:buNone/>
+          </a:pPr>
+          <a:r>
+            <a:rPr lang="en-US" sz="1100" kern="1200" dirty="0"/>
+            <a:t>http://localhost:8080/backoffice</a:t>
+          </a:r>
+          <a:endParaRPr lang="en-MY" sz="1100" kern="1200" dirty="0"/>
+        </a:p>
+      </dsp:txBody>
+      <dsp:txXfrm>
+        <a:off x="3703866" y="3203629"/>
+        <a:ext cx="2254696" cy="1127348"/>
       </dsp:txXfrm>
     </dsp:sp>
     <dsp:sp modelId="{337A4F7E-BE49-4F9C-BFFF-635EFDB9DDCB}">
@@ -8379,8 +8998,8 @@
       </dsp:nvSpPr>
       <dsp:spPr>
         <a:xfrm>
-          <a:off x="5085063" y="1781774"/>
-          <a:ext cx="2101066" cy="1050533"/>
+          <a:off x="5868375" y="1602794"/>
+          <a:ext cx="2254696" cy="1127348"/>
         </a:xfrm>
         <a:prstGeom prst="rect">
           <a:avLst/>
@@ -8422,12 +9041,12 @@
         </a:fontRef>
       </dsp:style>
       <dsp:txBody>
-        <a:bodyPr spcFirstLastPara="0" vert="horz" wrap="square" lIns="15875" tIns="15875" rIns="15875" bIns="15875" numCol="1" spcCol="1270" anchor="ctr" anchorCtr="0">
+        <a:bodyPr spcFirstLastPara="0" vert="horz" wrap="square" lIns="12700" tIns="12700" rIns="12700" bIns="12700" numCol="1" spcCol="1270" anchor="ctr" anchorCtr="0">
           <a:noAutofit/>
         </a:bodyPr>
         <a:lstStyle/>
         <a:p>
-          <a:pPr marL="0" lvl="0" indent="0" algn="ctr" defTabSz="1111250">
+          <a:pPr marL="0" lvl="0" indent="0" algn="ctr" defTabSz="889000">
             <a:lnSpc>
               <a:spcPct val="90000"/>
             </a:lnSpc>
@@ -8440,15 +9059,84 @@
             <a:buNone/>
           </a:pPr>
           <a:r>
-            <a:rPr lang="en-US" sz="2500" kern="1200" dirty="0"/>
+            <a:rPr lang="en-US" sz="2000" kern="1200" dirty="0"/>
             <a:t>Documentation</a:t>
           </a:r>
-          <a:endParaRPr lang="en-MY" sz="2500" kern="1200" dirty="0"/>
+          <a:endParaRPr lang="en-MY" sz="2000" kern="1200" dirty="0"/>
         </a:p>
       </dsp:txBody>
       <dsp:txXfrm>
-        <a:off x="5085063" y="1781774"/>
-        <a:ext cx="2101066" cy="1050533"/>
+        <a:off x="5868375" y="1602794"/>
+        <a:ext cx="2254696" cy="1127348"/>
+      </dsp:txXfrm>
+    </dsp:sp>
+    <dsp:sp modelId="{96E97766-8CC7-4578-9C8B-A4C49B0870C9}">
+      <dsp:nvSpPr>
+        <dsp:cNvPr id="0" name=""/>
+        <dsp:cNvSpPr/>
+      </dsp:nvSpPr>
+      <dsp:spPr>
+        <a:xfrm>
+          <a:off x="6432049" y="3203629"/>
+          <a:ext cx="2254696" cy="1127348"/>
+        </a:xfrm>
+        <a:prstGeom prst="rect">
+          <a:avLst/>
+        </a:prstGeom>
+        <a:solidFill>
+          <a:schemeClr val="lt1"/>
+        </a:solidFill>
+        <a:ln w="12700" cap="flat" cmpd="sng" algn="ctr">
+          <a:solidFill>
+            <a:schemeClr val="dk1"/>
+          </a:solidFill>
+          <a:prstDash val="solid"/>
+          <a:miter lim="800000"/>
+        </a:ln>
+        <a:effectLst/>
+      </dsp:spPr>
+      <dsp:style>
+        <a:lnRef idx="2">
+          <a:schemeClr val="dk1"/>
+        </a:lnRef>
+        <a:fillRef idx="1">
+          <a:schemeClr val="lt1"/>
+        </a:fillRef>
+        <a:effectRef idx="0">
+          <a:schemeClr val="dk1"/>
+        </a:effectRef>
+        <a:fontRef idx="minor">
+          <a:schemeClr val="dk1"/>
+        </a:fontRef>
+      </dsp:style>
+      <dsp:txBody>
+        <a:bodyPr spcFirstLastPara="0" vert="horz" wrap="square" lIns="6985" tIns="6985" rIns="6985" bIns="6985" numCol="1" spcCol="1270" anchor="ctr" anchorCtr="0">
+          <a:noAutofit/>
+        </a:bodyPr>
+        <a:lstStyle/>
+        <a:p>
+          <a:pPr marL="0" lvl="0" indent="0" algn="ctr" defTabSz="488950">
+            <a:lnSpc>
+              <a:spcPct val="90000"/>
+            </a:lnSpc>
+            <a:spcBef>
+              <a:spcPct val="0"/>
+            </a:spcBef>
+            <a:spcAft>
+              <a:spcPct val="35000"/>
+            </a:spcAft>
+            <a:buNone/>
+          </a:pPr>
+          <a:r>
+            <a:rPr lang="en-US" sz="1100" kern="1200" dirty="0"/>
+            <a:t>http://localhost:8080/documentation</a:t>
+          </a:r>
+          <a:endParaRPr lang="en-MY" sz="1100" kern="1200" dirty="0"/>
+        </a:p>
+      </dsp:txBody>
+      <dsp:txXfrm>
+        <a:off x="6432049" y="3203629"/>
+        <a:ext cx="2254696" cy="1127348"/>
       </dsp:txXfrm>
     </dsp:sp>
   </dsp:spTree>
@@ -24372,7 +25060,7 @@
           <a:p>
             <a:fld id="{205F328E-86E4-4C65-8989-26A9ADB18F9E}" type="datetimeFigureOut">
               <a:rPr lang="en-MY" smtClean="0"/>
-              <a:t>2/5/2021</a:t>
+              <a:t>3/5/2021</a:t>
             </a:fld>
             <a:endParaRPr lang="en-MY"/>
           </a:p>
@@ -24789,7 +25477,7 @@
           <a:p>
             <a:fld id="{86680D89-6BDC-40FC-A394-8A31A5847801}" type="datetimeFigureOut">
               <a:rPr lang="en-MY" smtClean="0"/>
-              <a:t>2/5/2021</a:t>
+              <a:t>3/5/2021</a:t>
             </a:fld>
             <a:endParaRPr lang="en-MY"/>
           </a:p>
@@ -24989,7 +25677,7 @@
           <a:p>
             <a:fld id="{86680D89-6BDC-40FC-A394-8A31A5847801}" type="datetimeFigureOut">
               <a:rPr lang="en-MY" smtClean="0"/>
-              <a:t>2/5/2021</a:t>
+              <a:t>3/5/2021</a:t>
             </a:fld>
             <a:endParaRPr lang="en-MY"/>
           </a:p>
@@ -25199,7 +25887,7 @@
           <a:p>
             <a:fld id="{86680D89-6BDC-40FC-A394-8A31A5847801}" type="datetimeFigureOut">
               <a:rPr lang="en-MY" smtClean="0"/>
-              <a:t>2/5/2021</a:t>
+              <a:t>3/5/2021</a:t>
             </a:fld>
             <a:endParaRPr lang="en-MY"/>
           </a:p>
@@ -25399,7 +26087,7 @@
           <a:p>
             <a:fld id="{86680D89-6BDC-40FC-A394-8A31A5847801}" type="datetimeFigureOut">
               <a:rPr lang="en-MY" smtClean="0"/>
-              <a:t>2/5/2021</a:t>
+              <a:t>3/5/2021</a:t>
             </a:fld>
             <a:endParaRPr lang="en-MY"/>
           </a:p>
@@ -25675,7 +26363,7 @@
           <a:p>
             <a:fld id="{86680D89-6BDC-40FC-A394-8A31A5847801}" type="datetimeFigureOut">
               <a:rPr lang="en-MY" smtClean="0"/>
-              <a:t>2/5/2021</a:t>
+              <a:t>3/5/2021</a:t>
             </a:fld>
             <a:endParaRPr lang="en-MY"/>
           </a:p>
@@ -25943,7 +26631,7 @@
           <a:p>
             <a:fld id="{86680D89-6BDC-40FC-A394-8A31A5847801}" type="datetimeFigureOut">
               <a:rPr lang="en-MY" smtClean="0"/>
-              <a:t>2/5/2021</a:t>
+              <a:t>3/5/2021</a:t>
             </a:fld>
             <a:endParaRPr lang="en-MY"/>
           </a:p>
@@ -26358,7 +27046,7 @@
           <a:p>
             <a:fld id="{86680D89-6BDC-40FC-A394-8A31A5847801}" type="datetimeFigureOut">
               <a:rPr lang="en-MY" smtClean="0"/>
-              <a:t>2/5/2021</a:t>
+              <a:t>3/5/2021</a:t>
             </a:fld>
             <a:endParaRPr lang="en-MY"/>
           </a:p>
@@ -26500,7 +27188,7 @@
           <a:p>
             <a:fld id="{86680D89-6BDC-40FC-A394-8A31A5847801}" type="datetimeFigureOut">
               <a:rPr lang="en-MY" smtClean="0"/>
-              <a:t>2/5/2021</a:t>
+              <a:t>3/5/2021</a:t>
             </a:fld>
             <a:endParaRPr lang="en-MY"/>
           </a:p>
@@ -26613,7 +27301,7 @@
           <a:p>
             <a:fld id="{86680D89-6BDC-40FC-A394-8A31A5847801}" type="datetimeFigureOut">
               <a:rPr lang="en-MY" smtClean="0"/>
-              <a:t>2/5/2021</a:t>
+              <a:t>3/5/2021</a:t>
             </a:fld>
             <a:endParaRPr lang="en-MY"/>
           </a:p>
@@ -26926,7 +27614,7 @@
           <a:p>
             <a:fld id="{86680D89-6BDC-40FC-A394-8A31A5847801}" type="datetimeFigureOut">
               <a:rPr lang="en-MY" smtClean="0"/>
-              <a:t>2/5/2021</a:t>
+              <a:t>3/5/2021</a:t>
             </a:fld>
             <a:endParaRPr lang="en-MY"/>
           </a:p>
@@ -27215,7 +27903,7 @@
           <a:p>
             <a:fld id="{86680D89-6BDC-40FC-A394-8A31A5847801}" type="datetimeFigureOut">
               <a:rPr lang="en-MY" smtClean="0"/>
-              <a:t>2/5/2021</a:t>
+              <a:t>3/5/2021</a:t>
             </a:fld>
             <a:endParaRPr lang="en-MY"/>
           </a:p>
@@ -27458,7 +28146,7 @@
           <a:p>
             <a:fld id="{86680D89-6BDC-40FC-A394-8A31A5847801}" type="datetimeFigureOut">
               <a:rPr lang="en-MY" smtClean="0"/>
-              <a:t>2/5/2021</a:t>
+              <a:t>3/5/2021</a:t>
             </a:fld>
             <a:endParaRPr lang="en-MY"/>
           </a:p>
@@ -29075,8 +29763,8 @@
         </p:nvSpPr>
         <p:spPr>
           <a:xfrm>
-            <a:off x="4538663" y="609600"/>
-            <a:ext cx="1543050" cy="369332"/>
+            <a:off x="4897041" y="592697"/>
+            <a:ext cx="852487" cy="369332"/>
           </a:xfrm>
           <a:prstGeom prst="rect">
             <a:avLst/>
@@ -29091,7 +29779,7 @@
           <a:p>
             <a:r>
               <a:rPr lang="en-US" dirty="0"/>
-              <a:t>Façade Layer</a:t>
+              <a:t>Façade</a:t>
             </a:r>
             <a:endParaRPr lang="en-MY" dirty="0"/>
           </a:p>
@@ -29166,6 +29854,1595 @@
       </p:grpSpPr>
       <p:sp>
         <p:nvSpPr>
+          <p:cNvPr id="46" name="Rectangle 45">
+            <a:extLst>
+              <a:ext uri="{FF2B5EF4-FFF2-40B4-BE49-F238E27FC236}">
+                <a16:creationId xmlns:a16="http://schemas.microsoft.com/office/drawing/2014/main" id="{07C7A548-A5AF-48AC-B019-A7B369FD8E24}"/>
+              </a:ext>
+            </a:extLst>
+          </p:cNvPr>
+          <p:cNvSpPr/>
+          <p:nvPr/>
+        </p:nvSpPr>
+        <p:spPr>
+          <a:xfrm>
+            <a:off x="2140741" y="3735033"/>
+            <a:ext cx="7703345" cy="2901663"/>
+          </a:xfrm>
+          <a:prstGeom prst="rect">
+            <a:avLst/>
+          </a:prstGeom>
+        </p:spPr>
+        <p:style>
+          <a:lnRef idx="2">
+            <a:schemeClr val="accent6"/>
+          </a:lnRef>
+          <a:fillRef idx="1">
+            <a:schemeClr val="lt1"/>
+          </a:fillRef>
+          <a:effectRef idx="0">
+            <a:schemeClr val="accent6"/>
+          </a:effectRef>
+          <a:fontRef idx="minor">
+            <a:schemeClr val="dk1"/>
+          </a:fontRef>
+        </p:style>
+        <p:txBody>
+          <a:bodyPr rtlCol="0" anchor="ctr"/>
+          <a:lstStyle/>
+          <a:p>
+            <a:pPr algn="ctr"/>
+            <a:endParaRPr lang="en-MY"/>
+          </a:p>
+        </p:txBody>
+      </p:sp>
+      <p:sp>
+        <p:nvSpPr>
+          <p:cNvPr id="4" name="Rectangle: Rounded Corners 3">
+            <a:extLst>
+              <a:ext uri="{FF2B5EF4-FFF2-40B4-BE49-F238E27FC236}">
+                <a16:creationId xmlns:a16="http://schemas.microsoft.com/office/drawing/2014/main" id="{D6DCE9DA-16DA-44D3-99B0-2982075FA646}"/>
+              </a:ext>
+            </a:extLst>
+          </p:cNvPr>
+          <p:cNvSpPr/>
+          <p:nvPr/>
+        </p:nvSpPr>
+        <p:spPr>
+          <a:xfrm>
+            <a:off x="3334940" y="1853406"/>
+            <a:ext cx="1809750" cy="904875"/>
+          </a:xfrm>
+          <a:prstGeom prst="roundRect">
+            <a:avLst/>
+          </a:prstGeom>
+        </p:spPr>
+        <p:style>
+          <a:lnRef idx="2">
+            <a:schemeClr val="accent1">
+              <a:shade val="50000"/>
+            </a:schemeClr>
+          </a:lnRef>
+          <a:fillRef idx="1">
+            <a:schemeClr val="accent1"/>
+          </a:fillRef>
+          <a:effectRef idx="0">
+            <a:schemeClr val="accent1"/>
+          </a:effectRef>
+          <a:fontRef idx="minor">
+            <a:schemeClr val="lt1"/>
+          </a:fontRef>
+        </p:style>
+        <p:txBody>
+          <a:bodyPr rtlCol="0" anchor="ctr"/>
+          <a:lstStyle/>
+          <a:p>
+            <a:pPr algn="ctr"/>
+            <a:r>
+              <a:rPr lang="en-US" dirty="0"/>
+              <a:t>Facade</a:t>
+            </a:r>
+          </a:p>
+        </p:txBody>
+      </p:sp>
+      <p:sp>
+        <p:nvSpPr>
+          <p:cNvPr id="5" name="Rectangle: Rounded Corners 4">
+            <a:extLst>
+              <a:ext uri="{FF2B5EF4-FFF2-40B4-BE49-F238E27FC236}">
+                <a16:creationId xmlns:a16="http://schemas.microsoft.com/office/drawing/2014/main" id="{CAC96C6D-6828-482E-8FC2-0BD9565564C3}"/>
+              </a:ext>
+            </a:extLst>
+          </p:cNvPr>
+          <p:cNvSpPr/>
+          <p:nvPr/>
+        </p:nvSpPr>
+        <p:spPr>
+          <a:xfrm>
+            <a:off x="1001315" y="1841499"/>
+            <a:ext cx="1809750" cy="904875"/>
+          </a:xfrm>
+          <a:prstGeom prst="roundRect">
+            <a:avLst/>
+          </a:prstGeom>
+        </p:spPr>
+        <p:style>
+          <a:lnRef idx="2">
+            <a:schemeClr val="accent1">
+              <a:shade val="50000"/>
+            </a:schemeClr>
+          </a:lnRef>
+          <a:fillRef idx="1">
+            <a:schemeClr val="accent1"/>
+          </a:fillRef>
+          <a:effectRef idx="0">
+            <a:schemeClr val="accent1"/>
+          </a:effectRef>
+          <a:fontRef idx="minor">
+            <a:schemeClr val="lt1"/>
+          </a:fontRef>
+        </p:style>
+        <p:txBody>
+          <a:bodyPr rtlCol="0" anchor="ctr"/>
+          <a:lstStyle/>
+          <a:p>
+            <a:pPr algn="ctr"/>
+            <a:r>
+              <a:rPr lang="en-US" dirty="0"/>
+              <a:t>Controller</a:t>
+            </a:r>
+          </a:p>
+        </p:txBody>
+      </p:sp>
+      <p:sp>
+        <p:nvSpPr>
+          <p:cNvPr id="6" name="Rectangle: Rounded Corners 5">
+            <a:extLst>
+              <a:ext uri="{FF2B5EF4-FFF2-40B4-BE49-F238E27FC236}">
+                <a16:creationId xmlns:a16="http://schemas.microsoft.com/office/drawing/2014/main" id="{1040E68D-3E5F-4208-9224-2815DCA6F6F8}"/>
+              </a:ext>
+            </a:extLst>
+          </p:cNvPr>
+          <p:cNvSpPr/>
+          <p:nvPr/>
+        </p:nvSpPr>
+        <p:spPr>
+          <a:xfrm>
+            <a:off x="5668565" y="1841499"/>
+            <a:ext cx="1809750" cy="904875"/>
+          </a:xfrm>
+          <a:prstGeom prst="roundRect">
+            <a:avLst/>
+          </a:prstGeom>
+        </p:spPr>
+        <p:style>
+          <a:lnRef idx="2">
+            <a:schemeClr val="accent1">
+              <a:shade val="50000"/>
+            </a:schemeClr>
+          </a:lnRef>
+          <a:fillRef idx="1">
+            <a:schemeClr val="accent1"/>
+          </a:fillRef>
+          <a:effectRef idx="0">
+            <a:schemeClr val="accent1"/>
+          </a:effectRef>
+          <a:fontRef idx="minor">
+            <a:schemeClr val="lt1"/>
+          </a:fontRef>
+        </p:style>
+        <p:txBody>
+          <a:bodyPr rtlCol="0" anchor="ctr"/>
+          <a:lstStyle/>
+          <a:p>
+            <a:pPr algn="ctr"/>
+            <a:r>
+              <a:rPr lang="en-US" dirty="0"/>
+              <a:t>Service</a:t>
+            </a:r>
+          </a:p>
+        </p:txBody>
+      </p:sp>
+      <p:sp>
+        <p:nvSpPr>
+          <p:cNvPr id="7" name="Rectangle: Rounded Corners 6">
+            <a:extLst>
+              <a:ext uri="{FF2B5EF4-FFF2-40B4-BE49-F238E27FC236}">
+                <a16:creationId xmlns:a16="http://schemas.microsoft.com/office/drawing/2014/main" id="{99456D52-719F-479D-B5D3-2F0DC742D823}"/>
+              </a:ext>
+            </a:extLst>
+          </p:cNvPr>
+          <p:cNvSpPr/>
+          <p:nvPr/>
+        </p:nvSpPr>
+        <p:spPr>
+          <a:xfrm>
+            <a:off x="8002190" y="1841499"/>
+            <a:ext cx="1809750" cy="904875"/>
+          </a:xfrm>
+          <a:prstGeom prst="roundRect">
+            <a:avLst/>
+          </a:prstGeom>
+        </p:spPr>
+        <p:style>
+          <a:lnRef idx="2">
+            <a:schemeClr val="accent1">
+              <a:shade val="50000"/>
+            </a:schemeClr>
+          </a:lnRef>
+          <a:fillRef idx="1">
+            <a:schemeClr val="accent1"/>
+          </a:fillRef>
+          <a:effectRef idx="0">
+            <a:schemeClr val="accent1"/>
+          </a:effectRef>
+          <a:fontRef idx="minor">
+            <a:schemeClr val="lt1"/>
+          </a:fontRef>
+        </p:style>
+        <p:txBody>
+          <a:bodyPr rtlCol="0" anchor="ctr"/>
+          <a:lstStyle/>
+          <a:p>
+            <a:pPr algn="ctr"/>
+            <a:r>
+              <a:rPr lang="en-US" dirty="0"/>
+              <a:t>Repository</a:t>
+            </a:r>
+          </a:p>
+        </p:txBody>
+      </p:sp>
+      <p:cxnSp>
+        <p:nvCxnSpPr>
+          <p:cNvPr id="8" name="Straight Arrow Connector 7">
+            <a:extLst>
+              <a:ext uri="{FF2B5EF4-FFF2-40B4-BE49-F238E27FC236}">
+                <a16:creationId xmlns:a16="http://schemas.microsoft.com/office/drawing/2014/main" id="{3559BEF5-0847-44FD-B2B1-E55F39C1BDC2}"/>
+              </a:ext>
+            </a:extLst>
+          </p:cNvPr>
+          <p:cNvCxnSpPr>
+            <a:stCxn id="5" idx="3"/>
+            <a:endCxn id="4" idx="1"/>
+          </p:cNvCxnSpPr>
+          <p:nvPr/>
+        </p:nvCxnSpPr>
+        <p:spPr>
+          <a:xfrm>
+            <a:off x="2811065" y="2293937"/>
+            <a:ext cx="523875" cy="11907"/>
+          </a:xfrm>
+          <a:prstGeom prst="straightConnector1">
+            <a:avLst/>
+          </a:prstGeom>
+          <a:ln>
+            <a:headEnd type="triangle"/>
+            <a:tailEnd type="triangle"/>
+          </a:ln>
+        </p:spPr>
+        <p:style>
+          <a:lnRef idx="1">
+            <a:schemeClr val="accent1"/>
+          </a:lnRef>
+          <a:fillRef idx="0">
+            <a:schemeClr val="accent1"/>
+          </a:fillRef>
+          <a:effectRef idx="0">
+            <a:schemeClr val="accent1"/>
+          </a:effectRef>
+          <a:fontRef idx="minor">
+            <a:schemeClr val="tx1"/>
+          </a:fontRef>
+        </p:style>
+      </p:cxnSp>
+      <p:cxnSp>
+        <p:nvCxnSpPr>
+          <p:cNvPr id="9" name="Straight Arrow Connector 8">
+            <a:extLst>
+              <a:ext uri="{FF2B5EF4-FFF2-40B4-BE49-F238E27FC236}">
+                <a16:creationId xmlns:a16="http://schemas.microsoft.com/office/drawing/2014/main" id="{ACEE06E7-0D5F-4C63-B4C0-07A5B238DD1A}"/>
+              </a:ext>
+            </a:extLst>
+          </p:cNvPr>
+          <p:cNvCxnSpPr>
+            <a:cxnSpLocks/>
+            <a:stCxn id="4" idx="3"/>
+            <a:endCxn id="6" idx="1"/>
+          </p:cNvCxnSpPr>
+          <p:nvPr/>
+        </p:nvCxnSpPr>
+        <p:spPr>
+          <a:xfrm flipV="1">
+            <a:off x="5144690" y="2293937"/>
+            <a:ext cx="523875" cy="11907"/>
+          </a:xfrm>
+          <a:prstGeom prst="straightConnector1">
+            <a:avLst/>
+          </a:prstGeom>
+          <a:ln>
+            <a:headEnd type="triangle"/>
+            <a:tailEnd type="triangle"/>
+          </a:ln>
+        </p:spPr>
+        <p:style>
+          <a:lnRef idx="1">
+            <a:schemeClr val="accent1"/>
+          </a:lnRef>
+          <a:fillRef idx="0">
+            <a:schemeClr val="accent1"/>
+          </a:fillRef>
+          <a:effectRef idx="0">
+            <a:schemeClr val="accent1"/>
+          </a:effectRef>
+          <a:fontRef idx="minor">
+            <a:schemeClr val="tx1"/>
+          </a:fontRef>
+        </p:style>
+      </p:cxnSp>
+      <p:cxnSp>
+        <p:nvCxnSpPr>
+          <p:cNvPr id="10" name="Straight Arrow Connector 9">
+            <a:extLst>
+              <a:ext uri="{FF2B5EF4-FFF2-40B4-BE49-F238E27FC236}">
+                <a16:creationId xmlns:a16="http://schemas.microsoft.com/office/drawing/2014/main" id="{8AC6789A-A177-4980-9E55-3F90C2DD35EF}"/>
+              </a:ext>
+            </a:extLst>
+          </p:cNvPr>
+          <p:cNvCxnSpPr>
+            <a:cxnSpLocks/>
+            <a:stCxn id="6" idx="3"/>
+            <a:endCxn id="7" idx="1"/>
+          </p:cNvCxnSpPr>
+          <p:nvPr/>
+        </p:nvCxnSpPr>
+        <p:spPr>
+          <a:xfrm>
+            <a:off x="7478315" y="2293937"/>
+            <a:ext cx="523875" cy="0"/>
+          </a:xfrm>
+          <a:prstGeom prst="straightConnector1">
+            <a:avLst/>
+          </a:prstGeom>
+          <a:ln>
+            <a:headEnd type="triangle"/>
+            <a:tailEnd type="triangle"/>
+          </a:ln>
+        </p:spPr>
+        <p:style>
+          <a:lnRef idx="1">
+            <a:schemeClr val="accent1"/>
+          </a:lnRef>
+          <a:fillRef idx="0">
+            <a:schemeClr val="accent1"/>
+          </a:fillRef>
+          <a:effectRef idx="0">
+            <a:schemeClr val="accent1"/>
+          </a:effectRef>
+          <a:fontRef idx="minor">
+            <a:schemeClr val="tx1"/>
+          </a:fontRef>
+        </p:style>
+      </p:cxnSp>
+      <p:sp>
+        <p:nvSpPr>
+          <p:cNvPr id="11" name="TextBox 10">
+            <a:extLst>
+              <a:ext uri="{FF2B5EF4-FFF2-40B4-BE49-F238E27FC236}">
+                <a16:creationId xmlns:a16="http://schemas.microsoft.com/office/drawing/2014/main" id="{B853B0E1-F1FD-428C-85E9-247A4F8BA137}"/>
+              </a:ext>
+            </a:extLst>
+          </p:cNvPr>
+          <p:cNvSpPr txBox="1"/>
+          <p:nvPr/>
+        </p:nvSpPr>
+        <p:spPr>
+          <a:xfrm>
+            <a:off x="2381" y="0"/>
+            <a:ext cx="4350544" cy="584775"/>
+          </a:xfrm>
+          <a:prstGeom prst="rect">
+            <a:avLst/>
+          </a:prstGeom>
+          <a:noFill/>
+        </p:spPr>
+        <p:txBody>
+          <a:bodyPr wrap="square" rtlCol="0">
+            <a:spAutoFit/>
+          </a:bodyPr>
+          <a:lstStyle/>
+          <a:p>
+            <a:pPr algn="ctr"/>
+            <a:r>
+              <a:rPr lang="en-US" sz="3200" dirty="0"/>
+              <a:t>Application Layering</a:t>
+            </a:r>
+            <a:endParaRPr lang="en-MY" sz="3200" dirty="0"/>
+          </a:p>
+        </p:txBody>
+      </p:sp>
+      <p:sp>
+        <p:nvSpPr>
+          <p:cNvPr id="14" name="Rectangle: Rounded Corners 13">
+            <a:extLst>
+              <a:ext uri="{FF2B5EF4-FFF2-40B4-BE49-F238E27FC236}">
+                <a16:creationId xmlns:a16="http://schemas.microsoft.com/office/drawing/2014/main" id="{4A04ABD1-B561-4951-A41A-EBD8673B9818}"/>
+              </a:ext>
+            </a:extLst>
+          </p:cNvPr>
+          <p:cNvSpPr/>
+          <p:nvPr/>
+        </p:nvSpPr>
+        <p:spPr>
+          <a:xfrm>
+            <a:off x="1184671" y="775203"/>
+            <a:ext cx="1443037" cy="619125"/>
+          </a:xfrm>
+          <a:prstGeom prst="roundRect">
+            <a:avLst/>
+          </a:prstGeom>
+        </p:spPr>
+        <p:style>
+          <a:lnRef idx="2">
+            <a:schemeClr val="accent6"/>
+          </a:lnRef>
+          <a:fillRef idx="1">
+            <a:schemeClr val="lt1"/>
+          </a:fillRef>
+          <a:effectRef idx="0">
+            <a:schemeClr val="accent6"/>
+          </a:effectRef>
+          <a:fontRef idx="minor">
+            <a:schemeClr val="dk1"/>
+          </a:fontRef>
+        </p:style>
+        <p:txBody>
+          <a:bodyPr rtlCol="0" anchor="ctr"/>
+          <a:lstStyle/>
+          <a:p>
+            <a:pPr algn="ctr"/>
+            <a:r>
+              <a:rPr lang="en-US" dirty="0"/>
+              <a:t>@Controller</a:t>
+            </a:r>
+          </a:p>
+        </p:txBody>
+      </p:sp>
+      <p:cxnSp>
+        <p:nvCxnSpPr>
+          <p:cNvPr id="16" name="Straight Connector 15">
+            <a:extLst>
+              <a:ext uri="{FF2B5EF4-FFF2-40B4-BE49-F238E27FC236}">
+                <a16:creationId xmlns:a16="http://schemas.microsoft.com/office/drawing/2014/main" id="{C4E75883-B951-47C9-A14A-2838EC1778B4}"/>
+              </a:ext>
+            </a:extLst>
+          </p:cNvPr>
+          <p:cNvCxnSpPr>
+            <a:stCxn id="14" idx="2"/>
+            <a:endCxn id="5" idx="0"/>
+          </p:cNvCxnSpPr>
+          <p:nvPr/>
+        </p:nvCxnSpPr>
+        <p:spPr>
+          <a:xfrm>
+            <a:off x="1906190" y="1394328"/>
+            <a:ext cx="0" cy="447171"/>
+          </a:xfrm>
+          <a:prstGeom prst="line">
+            <a:avLst/>
+          </a:prstGeom>
+        </p:spPr>
+        <p:style>
+          <a:lnRef idx="1">
+            <a:schemeClr val="accent1"/>
+          </a:lnRef>
+          <a:fillRef idx="0">
+            <a:schemeClr val="accent1"/>
+          </a:fillRef>
+          <a:effectRef idx="0">
+            <a:schemeClr val="accent1"/>
+          </a:effectRef>
+          <a:fontRef idx="minor">
+            <a:schemeClr val="tx1"/>
+          </a:fontRef>
+        </p:style>
+      </p:cxnSp>
+      <p:sp>
+        <p:nvSpPr>
+          <p:cNvPr id="18" name="Rectangle: Rounded Corners 17">
+            <a:extLst>
+              <a:ext uri="{FF2B5EF4-FFF2-40B4-BE49-F238E27FC236}">
+                <a16:creationId xmlns:a16="http://schemas.microsoft.com/office/drawing/2014/main" id="{E6986F65-1B00-4148-B087-D22A5269C153}"/>
+              </a:ext>
+            </a:extLst>
+          </p:cNvPr>
+          <p:cNvSpPr/>
+          <p:nvPr/>
+        </p:nvSpPr>
+        <p:spPr>
+          <a:xfrm>
+            <a:off x="3433761" y="775203"/>
+            <a:ext cx="1612107" cy="619125"/>
+          </a:xfrm>
+          <a:prstGeom prst="roundRect">
+            <a:avLst/>
+          </a:prstGeom>
+        </p:spPr>
+        <p:style>
+          <a:lnRef idx="2">
+            <a:schemeClr val="accent6"/>
+          </a:lnRef>
+          <a:fillRef idx="1">
+            <a:schemeClr val="lt1"/>
+          </a:fillRef>
+          <a:effectRef idx="0">
+            <a:schemeClr val="accent6"/>
+          </a:effectRef>
+          <a:fontRef idx="minor">
+            <a:schemeClr val="dk1"/>
+          </a:fontRef>
+        </p:style>
+        <p:txBody>
+          <a:bodyPr rtlCol="0" anchor="ctr"/>
+          <a:lstStyle/>
+          <a:p>
+            <a:pPr algn="ctr"/>
+            <a:r>
+              <a:rPr lang="en-US" dirty="0"/>
+              <a:t>@Component</a:t>
+            </a:r>
+          </a:p>
+        </p:txBody>
+      </p:sp>
+      <p:cxnSp>
+        <p:nvCxnSpPr>
+          <p:cNvPr id="19" name="Straight Connector 18">
+            <a:extLst>
+              <a:ext uri="{FF2B5EF4-FFF2-40B4-BE49-F238E27FC236}">
+                <a16:creationId xmlns:a16="http://schemas.microsoft.com/office/drawing/2014/main" id="{9B7D3852-1DEB-47DD-8557-E2BB3A5B04BE}"/>
+              </a:ext>
+            </a:extLst>
+          </p:cNvPr>
+          <p:cNvCxnSpPr>
+            <a:cxnSpLocks/>
+            <a:stCxn id="18" idx="2"/>
+            <a:endCxn id="4" idx="0"/>
+          </p:cNvCxnSpPr>
+          <p:nvPr/>
+        </p:nvCxnSpPr>
+        <p:spPr>
+          <a:xfrm>
+            <a:off x="4239815" y="1394328"/>
+            <a:ext cx="0" cy="459078"/>
+          </a:xfrm>
+          <a:prstGeom prst="line">
+            <a:avLst/>
+          </a:prstGeom>
+        </p:spPr>
+        <p:style>
+          <a:lnRef idx="1">
+            <a:schemeClr val="accent1"/>
+          </a:lnRef>
+          <a:fillRef idx="0">
+            <a:schemeClr val="accent1"/>
+          </a:fillRef>
+          <a:effectRef idx="0">
+            <a:schemeClr val="accent1"/>
+          </a:effectRef>
+          <a:fontRef idx="minor">
+            <a:schemeClr val="tx1"/>
+          </a:fontRef>
+        </p:style>
+      </p:cxnSp>
+      <p:sp>
+        <p:nvSpPr>
+          <p:cNvPr id="22" name="Rectangle: Rounded Corners 21">
+            <a:extLst>
+              <a:ext uri="{FF2B5EF4-FFF2-40B4-BE49-F238E27FC236}">
+                <a16:creationId xmlns:a16="http://schemas.microsoft.com/office/drawing/2014/main" id="{BBEEFC58-2CB2-4664-B916-D47D89368D68}"/>
+              </a:ext>
+            </a:extLst>
+          </p:cNvPr>
+          <p:cNvSpPr/>
+          <p:nvPr/>
+        </p:nvSpPr>
+        <p:spPr>
+          <a:xfrm>
+            <a:off x="5854302" y="775203"/>
+            <a:ext cx="1443037" cy="619125"/>
+          </a:xfrm>
+          <a:prstGeom prst="roundRect">
+            <a:avLst/>
+          </a:prstGeom>
+        </p:spPr>
+        <p:style>
+          <a:lnRef idx="2">
+            <a:schemeClr val="accent6"/>
+          </a:lnRef>
+          <a:fillRef idx="1">
+            <a:schemeClr val="lt1"/>
+          </a:fillRef>
+          <a:effectRef idx="0">
+            <a:schemeClr val="accent6"/>
+          </a:effectRef>
+          <a:fontRef idx="minor">
+            <a:schemeClr val="dk1"/>
+          </a:fontRef>
+        </p:style>
+        <p:txBody>
+          <a:bodyPr rtlCol="0" anchor="ctr"/>
+          <a:lstStyle/>
+          <a:p>
+            <a:pPr algn="ctr"/>
+            <a:r>
+              <a:rPr lang="en-US" dirty="0"/>
+              <a:t>@Service</a:t>
+            </a:r>
+          </a:p>
+        </p:txBody>
+      </p:sp>
+      <p:cxnSp>
+        <p:nvCxnSpPr>
+          <p:cNvPr id="23" name="Straight Connector 22">
+            <a:extLst>
+              <a:ext uri="{FF2B5EF4-FFF2-40B4-BE49-F238E27FC236}">
+                <a16:creationId xmlns:a16="http://schemas.microsoft.com/office/drawing/2014/main" id="{7591E27A-72F6-4F33-BC86-60C490738D2F}"/>
+              </a:ext>
+            </a:extLst>
+          </p:cNvPr>
+          <p:cNvCxnSpPr>
+            <a:stCxn id="22" idx="2"/>
+          </p:cNvCxnSpPr>
+          <p:nvPr/>
+        </p:nvCxnSpPr>
+        <p:spPr>
+          <a:xfrm>
+            <a:off x="6575821" y="1394328"/>
+            <a:ext cx="0" cy="447171"/>
+          </a:xfrm>
+          <a:prstGeom prst="line">
+            <a:avLst/>
+          </a:prstGeom>
+        </p:spPr>
+        <p:style>
+          <a:lnRef idx="1">
+            <a:schemeClr val="accent1"/>
+          </a:lnRef>
+          <a:fillRef idx="0">
+            <a:schemeClr val="accent1"/>
+          </a:fillRef>
+          <a:effectRef idx="0">
+            <a:schemeClr val="accent1"/>
+          </a:effectRef>
+          <a:fontRef idx="minor">
+            <a:schemeClr val="tx1"/>
+          </a:fontRef>
+        </p:style>
+      </p:cxnSp>
+      <p:sp>
+        <p:nvSpPr>
+          <p:cNvPr id="25" name="Rectangle: Rounded Corners 24">
+            <a:extLst>
+              <a:ext uri="{FF2B5EF4-FFF2-40B4-BE49-F238E27FC236}">
+                <a16:creationId xmlns:a16="http://schemas.microsoft.com/office/drawing/2014/main" id="{05E4120C-E124-4863-BBE8-1B233EF088E6}"/>
+              </a:ext>
+            </a:extLst>
+          </p:cNvPr>
+          <p:cNvSpPr/>
+          <p:nvPr/>
+        </p:nvSpPr>
+        <p:spPr>
+          <a:xfrm>
+            <a:off x="8129587" y="775203"/>
+            <a:ext cx="1554956" cy="619125"/>
+          </a:xfrm>
+          <a:prstGeom prst="roundRect">
+            <a:avLst/>
+          </a:prstGeom>
+        </p:spPr>
+        <p:style>
+          <a:lnRef idx="2">
+            <a:schemeClr val="accent6"/>
+          </a:lnRef>
+          <a:fillRef idx="1">
+            <a:schemeClr val="lt1"/>
+          </a:fillRef>
+          <a:effectRef idx="0">
+            <a:schemeClr val="accent6"/>
+          </a:effectRef>
+          <a:fontRef idx="minor">
+            <a:schemeClr val="dk1"/>
+          </a:fontRef>
+        </p:style>
+        <p:txBody>
+          <a:bodyPr rtlCol="0" anchor="ctr"/>
+          <a:lstStyle/>
+          <a:p>
+            <a:pPr algn="ctr"/>
+            <a:r>
+              <a:rPr lang="en-US" dirty="0"/>
+              <a:t>@Repository</a:t>
+            </a:r>
+          </a:p>
+        </p:txBody>
+      </p:sp>
+      <p:cxnSp>
+        <p:nvCxnSpPr>
+          <p:cNvPr id="26" name="Straight Connector 25">
+            <a:extLst>
+              <a:ext uri="{FF2B5EF4-FFF2-40B4-BE49-F238E27FC236}">
+                <a16:creationId xmlns:a16="http://schemas.microsoft.com/office/drawing/2014/main" id="{3D34F12F-48A2-4B6C-803E-86C5DFDCD3E9}"/>
+              </a:ext>
+            </a:extLst>
+          </p:cNvPr>
+          <p:cNvCxnSpPr>
+            <a:cxnSpLocks/>
+            <a:stCxn id="25" idx="2"/>
+            <a:endCxn id="7" idx="0"/>
+          </p:cNvCxnSpPr>
+          <p:nvPr/>
+        </p:nvCxnSpPr>
+        <p:spPr>
+          <a:xfrm>
+            <a:off x="8907065" y="1394328"/>
+            <a:ext cx="0" cy="447171"/>
+          </a:xfrm>
+          <a:prstGeom prst="line">
+            <a:avLst/>
+          </a:prstGeom>
+        </p:spPr>
+        <p:style>
+          <a:lnRef idx="1">
+            <a:schemeClr val="accent1"/>
+          </a:lnRef>
+          <a:fillRef idx="0">
+            <a:schemeClr val="accent1"/>
+          </a:fillRef>
+          <a:effectRef idx="0">
+            <a:schemeClr val="accent1"/>
+          </a:effectRef>
+          <a:fontRef idx="minor">
+            <a:schemeClr val="tx1"/>
+          </a:fontRef>
+        </p:style>
+      </p:cxnSp>
+      <p:sp>
+        <p:nvSpPr>
+          <p:cNvPr id="31" name="TextBox 30">
+            <a:extLst>
+              <a:ext uri="{FF2B5EF4-FFF2-40B4-BE49-F238E27FC236}">
+                <a16:creationId xmlns:a16="http://schemas.microsoft.com/office/drawing/2014/main" id="{183E318F-8216-44E6-9BF8-924A55C2D22A}"/>
+              </a:ext>
+            </a:extLst>
+          </p:cNvPr>
+          <p:cNvSpPr txBox="1"/>
+          <p:nvPr/>
+        </p:nvSpPr>
+        <p:spPr>
+          <a:xfrm>
+            <a:off x="794145" y="3002239"/>
+            <a:ext cx="2224088" cy="369332"/>
+          </a:xfrm>
+          <a:prstGeom prst="rect">
+            <a:avLst/>
+          </a:prstGeom>
+          <a:noFill/>
+        </p:spPr>
+        <p:txBody>
+          <a:bodyPr wrap="square" rtlCol="0">
+            <a:spAutoFit/>
+          </a:bodyPr>
+          <a:lstStyle/>
+          <a:p>
+            <a:pPr algn="ctr"/>
+            <a:r>
+              <a:rPr lang="en-US" dirty="0"/>
+              <a:t>Presentation Layer</a:t>
+            </a:r>
+            <a:endParaRPr lang="en-MY" dirty="0"/>
+          </a:p>
+        </p:txBody>
+      </p:sp>
+      <p:sp>
+        <p:nvSpPr>
+          <p:cNvPr id="32" name="TextBox 31">
+            <a:extLst>
+              <a:ext uri="{FF2B5EF4-FFF2-40B4-BE49-F238E27FC236}">
+                <a16:creationId xmlns:a16="http://schemas.microsoft.com/office/drawing/2014/main" id="{271F76A7-A6D6-43ED-B0AE-089A2440316C}"/>
+              </a:ext>
+            </a:extLst>
+          </p:cNvPr>
+          <p:cNvSpPr txBox="1"/>
+          <p:nvPr/>
+        </p:nvSpPr>
+        <p:spPr>
+          <a:xfrm>
+            <a:off x="4968476" y="5723282"/>
+            <a:ext cx="2224088" cy="369332"/>
+          </a:xfrm>
+          <a:prstGeom prst="rect">
+            <a:avLst/>
+          </a:prstGeom>
+          <a:noFill/>
+        </p:spPr>
+        <p:txBody>
+          <a:bodyPr wrap="square" rtlCol="0">
+            <a:spAutoFit/>
+          </a:bodyPr>
+          <a:lstStyle/>
+          <a:p>
+            <a:pPr algn="ctr"/>
+            <a:r>
+              <a:rPr lang="en-US" dirty="0"/>
+              <a:t>System Interface</a:t>
+            </a:r>
+            <a:endParaRPr lang="en-MY" dirty="0"/>
+          </a:p>
+        </p:txBody>
+      </p:sp>
+      <p:sp>
+        <p:nvSpPr>
+          <p:cNvPr id="33" name="TextBox 32">
+            <a:extLst>
+              <a:ext uri="{FF2B5EF4-FFF2-40B4-BE49-F238E27FC236}">
+                <a16:creationId xmlns:a16="http://schemas.microsoft.com/office/drawing/2014/main" id="{2AE29595-A066-4886-AAA6-05624B695EE2}"/>
+              </a:ext>
+            </a:extLst>
+          </p:cNvPr>
+          <p:cNvSpPr txBox="1"/>
+          <p:nvPr/>
+        </p:nvSpPr>
+        <p:spPr>
+          <a:xfrm>
+            <a:off x="5461396" y="2917538"/>
+            <a:ext cx="2224088" cy="646331"/>
+          </a:xfrm>
+          <a:prstGeom prst="rect">
+            <a:avLst/>
+          </a:prstGeom>
+          <a:noFill/>
+        </p:spPr>
+        <p:txBody>
+          <a:bodyPr wrap="square" rtlCol="0">
+            <a:spAutoFit/>
+          </a:bodyPr>
+          <a:lstStyle/>
+          <a:p>
+            <a:pPr algn="ctr"/>
+            <a:r>
+              <a:rPr lang="en-US" dirty="0"/>
+              <a:t>Service/Business Layer</a:t>
+            </a:r>
+            <a:endParaRPr lang="en-MY" dirty="0"/>
+          </a:p>
+        </p:txBody>
+      </p:sp>
+      <p:sp>
+        <p:nvSpPr>
+          <p:cNvPr id="34" name="TextBox 33">
+            <a:extLst>
+              <a:ext uri="{FF2B5EF4-FFF2-40B4-BE49-F238E27FC236}">
+                <a16:creationId xmlns:a16="http://schemas.microsoft.com/office/drawing/2014/main" id="{947D0E2C-5E96-48D9-A06B-56E105ECB752}"/>
+              </a:ext>
+            </a:extLst>
+          </p:cNvPr>
+          <p:cNvSpPr txBox="1"/>
+          <p:nvPr/>
+        </p:nvSpPr>
+        <p:spPr>
+          <a:xfrm>
+            <a:off x="7795021" y="3002239"/>
+            <a:ext cx="2224088" cy="369332"/>
+          </a:xfrm>
+          <a:prstGeom prst="rect">
+            <a:avLst/>
+          </a:prstGeom>
+          <a:noFill/>
+        </p:spPr>
+        <p:txBody>
+          <a:bodyPr wrap="square" rtlCol="0">
+            <a:spAutoFit/>
+          </a:bodyPr>
+          <a:lstStyle/>
+          <a:p>
+            <a:pPr algn="ctr"/>
+            <a:r>
+              <a:rPr lang="en-US" dirty="0"/>
+              <a:t>Persistence Layer</a:t>
+            </a:r>
+            <a:endParaRPr lang="en-MY" dirty="0"/>
+          </a:p>
+        </p:txBody>
+      </p:sp>
+      <p:cxnSp>
+        <p:nvCxnSpPr>
+          <p:cNvPr id="35" name="Straight Arrow Connector 34">
+            <a:extLst>
+              <a:ext uri="{FF2B5EF4-FFF2-40B4-BE49-F238E27FC236}">
+                <a16:creationId xmlns:a16="http://schemas.microsoft.com/office/drawing/2014/main" id="{206EC6ED-FA7D-4034-96D8-C96CDD4A3532}"/>
+              </a:ext>
+            </a:extLst>
+          </p:cNvPr>
+          <p:cNvCxnSpPr>
+            <a:cxnSpLocks/>
+            <a:endCxn id="36" idx="2"/>
+          </p:cNvCxnSpPr>
+          <p:nvPr/>
+        </p:nvCxnSpPr>
+        <p:spPr>
+          <a:xfrm flipV="1">
+            <a:off x="9795270" y="2293937"/>
+            <a:ext cx="538163" cy="2"/>
+          </a:xfrm>
+          <a:prstGeom prst="straightConnector1">
+            <a:avLst/>
+          </a:prstGeom>
+          <a:ln>
+            <a:headEnd type="triangle"/>
+            <a:tailEnd type="triangle"/>
+          </a:ln>
+        </p:spPr>
+        <p:style>
+          <a:lnRef idx="1">
+            <a:schemeClr val="accent1"/>
+          </a:lnRef>
+          <a:fillRef idx="0">
+            <a:schemeClr val="accent1"/>
+          </a:fillRef>
+          <a:effectRef idx="0">
+            <a:schemeClr val="accent1"/>
+          </a:effectRef>
+          <a:fontRef idx="minor">
+            <a:schemeClr val="tx1"/>
+          </a:fontRef>
+        </p:style>
+      </p:cxnSp>
+      <p:sp>
+        <p:nvSpPr>
+          <p:cNvPr id="36" name="Cylinder 35">
+            <a:extLst>
+              <a:ext uri="{FF2B5EF4-FFF2-40B4-BE49-F238E27FC236}">
+                <a16:creationId xmlns:a16="http://schemas.microsoft.com/office/drawing/2014/main" id="{46F66E1E-DE9D-4417-BCE8-171F7BEED672}"/>
+              </a:ext>
+            </a:extLst>
+          </p:cNvPr>
+          <p:cNvSpPr/>
+          <p:nvPr/>
+        </p:nvSpPr>
+        <p:spPr>
+          <a:xfrm>
+            <a:off x="10333433" y="1612899"/>
+            <a:ext cx="1062037" cy="1362075"/>
+          </a:xfrm>
+          <a:prstGeom prst="can">
+            <a:avLst/>
+          </a:prstGeom>
+        </p:spPr>
+        <p:style>
+          <a:lnRef idx="2">
+            <a:schemeClr val="dk1">
+              <a:shade val="50000"/>
+            </a:schemeClr>
+          </a:lnRef>
+          <a:fillRef idx="1">
+            <a:schemeClr val="dk1"/>
+          </a:fillRef>
+          <a:effectRef idx="0">
+            <a:schemeClr val="dk1"/>
+          </a:effectRef>
+          <a:fontRef idx="minor">
+            <a:schemeClr val="lt1"/>
+          </a:fontRef>
+        </p:style>
+        <p:txBody>
+          <a:bodyPr rtlCol="0" anchor="ctr"/>
+          <a:lstStyle/>
+          <a:p>
+            <a:pPr algn="ctr"/>
+            <a:r>
+              <a:rPr lang="en-US" dirty="0"/>
+              <a:t>Database</a:t>
+            </a:r>
+            <a:endParaRPr lang="en-MY" dirty="0"/>
+          </a:p>
+        </p:txBody>
+      </p:sp>
+      <p:sp>
+        <p:nvSpPr>
+          <p:cNvPr id="37" name="TextBox 36">
+            <a:extLst>
+              <a:ext uri="{FF2B5EF4-FFF2-40B4-BE49-F238E27FC236}">
+                <a16:creationId xmlns:a16="http://schemas.microsoft.com/office/drawing/2014/main" id="{D42B42F9-AD2C-44EC-934F-B64D38647BD1}"/>
+              </a:ext>
+            </a:extLst>
+          </p:cNvPr>
+          <p:cNvSpPr txBox="1"/>
+          <p:nvPr/>
+        </p:nvSpPr>
+        <p:spPr>
+          <a:xfrm>
+            <a:off x="3127770" y="2917539"/>
+            <a:ext cx="2224088" cy="646331"/>
+          </a:xfrm>
+          <a:prstGeom prst="rect">
+            <a:avLst/>
+          </a:prstGeom>
+          <a:noFill/>
+        </p:spPr>
+        <p:txBody>
+          <a:bodyPr wrap="square" rtlCol="0">
+            <a:spAutoFit/>
+          </a:bodyPr>
+          <a:lstStyle/>
+          <a:p>
+            <a:pPr algn="ctr"/>
+            <a:r>
+              <a:rPr lang="en-US" dirty="0"/>
+              <a:t>Service/Business Layer</a:t>
+            </a:r>
+            <a:endParaRPr lang="en-MY" dirty="0"/>
+          </a:p>
+        </p:txBody>
+      </p:sp>
+      <p:sp>
+        <p:nvSpPr>
+          <p:cNvPr id="39" name="Rectangle: Rounded Corners 38">
+            <a:extLst>
+              <a:ext uri="{FF2B5EF4-FFF2-40B4-BE49-F238E27FC236}">
+                <a16:creationId xmlns:a16="http://schemas.microsoft.com/office/drawing/2014/main" id="{D44F0C19-7B06-4C1A-8EFF-3B2C4432A82E}"/>
+              </a:ext>
+            </a:extLst>
+          </p:cNvPr>
+          <p:cNvSpPr/>
+          <p:nvPr/>
+        </p:nvSpPr>
+        <p:spPr>
+          <a:xfrm>
+            <a:off x="5175645" y="4818407"/>
+            <a:ext cx="1809750" cy="904875"/>
+          </a:xfrm>
+          <a:prstGeom prst="roundRect">
+            <a:avLst/>
+          </a:prstGeom>
+        </p:spPr>
+        <p:style>
+          <a:lnRef idx="2">
+            <a:schemeClr val="accent1">
+              <a:shade val="50000"/>
+            </a:schemeClr>
+          </a:lnRef>
+          <a:fillRef idx="1">
+            <a:schemeClr val="accent1"/>
+          </a:fillRef>
+          <a:effectRef idx="0">
+            <a:schemeClr val="accent1"/>
+          </a:effectRef>
+          <a:fontRef idx="minor">
+            <a:schemeClr val="lt1"/>
+          </a:fontRef>
+        </p:style>
+        <p:txBody>
+          <a:bodyPr rtlCol="0" anchor="ctr"/>
+          <a:lstStyle/>
+          <a:p>
+            <a:pPr algn="ctr"/>
+            <a:r>
+              <a:rPr lang="en-US" dirty="0"/>
+              <a:t>Facade</a:t>
+            </a:r>
+          </a:p>
+        </p:txBody>
+      </p:sp>
+      <p:sp>
+        <p:nvSpPr>
+          <p:cNvPr id="40" name="Rectangle: Rounded Corners 39">
+            <a:extLst>
+              <a:ext uri="{FF2B5EF4-FFF2-40B4-BE49-F238E27FC236}">
+                <a16:creationId xmlns:a16="http://schemas.microsoft.com/office/drawing/2014/main" id="{7A3E5F58-E4D0-4D31-B90B-D87EFB37DB73}"/>
+              </a:ext>
+            </a:extLst>
+          </p:cNvPr>
+          <p:cNvSpPr/>
+          <p:nvPr/>
+        </p:nvSpPr>
+        <p:spPr>
+          <a:xfrm>
+            <a:off x="2599133" y="4182321"/>
+            <a:ext cx="1809750" cy="904875"/>
+          </a:xfrm>
+          <a:prstGeom prst="roundRect">
+            <a:avLst/>
+          </a:prstGeom>
+        </p:spPr>
+        <p:style>
+          <a:lnRef idx="2">
+            <a:schemeClr val="accent1">
+              <a:shade val="50000"/>
+            </a:schemeClr>
+          </a:lnRef>
+          <a:fillRef idx="1">
+            <a:schemeClr val="accent1"/>
+          </a:fillRef>
+          <a:effectRef idx="0">
+            <a:schemeClr val="accent1"/>
+          </a:effectRef>
+          <a:fontRef idx="minor">
+            <a:schemeClr val="lt1"/>
+          </a:fontRef>
+        </p:style>
+        <p:txBody>
+          <a:bodyPr rtlCol="0" anchor="ctr"/>
+          <a:lstStyle/>
+          <a:p>
+            <a:pPr algn="ctr"/>
+            <a:r>
+              <a:rPr lang="en-US" dirty="0"/>
+              <a:t>API</a:t>
+            </a:r>
+          </a:p>
+        </p:txBody>
+      </p:sp>
+      <p:sp>
+        <p:nvSpPr>
+          <p:cNvPr id="41" name="Rectangle: Rounded Corners 40">
+            <a:extLst>
+              <a:ext uri="{FF2B5EF4-FFF2-40B4-BE49-F238E27FC236}">
+                <a16:creationId xmlns:a16="http://schemas.microsoft.com/office/drawing/2014/main" id="{5CBE5B68-F386-4E49-8D41-85460BC7B316}"/>
+              </a:ext>
+            </a:extLst>
+          </p:cNvPr>
+          <p:cNvSpPr/>
+          <p:nvPr/>
+        </p:nvSpPr>
+        <p:spPr>
+          <a:xfrm>
+            <a:off x="2599133" y="5378774"/>
+            <a:ext cx="1809750" cy="904875"/>
+          </a:xfrm>
+          <a:prstGeom prst="roundRect">
+            <a:avLst/>
+          </a:prstGeom>
+        </p:spPr>
+        <p:style>
+          <a:lnRef idx="2">
+            <a:schemeClr val="accent1">
+              <a:shade val="50000"/>
+            </a:schemeClr>
+          </a:lnRef>
+          <a:fillRef idx="1">
+            <a:schemeClr val="accent1"/>
+          </a:fillRef>
+          <a:effectRef idx="0">
+            <a:schemeClr val="accent1"/>
+          </a:effectRef>
+          <a:fontRef idx="minor">
+            <a:schemeClr val="lt1"/>
+          </a:fontRef>
+        </p:style>
+        <p:txBody>
+          <a:bodyPr rtlCol="0" anchor="ctr"/>
+          <a:lstStyle/>
+          <a:p>
+            <a:pPr algn="ctr"/>
+            <a:r>
+              <a:rPr lang="en-US" dirty="0"/>
+              <a:t>Client</a:t>
+            </a:r>
+          </a:p>
+        </p:txBody>
+      </p:sp>
+      <p:sp>
+        <p:nvSpPr>
+          <p:cNvPr id="42" name="Rectangle: Rounded Corners 41">
+            <a:extLst>
+              <a:ext uri="{FF2B5EF4-FFF2-40B4-BE49-F238E27FC236}">
+                <a16:creationId xmlns:a16="http://schemas.microsoft.com/office/drawing/2014/main" id="{7CFFDD46-FE5B-4BCF-A186-752B28D2868A}"/>
+              </a:ext>
+            </a:extLst>
+          </p:cNvPr>
+          <p:cNvSpPr/>
+          <p:nvPr/>
+        </p:nvSpPr>
+        <p:spPr>
+          <a:xfrm>
+            <a:off x="7618808" y="4182320"/>
+            <a:ext cx="1809750" cy="904875"/>
+          </a:xfrm>
+          <a:prstGeom prst="roundRect">
+            <a:avLst/>
+          </a:prstGeom>
+        </p:spPr>
+        <p:style>
+          <a:lnRef idx="2">
+            <a:schemeClr val="accent1">
+              <a:shade val="50000"/>
+            </a:schemeClr>
+          </a:lnRef>
+          <a:fillRef idx="1">
+            <a:schemeClr val="accent1"/>
+          </a:fillRef>
+          <a:effectRef idx="0">
+            <a:schemeClr val="accent1"/>
+          </a:effectRef>
+          <a:fontRef idx="minor">
+            <a:schemeClr val="lt1"/>
+          </a:fontRef>
+        </p:style>
+        <p:txBody>
+          <a:bodyPr rtlCol="0" anchor="ctr"/>
+          <a:lstStyle/>
+          <a:p>
+            <a:pPr algn="ctr"/>
+            <a:r>
+              <a:rPr lang="en-US" dirty="0"/>
+              <a:t>Service</a:t>
+            </a:r>
+          </a:p>
+        </p:txBody>
+      </p:sp>
+      <p:sp>
+        <p:nvSpPr>
+          <p:cNvPr id="43" name="Rectangle: Rounded Corners 42">
+            <a:extLst>
+              <a:ext uri="{FF2B5EF4-FFF2-40B4-BE49-F238E27FC236}">
+                <a16:creationId xmlns:a16="http://schemas.microsoft.com/office/drawing/2014/main" id="{0EFEF691-A45D-4B58-AA4B-CBB75CA508F9}"/>
+              </a:ext>
+            </a:extLst>
+          </p:cNvPr>
+          <p:cNvSpPr/>
+          <p:nvPr/>
+        </p:nvSpPr>
+        <p:spPr>
+          <a:xfrm>
+            <a:off x="7618808" y="5378773"/>
+            <a:ext cx="1809750" cy="904875"/>
+          </a:xfrm>
+          <a:prstGeom prst="roundRect">
+            <a:avLst/>
+          </a:prstGeom>
+        </p:spPr>
+        <p:style>
+          <a:lnRef idx="2">
+            <a:schemeClr val="accent1">
+              <a:shade val="50000"/>
+            </a:schemeClr>
+          </a:lnRef>
+          <a:fillRef idx="1">
+            <a:schemeClr val="accent1"/>
+          </a:fillRef>
+          <a:effectRef idx="0">
+            <a:schemeClr val="accent1"/>
+          </a:effectRef>
+          <a:fontRef idx="minor">
+            <a:schemeClr val="lt1"/>
+          </a:fontRef>
+        </p:style>
+        <p:txBody>
+          <a:bodyPr rtlCol="0" anchor="ctr"/>
+          <a:lstStyle/>
+          <a:p>
+            <a:pPr algn="ctr"/>
+            <a:r>
+              <a:rPr lang="en-US" dirty="0"/>
+              <a:t>Service</a:t>
+            </a:r>
+          </a:p>
+        </p:txBody>
+      </p:sp>
+      <p:sp>
+        <p:nvSpPr>
+          <p:cNvPr id="44" name="TextBox 43">
+            <a:extLst>
+              <a:ext uri="{FF2B5EF4-FFF2-40B4-BE49-F238E27FC236}">
+                <a16:creationId xmlns:a16="http://schemas.microsoft.com/office/drawing/2014/main" id="{95AE9299-3882-4A5A-9299-0A7132269F38}"/>
+              </a:ext>
+            </a:extLst>
+          </p:cNvPr>
+          <p:cNvSpPr txBox="1"/>
+          <p:nvPr/>
+        </p:nvSpPr>
+        <p:spPr>
+          <a:xfrm>
+            <a:off x="7394969" y="3812988"/>
+            <a:ext cx="2224088" cy="369332"/>
+          </a:xfrm>
+          <a:prstGeom prst="rect">
+            <a:avLst/>
+          </a:prstGeom>
+          <a:noFill/>
+        </p:spPr>
+        <p:txBody>
+          <a:bodyPr wrap="square" rtlCol="0">
+            <a:spAutoFit/>
+          </a:bodyPr>
+          <a:lstStyle/>
+          <a:p>
+            <a:pPr algn="ctr"/>
+            <a:r>
+              <a:rPr lang="en-US" dirty="0"/>
+              <a:t>Subsystem</a:t>
+            </a:r>
+            <a:endParaRPr lang="en-MY" dirty="0"/>
+          </a:p>
+        </p:txBody>
+      </p:sp>
+      <p:sp>
+        <p:nvSpPr>
+          <p:cNvPr id="45" name="TextBox 44">
+            <a:extLst>
+              <a:ext uri="{FF2B5EF4-FFF2-40B4-BE49-F238E27FC236}">
+                <a16:creationId xmlns:a16="http://schemas.microsoft.com/office/drawing/2014/main" id="{76F0571E-5A3C-4B95-B68D-D6580E1E43EA}"/>
+              </a:ext>
+            </a:extLst>
+          </p:cNvPr>
+          <p:cNvSpPr txBox="1"/>
+          <p:nvPr/>
+        </p:nvSpPr>
+        <p:spPr>
+          <a:xfrm>
+            <a:off x="7509271" y="6283648"/>
+            <a:ext cx="2224088" cy="369332"/>
+          </a:xfrm>
+          <a:prstGeom prst="rect">
+            <a:avLst/>
+          </a:prstGeom>
+          <a:noFill/>
+        </p:spPr>
+        <p:txBody>
+          <a:bodyPr wrap="square" rtlCol="0">
+            <a:spAutoFit/>
+          </a:bodyPr>
+          <a:lstStyle/>
+          <a:p>
+            <a:pPr algn="ctr"/>
+            <a:r>
+              <a:rPr lang="en-US" dirty="0"/>
+              <a:t>Subsystem</a:t>
+            </a:r>
+            <a:endParaRPr lang="en-MY" dirty="0"/>
+          </a:p>
+        </p:txBody>
+      </p:sp>
+      <p:cxnSp>
+        <p:nvCxnSpPr>
+          <p:cNvPr id="48" name="Straight Arrow Connector 47">
+            <a:extLst>
+              <a:ext uri="{FF2B5EF4-FFF2-40B4-BE49-F238E27FC236}">
+                <a16:creationId xmlns:a16="http://schemas.microsoft.com/office/drawing/2014/main" id="{F5B97444-4C25-4A79-B0C1-B8EDC2EAA0B5}"/>
+              </a:ext>
+            </a:extLst>
+          </p:cNvPr>
+          <p:cNvCxnSpPr>
+            <a:stCxn id="40" idx="3"/>
+            <a:endCxn id="39" idx="1"/>
+          </p:cNvCxnSpPr>
+          <p:nvPr/>
+        </p:nvCxnSpPr>
+        <p:spPr>
+          <a:xfrm>
+            <a:off x="4408883" y="4634759"/>
+            <a:ext cx="766762" cy="636086"/>
+          </a:xfrm>
+          <a:prstGeom prst="straightConnector1">
+            <a:avLst/>
+          </a:prstGeom>
+          <a:ln>
+            <a:tailEnd type="triangle"/>
+          </a:ln>
+        </p:spPr>
+        <p:style>
+          <a:lnRef idx="1">
+            <a:schemeClr val="accent1"/>
+          </a:lnRef>
+          <a:fillRef idx="0">
+            <a:schemeClr val="accent1"/>
+          </a:fillRef>
+          <a:effectRef idx="0">
+            <a:schemeClr val="accent1"/>
+          </a:effectRef>
+          <a:fontRef idx="minor">
+            <a:schemeClr val="tx1"/>
+          </a:fontRef>
+        </p:style>
+      </p:cxnSp>
+      <p:cxnSp>
+        <p:nvCxnSpPr>
+          <p:cNvPr id="50" name="Straight Arrow Connector 49">
+            <a:extLst>
+              <a:ext uri="{FF2B5EF4-FFF2-40B4-BE49-F238E27FC236}">
+                <a16:creationId xmlns:a16="http://schemas.microsoft.com/office/drawing/2014/main" id="{6AE02B6C-7CB8-441F-92F9-17CB0D736EC9}"/>
+              </a:ext>
+            </a:extLst>
+          </p:cNvPr>
+          <p:cNvCxnSpPr>
+            <a:cxnSpLocks/>
+            <a:stCxn id="41" idx="3"/>
+            <a:endCxn id="39" idx="1"/>
+          </p:cNvCxnSpPr>
+          <p:nvPr/>
+        </p:nvCxnSpPr>
+        <p:spPr>
+          <a:xfrm flipV="1">
+            <a:off x="4408883" y="5270845"/>
+            <a:ext cx="766762" cy="560367"/>
+          </a:xfrm>
+          <a:prstGeom prst="straightConnector1">
+            <a:avLst/>
+          </a:prstGeom>
+          <a:ln>
+            <a:tailEnd type="triangle"/>
+          </a:ln>
+        </p:spPr>
+        <p:style>
+          <a:lnRef idx="1">
+            <a:schemeClr val="accent1"/>
+          </a:lnRef>
+          <a:fillRef idx="0">
+            <a:schemeClr val="accent1"/>
+          </a:fillRef>
+          <a:effectRef idx="0">
+            <a:schemeClr val="accent1"/>
+          </a:effectRef>
+          <a:fontRef idx="minor">
+            <a:schemeClr val="tx1"/>
+          </a:fontRef>
+        </p:style>
+      </p:cxnSp>
+      <p:cxnSp>
+        <p:nvCxnSpPr>
+          <p:cNvPr id="54" name="Straight Arrow Connector 53">
+            <a:extLst>
+              <a:ext uri="{FF2B5EF4-FFF2-40B4-BE49-F238E27FC236}">
+                <a16:creationId xmlns:a16="http://schemas.microsoft.com/office/drawing/2014/main" id="{A8E2F7B2-9B84-44B9-A31F-209EA501E89A}"/>
+              </a:ext>
+            </a:extLst>
+          </p:cNvPr>
+          <p:cNvCxnSpPr>
+            <a:stCxn id="39" idx="3"/>
+            <a:endCxn id="42" idx="1"/>
+          </p:cNvCxnSpPr>
+          <p:nvPr/>
+        </p:nvCxnSpPr>
+        <p:spPr>
+          <a:xfrm flipV="1">
+            <a:off x="6985395" y="4634758"/>
+            <a:ext cx="633413" cy="636087"/>
+          </a:xfrm>
+          <a:prstGeom prst="straightConnector1">
+            <a:avLst/>
+          </a:prstGeom>
+          <a:ln>
+            <a:tailEnd type="triangle"/>
+          </a:ln>
+        </p:spPr>
+        <p:style>
+          <a:lnRef idx="1">
+            <a:schemeClr val="accent1"/>
+          </a:lnRef>
+          <a:fillRef idx="0">
+            <a:schemeClr val="accent1"/>
+          </a:fillRef>
+          <a:effectRef idx="0">
+            <a:schemeClr val="accent1"/>
+          </a:effectRef>
+          <a:fontRef idx="minor">
+            <a:schemeClr val="tx1"/>
+          </a:fontRef>
+        </p:style>
+      </p:cxnSp>
+      <p:cxnSp>
+        <p:nvCxnSpPr>
+          <p:cNvPr id="56" name="Straight Arrow Connector 55">
+            <a:extLst>
+              <a:ext uri="{FF2B5EF4-FFF2-40B4-BE49-F238E27FC236}">
+                <a16:creationId xmlns:a16="http://schemas.microsoft.com/office/drawing/2014/main" id="{D8CA8CE9-8E93-41C6-8ECE-144C1F8EC7EC}"/>
+              </a:ext>
+            </a:extLst>
+          </p:cNvPr>
+          <p:cNvCxnSpPr>
+            <a:endCxn id="43" idx="1"/>
+          </p:cNvCxnSpPr>
+          <p:nvPr/>
+        </p:nvCxnSpPr>
+        <p:spPr>
+          <a:xfrm>
+            <a:off x="6985395" y="5294989"/>
+            <a:ext cx="633413" cy="536222"/>
+          </a:xfrm>
+          <a:prstGeom prst="straightConnector1">
+            <a:avLst/>
+          </a:prstGeom>
+          <a:ln>
+            <a:tailEnd type="triangle"/>
+          </a:ln>
+        </p:spPr>
+        <p:style>
+          <a:lnRef idx="1">
+            <a:schemeClr val="accent1"/>
+          </a:lnRef>
+          <a:fillRef idx="0">
+            <a:schemeClr val="accent1"/>
+          </a:fillRef>
+          <a:effectRef idx="0">
+            <a:schemeClr val="accent1"/>
+          </a:effectRef>
+          <a:fontRef idx="minor">
+            <a:schemeClr val="tx1"/>
+          </a:fontRef>
+        </p:style>
+      </p:cxnSp>
+      <p:sp>
+        <p:nvSpPr>
+          <p:cNvPr id="57" name="TextBox 56">
+            <a:extLst>
+              <a:ext uri="{FF2B5EF4-FFF2-40B4-BE49-F238E27FC236}">
+                <a16:creationId xmlns:a16="http://schemas.microsoft.com/office/drawing/2014/main" id="{DA74DE34-113D-408A-9566-81118E819E20}"/>
+              </a:ext>
+            </a:extLst>
+          </p:cNvPr>
+          <p:cNvSpPr txBox="1"/>
+          <p:nvPr/>
+        </p:nvSpPr>
+        <p:spPr>
+          <a:xfrm>
+            <a:off x="2140741" y="3735033"/>
+            <a:ext cx="2268142" cy="369332"/>
+          </a:xfrm>
+          <a:prstGeom prst="rect">
+            <a:avLst/>
+          </a:prstGeom>
+          <a:noFill/>
+          <a:ln>
+            <a:solidFill>
+              <a:schemeClr val="accent1"/>
+            </a:solidFill>
+          </a:ln>
+        </p:spPr>
+        <p:txBody>
+          <a:bodyPr wrap="square" rtlCol="0">
+            <a:spAutoFit/>
+          </a:bodyPr>
+          <a:lstStyle/>
+          <a:p>
+            <a:r>
+              <a:rPr lang="en-US" dirty="0"/>
+              <a:t>Façade Design Pattern</a:t>
+            </a:r>
+            <a:endParaRPr lang="en-MY" dirty="0"/>
+          </a:p>
+        </p:txBody>
+      </p:sp>
+    </p:spTree>
+    <p:extLst>
+      <p:ext uri="{BB962C8B-B14F-4D97-AF65-F5344CB8AC3E}">
+        <p14:creationId xmlns:p14="http://schemas.microsoft.com/office/powerpoint/2010/main" val="2613621226"/>
+      </p:ext>
+    </p:extLst>
+  </p:cSld>
+  <p:clrMapOvr>
+    <a:masterClrMapping/>
+  </p:clrMapOvr>
+</p:sld>
+</file>
+
+<file path=ppt/slides/slide3.xml><?xml version="1.0" encoding="utf-8"?>
+<p:sld xmlns:a="http://schemas.openxmlformats.org/drawingml/2006/main" xmlns:r="http://schemas.openxmlformats.org/officeDocument/2006/relationships" xmlns:p="http://schemas.openxmlformats.org/presentationml/2006/main">
+  <p:cSld>
+    <p:spTree>
+      <p:nvGrpSpPr>
+        <p:cNvPr id="1" name=""/>
+        <p:cNvGrpSpPr/>
+        <p:nvPr/>
+      </p:nvGrpSpPr>
+      <p:grpSpPr>
+        <a:xfrm>
+          <a:off x="0" y="0"/>
+          <a:ext cx="0" cy="0"/>
+          <a:chOff x="0" y="0"/>
+          <a:chExt cx="0" cy="0"/>
+        </a:xfrm>
+      </p:grpSpPr>
+      <p:sp>
+        <p:nvSpPr>
           <p:cNvPr id="13" name="Rectangle 12">
             <a:extLst>
               <a:ext uri="{FF2B5EF4-FFF2-40B4-BE49-F238E27FC236}">
@@ -29178,8 +31455,8 @@
         </p:nvSpPr>
         <p:spPr>
           <a:xfrm>
-            <a:off x="5057775" y="857249"/>
-            <a:ext cx="3400425" cy="4610101"/>
+            <a:off x="6299298" y="914399"/>
+            <a:ext cx="3368577" cy="4610101"/>
           </a:xfrm>
           <a:prstGeom prst="rect">
             <a:avLst/>
@@ -29222,7 +31499,7 @@
         </p:nvSpPr>
         <p:spPr>
           <a:xfrm>
-            <a:off x="5465566" y="1200312"/>
+            <a:off x="6675241" y="1257462"/>
             <a:ext cx="2624138" cy="619125"/>
           </a:xfrm>
           <a:prstGeom prst="roundRect">
@@ -29269,7 +31546,7 @@
         </p:nvSpPr>
         <p:spPr>
           <a:xfrm>
-            <a:off x="5465566" y="2886308"/>
+            <a:off x="6675241" y="3134205"/>
             <a:ext cx="2624138" cy="619125"/>
           </a:xfrm>
           <a:prstGeom prst="roundRect">
@@ -29316,7 +31593,7 @@
         </p:nvSpPr>
         <p:spPr>
           <a:xfrm>
-            <a:off x="5465566" y="2043310"/>
+            <a:off x="6675241" y="2100460"/>
             <a:ext cx="2624138" cy="619125"/>
           </a:xfrm>
           <a:prstGeom prst="roundRect">
@@ -29363,7 +31640,7 @@
         </p:nvSpPr>
         <p:spPr>
           <a:xfrm>
-            <a:off x="5465566" y="4572261"/>
+            <a:off x="6675241" y="4820158"/>
             <a:ext cx="2624138" cy="619125"/>
           </a:xfrm>
           <a:prstGeom prst="roundRect">
@@ -29410,7 +31687,7 @@
         </p:nvSpPr>
         <p:spPr>
           <a:xfrm>
-            <a:off x="1774924" y="2852734"/>
+            <a:off x="2984599" y="2909884"/>
             <a:ext cx="1809750" cy="619125"/>
           </a:xfrm>
           <a:prstGeom prst="roundRect">
@@ -29459,7 +31736,7 @@
         </p:nvSpPr>
         <p:spPr>
           <a:xfrm>
-            <a:off x="5465566" y="3729263"/>
+            <a:off x="6675241" y="3977160"/>
             <a:ext cx="2624138" cy="619125"/>
           </a:xfrm>
           <a:prstGeom prst="roundRect">
@@ -29506,7 +31783,7 @@
         </p:nvSpPr>
         <p:spPr>
           <a:xfrm>
-            <a:off x="9594653" y="2481260"/>
+            <a:off x="10804328" y="2538410"/>
             <a:ext cx="1062037" cy="1362075"/>
           </a:xfrm>
           <a:prstGeom prst="can">
@@ -29556,7 +31833,7 @@
         </p:nvSpPr>
         <p:spPr>
           <a:xfrm>
-            <a:off x="631923" y="4443670"/>
+            <a:off x="1841598" y="4353426"/>
             <a:ext cx="1882677" cy="619125"/>
           </a:xfrm>
           <a:prstGeom prst="roundRect">
@@ -29605,7 +31882,7 @@
         </p:nvSpPr>
         <p:spPr>
           <a:xfrm>
-            <a:off x="2922391" y="4443670"/>
+            <a:off x="4132066" y="4353426"/>
             <a:ext cx="1882677" cy="619125"/>
           </a:xfrm>
           <a:prstGeom prst="roundRect">
@@ -29658,8 +31935,8 @@
         </p:nvCxnSpPr>
         <p:spPr>
           <a:xfrm>
-            <a:off x="3584674" y="3162297"/>
-            <a:ext cx="1473101" cy="3"/>
+            <a:off x="4794349" y="3219447"/>
+            <a:ext cx="1504949" cy="3"/>
           </a:xfrm>
           <a:prstGeom prst="bentConnector3">
             <a:avLst>
@@ -29703,7 +31980,7 @@
         </p:nvCxnSpPr>
         <p:spPr>
           <a:xfrm flipV="1">
-            <a:off x="8458200" y="3162298"/>
+            <a:off x="9667875" y="3219448"/>
             <a:ext cx="1136453" cy="2"/>
           </a:xfrm>
           <a:prstGeom prst="bentConnector3">
@@ -29748,8 +32025,8 @@
         </p:nvCxnSpPr>
         <p:spPr>
           <a:xfrm rot="16200000" flipH="1">
-            <a:off x="2785859" y="3365798"/>
-            <a:ext cx="971811" cy="1183931"/>
+            <a:off x="4069231" y="3349251"/>
+            <a:ext cx="824417" cy="1183931"/>
           </a:xfrm>
           <a:prstGeom prst="bentConnector3">
             <a:avLst>
@@ -29793,8 +32070,8 @@
         </p:nvCxnSpPr>
         <p:spPr>
           <a:xfrm rot="5400000">
-            <a:off x="1640626" y="3404496"/>
-            <a:ext cx="971811" cy="1106537"/>
+            <a:off x="2923998" y="3387949"/>
+            <a:ext cx="824417" cy="1106537"/>
           </a:xfrm>
           <a:prstGeom prst="bentConnector3">
             <a:avLst>
@@ -29857,6 +32134,618 @@
           </a:p>
         </p:txBody>
       </p:sp>
+      <p:sp>
+        <p:nvSpPr>
+          <p:cNvPr id="19" name="Rectangle: Rounded Corners 18">
+            <a:extLst>
+              <a:ext uri="{FF2B5EF4-FFF2-40B4-BE49-F238E27FC236}">
+                <a16:creationId xmlns:a16="http://schemas.microsoft.com/office/drawing/2014/main" id="{6EE10779-6235-4A26-8BA8-8BB807778717}"/>
+              </a:ext>
+            </a:extLst>
+          </p:cNvPr>
+          <p:cNvSpPr/>
+          <p:nvPr/>
+        </p:nvSpPr>
+        <p:spPr>
+          <a:xfrm>
+            <a:off x="1841598" y="1466342"/>
+            <a:ext cx="1882677" cy="619125"/>
+          </a:xfrm>
+          <a:prstGeom prst="roundRect">
+            <a:avLst/>
+          </a:prstGeom>
+        </p:spPr>
+        <p:style>
+          <a:lnRef idx="2">
+            <a:schemeClr val="accent4">
+              <a:shade val="50000"/>
+            </a:schemeClr>
+          </a:lnRef>
+          <a:fillRef idx="1">
+            <a:schemeClr val="accent4"/>
+          </a:fillRef>
+          <a:effectRef idx="0">
+            <a:schemeClr val="accent4"/>
+          </a:effectRef>
+          <a:fontRef idx="minor">
+            <a:schemeClr val="lt1"/>
+          </a:fontRef>
+        </p:style>
+        <p:txBody>
+          <a:bodyPr rtlCol="0" anchor="ctr"/>
+          <a:lstStyle/>
+          <a:p>
+            <a:pPr algn="ctr"/>
+            <a:r>
+              <a:rPr lang="en-US" dirty="0"/>
+              <a:t>Before Save Listener</a:t>
+            </a:r>
+          </a:p>
+        </p:txBody>
+      </p:sp>
+      <p:sp>
+        <p:nvSpPr>
+          <p:cNvPr id="20" name="Rectangle: Rounded Corners 19">
+            <a:extLst>
+              <a:ext uri="{FF2B5EF4-FFF2-40B4-BE49-F238E27FC236}">
+                <a16:creationId xmlns:a16="http://schemas.microsoft.com/office/drawing/2014/main" id="{F521D346-39AB-4566-B238-2B6ED4A8ACC2}"/>
+              </a:ext>
+            </a:extLst>
+          </p:cNvPr>
+          <p:cNvSpPr/>
+          <p:nvPr/>
+        </p:nvSpPr>
+        <p:spPr>
+          <a:xfrm>
+            <a:off x="4132066" y="1466342"/>
+            <a:ext cx="1882677" cy="619125"/>
+          </a:xfrm>
+          <a:prstGeom prst="roundRect">
+            <a:avLst/>
+          </a:prstGeom>
+        </p:spPr>
+        <p:style>
+          <a:lnRef idx="2">
+            <a:schemeClr val="accent4">
+              <a:shade val="50000"/>
+            </a:schemeClr>
+          </a:lnRef>
+          <a:fillRef idx="1">
+            <a:schemeClr val="accent4"/>
+          </a:fillRef>
+          <a:effectRef idx="0">
+            <a:schemeClr val="accent4"/>
+          </a:effectRef>
+          <a:fontRef idx="minor">
+            <a:schemeClr val="lt1"/>
+          </a:fontRef>
+        </p:style>
+        <p:txBody>
+          <a:bodyPr rtlCol="0" anchor="ctr"/>
+          <a:lstStyle/>
+          <a:p>
+            <a:pPr algn="ctr"/>
+            <a:r>
+              <a:rPr lang="en-US" dirty="0"/>
+              <a:t>Before Remove Listener</a:t>
+            </a:r>
+          </a:p>
+        </p:txBody>
+      </p:sp>
+      <p:cxnSp>
+        <p:nvCxnSpPr>
+          <p:cNvPr id="21" name="Connector: Elbow 20">
+            <a:extLst>
+              <a:ext uri="{FF2B5EF4-FFF2-40B4-BE49-F238E27FC236}">
+                <a16:creationId xmlns:a16="http://schemas.microsoft.com/office/drawing/2014/main" id="{68177B34-FF05-4DB0-993F-3F8DCA632A84}"/>
+              </a:ext>
+            </a:extLst>
+          </p:cNvPr>
+          <p:cNvCxnSpPr>
+            <a:cxnSpLocks/>
+            <a:stCxn id="8" idx="0"/>
+            <a:endCxn id="20" idx="2"/>
+          </p:cNvCxnSpPr>
+          <p:nvPr/>
+        </p:nvCxnSpPr>
+        <p:spPr>
+          <a:xfrm rot="5400000" flipH="1" flipV="1">
+            <a:off x="4069231" y="1905711"/>
+            <a:ext cx="824417" cy="1183931"/>
+          </a:xfrm>
+          <a:prstGeom prst="bentConnector3">
+            <a:avLst>
+              <a:gd name="adj1" fmla="val 50000"/>
+            </a:avLst>
+          </a:prstGeom>
+          <a:ln>
+            <a:tailEnd type="triangle"/>
+          </a:ln>
+        </p:spPr>
+        <p:style>
+          <a:lnRef idx="1">
+            <a:schemeClr val="accent1"/>
+          </a:lnRef>
+          <a:fillRef idx="0">
+            <a:schemeClr val="accent1"/>
+          </a:fillRef>
+          <a:effectRef idx="0">
+            <a:schemeClr val="accent1"/>
+          </a:effectRef>
+          <a:fontRef idx="minor">
+            <a:schemeClr val="tx1"/>
+          </a:fontRef>
+        </p:style>
+      </p:cxnSp>
+      <p:cxnSp>
+        <p:nvCxnSpPr>
+          <p:cNvPr id="22" name="Connector: Elbow 21">
+            <a:extLst>
+              <a:ext uri="{FF2B5EF4-FFF2-40B4-BE49-F238E27FC236}">
+                <a16:creationId xmlns:a16="http://schemas.microsoft.com/office/drawing/2014/main" id="{C4AF2F17-6DAF-4B53-AEEF-08AE7EBB72E6}"/>
+              </a:ext>
+            </a:extLst>
+          </p:cNvPr>
+          <p:cNvCxnSpPr>
+            <a:cxnSpLocks/>
+            <a:stCxn id="8" idx="0"/>
+            <a:endCxn id="19" idx="2"/>
+          </p:cNvCxnSpPr>
+          <p:nvPr/>
+        </p:nvCxnSpPr>
+        <p:spPr>
+          <a:xfrm rot="16200000" flipV="1">
+            <a:off x="2923998" y="1944407"/>
+            <a:ext cx="824417" cy="1106537"/>
+          </a:xfrm>
+          <a:prstGeom prst="bentConnector3">
+            <a:avLst>
+              <a:gd name="adj1" fmla="val 50000"/>
+            </a:avLst>
+          </a:prstGeom>
+          <a:ln>
+            <a:tailEnd type="triangle"/>
+          </a:ln>
+        </p:spPr>
+        <p:style>
+          <a:lnRef idx="1">
+            <a:schemeClr val="accent1"/>
+          </a:lnRef>
+          <a:fillRef idx="0">
+            <a:schemeClr val="accent1"/>
+          </a:fillRef>
+          <a:effectRef idx="0">
+            <a:schemeClr val="accent1"/>
+          </a:effectRef>
+          <a:fontRef idx="minor">
+            <a:schemeClr val="tx1"/>
+          </a:fontRef>
+        </p:style>
+      </p:cxnSp>
+      <p:sp>
+        <p:nvSpPr>
+          <p:cNvPr id="32" name="Rectangle: Rounded Corners 31">
+            <a:extLst>
+              <a:ext uri="{FF2B5EF4-FFF2-40B4-BE49-F238E27FC236}">
+                <a16:creationId xmlns:a16="http://schemas.microsoft.com/office/drawing/2014/main" id="{C4FA5F76-C744-46D6-8CFB-680FA5F1C4EA}"/>
+              </a:ext>
+            </a:extLst>
+          </p:cNvPr>
+          <p:cNvSpPr/>
+          <p:nvPr/>
+        </p:nvSpPr>
+        <p:spPr>
+          <a:xfrm>
+            <a:off x="236638" y="2909883"/>
+            <a:ext cx="1809750" cy="619125"/>
+          </a:xfrm>
+          <a:prstGeom prst="roundRect">
+            <a:avLst/>
+          </a:prstGeom>
+        </p:spPr>
+        <p:style>
+          <a:lnRef idx="2">
+            <a:schemeClr val="accent6"/>
+          </a:lnRef>
+          <a:fillRef idx="1">
+            <a:schemeClr val="lt1"/>
+          </a:fillRef>
+          <a:effectRef idx="0">
+            <a:schemeClr val="accent6"/>
+          </a:effectRef>
+          <a:fontRef idx="minor">
+            <a:schemeClr val="dk1"/>
+          </a:fontRef>
+        </p:style>
+        <p:txBody>
+          <a:bodyPr rtlCol="0" anchor="ctr"/>
+          <a:lstStyle/>
+          <a:p>
+            <a:pPr algn="ctr"/>
+            <a:r>
+              <a:rPr lang="en-US" dirty="0"/>
+              <a:t>Client</a:t>
+            </a:r>
+          </a:p>
+        </p:txBody>
+      </p:sp>
+      <p:cxnSp>
+        <p:nvCxnSpPr>
+          <p:cNvPr id="33" name="Connector: Elbow 32">
+            <a:extLst>
+              <a:ext uri="{FF2B5EF4-FFF2-40B4-BE49-F238E27FC236}">
+                <a16:creationId xmlns:a16="http://schemas.microsoft.com/office/drawing/2014/main" id="{64A897A6-8477-49CD-A8A4-3550A42907AC}"/>
+              </a:ext>
+            </a:extLst>
+          </p:cNvPr>
+          <p:cNvCxnSpPr>
+            <a:cxnSpLocks/>
+            <a:stCxn id="32" idx="3"/>
+            <a:endCxn id="8" idx="1"/>
+          </p:cNvCxnSpPr>
+          <p:nvPr/>
+        </p:nvCxnSpPr>
+        <p:spPr>
+          <a:xfrm>
+            <a:off x="2046388" y="3219446"/>
+            <a:ext cx="938211" cy="1"/>
+          </a:xfrm>
+          <a:prstGeom prst="bentConnector3">
+            <a:avLst>
+              <a:gd name="adj1" fmla="val 50000"/>
+            </a:avLst>
+          </a:prstGeom>
+          <a:ln>
+            <a:tailEnd type="triangle"/>
+          </a:ln>
+        </p:spPr>
+        <p:style>
+          <a:lnRef idx="1">
+            <a:schemeClr val="accent1"/>
+          </a:lnRef>
+          <a:fillRef idx="0">
+            <a:schemeClr val="accent1"/>
+          </a:fillRef>
+          <a:effectRef idx="0">
+            <a:schemeClr val="accent1"/>
+          </a:effectRef>
+          <a:fontRef idx="minor">
+            <a:schemeClr val="tx1"/>
+          </a:fontRef>
+        </p:style>
+      </p:cxnSp>
+      <p:cxnSp>
+        <p:nvCxnSpPr>
+          <p:cNvPr id="37" name="Straight Arrow Connector 36">
+            <a:extLst>
+              <a:ext uri="{FF2B5EF4-FFF2-40B4-BE49-F238E27FC236}">
+                <a16:creationId xmlns:a16="http://schemas.microsoft.com/office/drawing/2014/main" id="{D9A733CB-EE72-4FB1-AB95-3214413E8CD7}"/>
+              </a:ext>
+            </a:extLst>
+          </p:cNvPr>
+          <p:cNvCxnSpPr>
+            <a:stCxn id="5" idx="2"/>
+            <a:endCxn id="9" idx="0"/>
+          </p:cNvCxnSpPr>
+          <p:nvPr/>
+        </p:nvCxnSpPr>
+        <p:spPr>
+          <a:xfrm>
+            <a:off x="7987310" y="3753330"/>
+            <a:ext cx="0" cy="223830"/>
+          </a:xfrm>
+          <a:prstGeom prst="straightConnector1">
+            <a:avLst/>
+          </a:prstGeom>
+          <a:ln>
+            <a:tailEnd type="triangle"/>
+          </a:ln>
+        </p:spPr>
+        <p:style>
+          <a:lnRef idx="1">
+            <a:schemeClr val="accent1"/>
+          </a:lnRef>
+          <a:fillRef idx="0">
+            <a:schemeClr val="accent1"/>
+          </a:fillRef>
+          <a:effectRef idx="0">
+            <a:schemeClr val="accent1"/>
+          </a:effectRef>
+          <a:fontRef idx="minor">
+            <a:schemeClr val="tx1"/>
+          </a:fontRef>
+        </p:style>
+      </p:cxnSp>
+      <p:cxnSp>
+        <p:nvCxnSpPr>
+          <p:cNvPr id="41" name="Straight Arrow Connector 40">
+            <a:extLst>
+              <a:ext uri="{FF2B5EF4-FFF2-40B4-BE49-F238E27FC236}">
+                <a16:creationId xmlns:a16="http://schemas.microsoft.com/office/drawing/2014/main" id="{B4828F6B-1BED-471F-A296-4F9E9E22E863}"/>
+              </a:ext>
+            </a:extLst>
+          </p:cNvPr>
+          <p:cNvCxnSpPr>
+            <a:cxnSpLocks/>
+            <a:stCxn id="4" idx="1"/>
+          </p:cNvCxnSpPr>
+          <p:nvPr/>
+        </p:nvCxnSpPr>
+        <p:spPr>
+          <a:xfrm flipH="1">
+            <a:off x="6299298" y="1567025"/>
+            <a:ext cx="375943" cy="0"/>
+          </a:xfrm>
+          <a:prstGeom prst="straightConnector1">
+            <a:avLst/>
+          </a:prstGeom>
+          <a:ln>
+            <a:tailEnd type="triangle"/>
+          </a:ln>
+        </p:spPr>
+        <p:style>
+          <a:lnRef idx="1">
+            <a:schemeClr val="accent1"/>
+          </a:lnRef>
+          <a:fillRef idx="0">
+            <a:schemeClr val="accent1"/>
+          </a:fillRef>
+          <a:effectRef idx="0">
+            <a:schemeClr val="accent1"/>
+          </a:effectRef>
+          <a:fontRef idx="minor">
+            <a:schemeClr val="tx1"/>
+          </a:fontRef>
+        </p:style>
+      </p:cxnSp>
+      <p:cxnSp>
+        <p:nvCxnSpPr>
+          <p:cNvPr id="47" name="Straight Arrow Connector 46">
+            <a:extLst>
+              <a:ext uri="{FF2B5EF4-FFF2-40B4-BE49-F238E27FC236}">
+                <a16:creationId xmlns:a16="http://schemas.microsoft.com/office/drawing/2014/main" id="{2DA4C389-319A-4568-BE27-DD69FFA5E71B}"/>
+              </a:ext>
+            </a:extLst>
+          </p:cNvPr>
+          <p:cNvCxnSpPr>
+            <a:cxnSpLocks/>
+            <a:endCxn id="6" idx="3"/>
+          </p:cNvCxnSpPr>
+          <p:nvPr/>
+        </p:nvCxnSpPr>
+        <p:spPr>
+          <a:xfrm flipH="1">
+            <a:off x="9299379" y="2410023"/>
+            <a:ext cx="368496" cy="0"/>
+          </a:xfrm>
+          <a:prstGeom prst="straightConnector1">
+            <a:avLst/>
+          </a:prstGeom>
+          <a:ln>
+            <a:tailEnd type="triangle"/>
+          </a:ln>
+        </p:spPr>
+        <p:style>
+          <a:lnRef idx="1">
+            <a:schemeClr val="accent1"/>
+          </a:lnRef>
+          <a:fillRef idx="0">
+            <a:schemeClr val="accent1"/>
+          </a:fillRef>
+          <a:effectRef idx="0">
+            <a:schemeClr val="accent1"/>
+          </a:effectRef>
+          <a:fontRef idx="minor">
+            <a:schemeClr val="tx1"/>
+          </a:fontRef>
+        </p:style>
+      </p:cxnSp>
+      <p:cxnSp>
+        <p:nvCxnSpPr>
+          <p:cNvPr id="52" name="Straight Arrow Connector 51">
+            <a:extLst>
+              <a:ext uri="{FF2B5EF4-FFF2-40B4-BE49-F238E27FC236}">
+                <a16:creationId xmlns:a16="http://schemas.microsoft.com/office/drawing/2014/main" id="{7F92B00D-8D9D-4C61-A5B1-8BD7BB8EC984}"/>
+              </a:ext>
+            </a:extLst>
+          </p:cNvPr>
+          <p:cNvCxnSpPr>
+            <a:cxnSpLocks/>
+          </p:cNvCxnSpPr>
+          <p:nvPr/>
+        </p:nvCxnSpPr>
+        <p:spPr>
+          <a:xfrm flipH="1">
+            <a:off x="6306745" y="2391171"/>
+            <a:ext cx="368496" cy="0"/>
+          </a:xfrm>
+          <a:prstGeom prst="straightConnector1">
+            <a:avLst/>
+          </a:prstGeom>
+          <a:ln>
+            <a:tailEnd type="triangle"/>
+          </a:ln>
+        </p:spPr>
+        <p:style>
+          <a:lnRef idx="1">
+            <a:schemeClr val="accent1"/>
+          </a:lnRef>
+          <a:fillRef idx="0">
+            <a:schemeClr val="accent1"/>
+          </a:fillRef>
+          <a:effectRef idx="0">
+            <a:schemeClr val="accent1"/>
+          </a:effectRef>
+          <a:fontRef idx="minor">
+            <a:schemeClr val="tx1"/>
+          </a:fontRef>
+        </p:style>
+      </p:cxnSp>
+      <p:cxnSp>
+        <p:nvCxnSpPr>
+          <p:cNvPr id="58" name="Straight Arrow Connector 57">
+            <a:extLst>
+              <a:ext uri="{FF2B5EF4-FFF2-40B4-BE49-F238E27FC236}">
+                <a16:creationId xmlns:a16="http://schemas.microsoft.com/office/drawing/2014/main" id="{35E18A6B-CEA4-41FC-A81D-2F8529E3D729}"/>
+              </a:ext>
+            </a:extLst>
+          </p:cNvPr>
+          <p:cNvCxnSpPr>
+            <a:cxnSpLocks/>
+            <a:endCxn id="5" idx="1"/>
+          </p:cNvCxnSpPr>
+          <p:nvPr/>
+        </p:nvCxnSpPr>
+        <p:spPr>
+          <a:xfrm>
+            <a:off x="6306745" y="3443768"/>
+            <a:ext cx="368496" cy="0"/>
+          </a:xfrm>
+          <a:prstGeom prst="straightConnector1">
+            <a:avLst/>
+          </a:prstGeom>
+          <a:ln>
+            <a:tailEnd type="triangle"/>
+          </a:ln>
+        </p:spPr>
+        <p:style>
+          <a:lnRef idx="1">
+            <a:schemeClr val="accent1"/>
+          </a:lnRef>
+          <a:fillRef idx="0">
+            <a:schemeClr val="accent1"/>
+          </a:fillRef>
+          <a:effectRef idx="0">
+            <a:schemeClr val="accent1"/>
+          </a:effectRef>
+          <a:fontRef idx="minor">
+            <a:schemeClr val="tx1"/>
+          </a:fontRef>
+        </p:style>
+      </p:cxnSp>
+      <p:cxnSp>
+        <p:nvCxnSpPr>
+          <p:cNvPr id="64" name="Straight Arrow Connector 63">
+            <a:extLst>
+              <a:ext uri="{FF2B5EF4-FFF2-40B4-BE49-F238E27FC236}">
+                <a16:creationId xmlns:a16="http://schemas.microsoft.com/office/drawing/2014/main" id="{B17765C4-41C9-4894-AD0D-68C8498ED5D6}"/>
+              </a:ext>
+            </a:extLst>
+          </p:cNvPr>
+          <p:cNvCxnSpPr>
+            <a:cxnSpLocks/>
+          </p:cNvCxnSpPr>
+          <p:nvPr/>
+        </p:nvCxnSpPr>
+        <p:spPr>
+          <a:xfrm>
+            <a:off x="9299379" y="4253393"/>
+            <a:ext cx="368496" cy="0"/>
+          </a:xfrm>
+          <a:prstGeom prst="straightConnector1">
+            <a:avLst/>
+          </a:prstGeom>
+          <a:ln>
+            <a:tailEnd type="triangle"/>
+          </a:ln>
+        </p:spPr>
+        <p:style>
+          <a:lnRef idx="1">
+            <a:schemeClr val="accent1"/>
+          </a:lnRef>
+          <a:fillRef idx="0">
+            <a:schemeClr val="accent1"/>
+          </a:fillRef>
+          <a:effectRef idx="0">
+            <a:schemeClr val="accent1"/>
+          </a:effectRef>
+          <a:fontRef idx="minor">
+            <a:schemeClr val="tx1"/>
+          </a:fontRef>
+        </p:style>
+      </p:cxnSp>
+      <p:cxnSp>
+        <p:nvCxnSpPr>
+          <p:cNvPr id="65" name="Straight Arrow Connector 64">
+            <a:extLst>
+              <a:ext uri="{FF2B5EF4-FFF2-40B4-BE49-F238E27FC236}">
+                <a16:creationId xmlns:a16="http://schemas.microsoft.com/office/drawing/2014/main" id="{E8EEDF10-647A-464C-BED3-4D0132EED942}"/>
+              </a:ext>
+            </a:extLst>
+          </p:cNvPr>
+          <p:cNvCxnSpPr>
+            <a:cxnSpLocks/>
+          </p:cNvCxnSpPr>
+          <p:nvPr/>
+        </p:nvCxnSpPr>
+        <p:spPr>
+          <a:xfrm>
+            <a:off x="6306745" y="5110643"/>
+            <a:ext cx="368496" cy="0"/>
+          </a:xfrm>
+          <a:prstGeom prst="straightConnector1">
+            <a:avLst/>
+          </a:prstGeom>
+          <a:ln>
+            <a:tailEnd type="triangle"/>
+          </a:ln>
+        </p:spPr>
+        <p:style>
+          <a:lnRef idx="1">
+            <a:schemeClr val="accent1"/>
+          </a:lnRef>
+          <a:fillRef idx="0">
+            <a:schemeClr val="accent1"/>
+          </a:fillRef>
+          <a:effectRef idx="0">
+            <a:schemeClr val="accent1"/>
+          </a:effectRef>
+          <a:fontRef idx="minor">
+            <a:schemeClr val="tx1"/>
+          </a:fontRef>
+        </p:style>
+      </p:cxnSp>
+      <p:cxnSp>
+        <p:nvCxnSpPr>
+          <p:cNvPr id="66" name="Straight Arrow Connector 65">
+            <a:extLst>
+              <a:ext uri="{FF2B5EF4-FFF2-40B4-BE49-F238E27FC236}">
+                <a16:creationId xmlns:a16="http://schemas.microsoft.com/office/drawing/2014/main" id="{DABBF4FB-84C9-4BC1-9A29-38CC4313A606}"/>
+              </a:ext>
+            </a:extLst>
+          </p:cNvPr>
+          <p:cNvCxnSpPr>
+            <a:cxnSpLocks/>
+          </p:cNvCxnSpPr>
+          <p:nvPr/>
+        </p:nvCxnSpPr>
+        <p:spPr>
+          <a:xfrm>
+            <a:off x="9299379" y="5110643"/>
+            <a:ext cx="368496" cy="0"/>
+          </a:xfrm>
+          <a:prstGeom prst="straightConnector1">
+            <a:avLst/>
+          </a:prstGeom>
+          <a:ln>
+            <a:tailEnd type="triangle"/>
+          </a:ln>
+        </p:spPr>
+        <p:style>
+          <a:lnRef idx="1">
+            <a:schemeClr val="accent1"/>
+          </a:lnRef>
+          <a:fillRef idx="0">
+            <a:schemeClr val="accent1"/>
+          </a:fillRef>
+          <a:effectRef idx="0">
+            <a:schemeClr val="accent1"/>
+          </a:effectRef>
+          <a:fontRef idx="minor">
+            <a:schemeClr val="tx1"/>
+          </a:fontRef>
+        </p:style>
+      </p:cxnSp>
     </p:spTree>
     <p:extLst>
       <p:ext uri="{BB962C8B-B14F-4D97-AF65-F5344CB8AC3E}">
@@ -29870,7 +32759,1668 @@
 </p:sld>
 </file>
 
-<file path=ppt/slides/slide3.xml><?xml version="1.0" encoding="utf-8"?>
+<file path=ppt/slides/slide4.xml><?xml version="1.0" encoding="utf-8"?>
+<p:sld xmlns:a="http://schemas.openxmlformats.org/drawingml/2006/main" xmlns:r="http://schemas.openxmlformats.org/officeDocument/2006/relationships" xmlns:p="http://schemas.openxmlformats.org/presentationml/2006/main">
+  <p:cSld>
+    <p:spTree>
+      <p:nvGrpSpPr>
+        <p:cNvPr id="1" name=""/>
+        <p:cNvGrpSpPr/>
+        <p:nvPr/>
+      </p:nvGrpSpPr>
+      <p:grpSpPr>
+        <a:xfrm>
+          <a:off x="0" y="0"/>
+          <a:ext cx="0" cy="0"/>
+          <a:chOff x="0" y="0"/>
+          <a:chExt cx="0" cy="0"/>
+        </a:xfrm>
+      </p:grpSpPr>
+      <p:sp>
+        <p:nvSpPr>
+          <p:cNvPr id="13" name="Rectangle 12">
+            <a:extLst>
+              <a:ext uri="{FF2B5EF4-FFF2-40B4-BE49-F238E27FC236}">
+                <a16:creationId xmlns:a16="http://schemas.microsoft.com/office/drawing/2014/main" id="{B0F50345-E654-4E6D-B14E-FB51C366BA65}"/>
+              </a:ext>
+            </a:extLst>
+          </p:cNvPr>
+          <p:cNvSpPr/>
+          <p:nvPr/>
+        </p:nvSpPr>
+        <p:spPr>
+          <a:xfrm>
+            <a:off x="6299298" y="914399"/>
+            <a:ext cx="3368577" cy="4610101"/>
+          </a:xfrm>
+          <a:prstGeom prst="rect">
+            <a:avLst/>
+          </a:prstGeom>
+        </p:spPr>
+        <p:style>
+          <a:lnRef idx="2">
+            <a:schemeClr val="accent6"/>
+          </a:lnRef>
+          <a:fillRef idx="1">
+            <a:schemeClr val="lt1"/>
+          </a:fillRef>
+          <a:effectRef idx="0">
+            <a:schemeClr val="accent6"/>
+          </a:effectRef>
+          <a:fontRef idx="minor">
+            <a:schemeClr val="dk1"/>
+          </a:fontRef>
+        </p:style>
+        <p:txBody>
+          <a:bodyPr rtlCol="0" anchor="ctr"/>
+          <a:lstStyle/>
+          <a:p>
+            <a:pPr algn="ctr"/>
+            <a:endParaRPr lang="en-MY"/>
+          </a:p>
+        </p:txBody>
+      </p:sp>
+      <p:sp>
+        <p:nvSpPr>
+          <p:cNvPr id="4" name="Rectangle: Rounded Corners 3">
+            <a:extLst>
+              <a:ext uri="{FF2B5EF4-FFF2-40B4-BE49-F238E27FC236}">
+                <a16:creationId xmlns:a16="http://schemas.microsoft.com/office/drawing/2014/main" id="{9414CAC1-1E49-47BF-AD07-6B7CAACA9D86}"/>
+              </a:ext>
+            </a:extLst>
+          </p:cNvPr>
+          <p:cNvSpPr/>
+          <p:nvPr/>
+        </p:nvSpPr>
+        <p:spPr>
+          <a:xfrm>
+            <a:off x="6675241" y="1257462"/>
+            <a:ext cx="2624138" cy="619125"/>
+          </a:xfrm>
+          <a:prstGeom prst="roundRect">
+            <a:avLst/>
+          </a:prstGeom>
+        </p:spPr>
+        <p:style>
+          <a:lnRef idx="3">
+            <a:schemeClr val="lt1"/>
+          </a:lnRef>
+          <a:fillRef idx="1">
+            <a:schemeClr val="accent3"/>
+          </a:fillRef>
+          <a:effectRef idx="1">
+            <a:schemeClr val="accent3"/>
+          </a:effectRef>
+          <a:fontRef idx="minor">
+            <a:schemeClr val="lt1"/>
+          </a:fontRef>
+        </p:style>
+        <p:txBody>
+          <a:bodyPr rtlCol="0" anchor="ctr"/>
+          <a:lstStyle/>
+          <a:p>
+            <a:pPr algn="ctr"/>
+            <a:r>
+              <a:rPr lang="en-US" dirty="0"/>
+              <a:t>Initial Defaults Interceptor</a:t>
+            </a:r>
+          </a:p>
+        </p:txBody>
+      </p:sp>
+      <p:sp>
+        <p:nvSpPr>
+          <p:cNvPr id="5" name="Rectangle: Rounded Corners 4">
+            <a:extLst>
+              <a:ext uri="{FF2B5EF4-FFF2-40B4-BE49-F238E27FC236}">
+                <a16:creationId xmlns:a16="http://schemas.microsoft.com/office/drawing/2014/main" id="{1B628A5E-2491-4907-8639-4275DCA7D1CE}"/>
+              </a:ext>
+            </a:extLst>
+          </p:cNvPr>
+          <p:cNvSpPr/>
+          <p:nvPr/>
+        </p:nvSpPr>
+        <p:spPr>
+          <a:xfrm>
+            <a:off x="6675241" y="3134205"/>
+            <a:ext cx="2624138" cy="619125"/>
+          </a:xfrm>
+          <a:prstGeom prst="roundRect">
+            <a:avLst/>
+          </a:prstGeom>
+        </p:spPr>
+        <p:style>
+          <a:lnRef idx="3">
+            <a:schemeClr val="lt1"/>
+          </a:lnRef>
+          <a:fillRef idx="1">
+            <a:schemeClr val="accent3"/>
+          </a:fillRef>
+          <a:effectRef idx="1">
+            <a:schemeClr val="accent3"/>
+          </a:effectRef>
+          <a:fontRef idx="minor">
+            <a:schemeClr val="lt1"/>
+          </a:fontRef>
+        </p:style>
+        <p:txBody>
+          <a:bodyPr rtlCol="0" anchor="ctr"/>
+          <a:lstStyle/>
+          <a:p>
+            <a:pPr algn="ctr"/>
+            <a:r>
+              <a:rPr lang="en-US" dirty="0"/>
+              <a:t>Prepare Interceptor</a:t>
+            </a:r>
+          </a:p>
+        </p:txBody>
+      </p:sp>
+      <p:sp>
+        <p:nvSpPr>
+          <p:cNvPr id="6" name="Rectangle: Rounded Corners 5">
+            <a:extLst>
+              <a:ext uri="{FF2B5EF4-FFF2-40B4-BE49-F238E27FC236}">
+                <a16:creationId xmlns:a16="http://schemas.microsoft.com/office/drawing/2014/main" id="{09E19E81-9658-496F-895C-6ED443AA77E0}"/>
+              </a:ext>
+            </a:extLst>
+          </p:cNvPr>
+          <p:cNvSpPr/>
+          <p:nvPr/>
+        </p:nvSpPr>
+        <p:spPr>
+          <a:xfrm>
+            <a:off x="6675241" y="2100460"/>
+            <a:ext cx="2624138" cy="619125"/>
+          </a:xfrm>
+          <a:prstGeom prst="roundRect">
+            <a:avLst/>
+          </a:prstGeom>
+        </p:spPr>
+        <p:style>
+          <a:lnRef idx="3">
+            <a:schemeClr val="lt1"/>
+          </a:lnRef>
+          <a:fillRef idx="1">
+            <a:schemeClr val="accent3"/>
+          </a:fillRef>
+          <a:effectRef idx="1">
+            <a:schemeClr val="accent3"/>
+          </a:effectRef>
+          <a:fontRef idx="minor">
+            <a:schemeClr val="lt1"/>
+          </a:fontRef>
+        </p:style>
+        <p:txBody>
+          <a:bodyPr rtlCol="0" anchor="ctr"/>
+          <a:lstStyle/>
+          <a:p>
+            <a:pPr algn="ctr"/>
+            <a:r>
+              <a:rPr lang="en-US" dirty="0"/>
+              <a:t>Load Interceptor</a:t>
+            </a:r>
+          </a:p>
+        </p:txBody>
+      </p:sp>
+      <p:sp>
+        <p:nvSpPr>
+          <p:cNvPr id="7" name="Rectangle: Rounded Corners 6">
+            <a:extLst>
+              <a:ext uri="{FF2B5EF4-FFF2-40B4-BE49-F238E27FC236}">
+                <a16:creationId xmlns:a16="http://schemas.microsoft.com/office/drawing/2014/main" id="{A7655452-9E9F-4B68-B196-1190BD3F6576}"/>
+              </a:ext>
+            </a:extLst>
+          </p:cNvPr>
+          <p:cNvSpPr/>
+          <p:nvPr/>
+        </p:nvSpPr>
+        <p:spPr>
+          <a:xfrm>
+            <a:off x="6675241" y="4820158"/>
+            <a:ext cx="2624138" cy="619125"/>
+          </a:xfrm>
+          <a:prstGeom prst="roundRect">
+            <a:avLst/>
+          </a:prstGeom>
+        </p:spPr>
+        <p:style>
+          <a:lnRef idx="3">
+            <a:schemeClr val="lt1"/>
+          </a:lnRef>
+          <a:fillRef idx="1">
+            <a:schemeClr val="accent3"/>
+          </a:fillRef>
+          <a:effectRef idx="1">
+            <a:schemeClr val="accent3"/>
+          </a:effectRef>
+          <a:fontRef idx="minor">
+            <a:schemeClr val="lt1"/>
+          </a:fontRef>
+        </p:style>
+        <p:txBody>
+          <a:bodyPr rtlCol="0" anchor="ctr"/>
+          <a:lstStyle/>
+          <a:p>
+            <a:pPr algn="ctr"/>
+            <a:r>
+              <a:rPr lang="en-US" dirty="0"/>
+              <a:t>Remove Interceptor</a:t>
+            </a:r>
+          </a:p>
+        </p:txBody>
+      </p:sp>
+      <p:sp>
+        <p:nvSpPr>
+          <p:cNvPr id="8" name="Rectangle: Rounded Corners 7">
+            <a:extLst>
+              <a:ext uri="{FF2B5EF4-FFF2-40B4-BE49-F238E27FC236}">
+                <a16:creationId xmlns:a16="http://schemas.microsoft.com/office/drawing/2014/main" id="{14A6958C-2DEB-401D-8C57-65E516EBA913}"/>
+              </a:ext>
+            </a:extLst>
+          </p:cNvPr>
+          <p:cNvSpPr/>
+          <p:nvPr/>
+        </p:nvSpPr>
+        <p:spPr>
+          <a:xfrm>
+            <a:off x="2984599" y="2909884"/>
+            <a:ext cx="1809750" cy="619125"/>
+          </a:xfrm>
+          <a:prstGeom prst="roundRect">
+            <a:avLst/>
+          </a:prstGeom>
+        </p:spPr>
+        <p:style>
+          <a:lnRef idx="2">
+            <a:schemeClr val="accent1">
+              <a:shade val="50000"/>
+            </a:schemeClr>
+          </a:lnRef>
+          <a:fillRef idx="1">
+            <a:schemeClr val="accent1"/>
+          </a:fillRef>
+          <a:effectRef idx="0">
+            <a:schemeClr val="accent1"/>
+          </a:effectRef>
+          <a:fontRef idx="minor">
+            <a:schemeClr val="lt1"/>
+          </a:fontRef>
+        </p:style>
+        <p:txBody>
+          <a:bodyPr rtlCol="0" anchor="ctr"/>
+          <a:lstStyle/>
+          <a:p>
+            <a:pPr algn="ctr"/>
+            <a:r>
+              <a:rPr lang="en-US" dirty="0"/>
+              <a:t>Model Service</a:t>
+            </a:r>
+          </a:p>
+        </p:txBody>
+      </p:sp>
+      <p:sp>
+        <p:nvSpPr>
+          <p:cNvPr id="9" name="Rectangle: Rounded Corners 8">
+            <a:extLst>
+              <a:ext uri="{FF2B5EF4-FFF2-40B4-BE49-F238E27FC236}">
+                <a16:creationId xmlns:a16="http://schemas.microsoft.com/office/drawing/2014/main" id="{7D128B1C-E396-4A00-9433-2D5398E8740B}"/>
+              </a:ext>
+            </a:extLst>
+          </p:cNvPr>
+          <p:cNvSpPr/>
+          <p:nvPr/>
+        </p:nvSpPr>
+        <p:spPr>
+          <a:xfrm>
+            <a:off x="6675241" y="3977160"/>
+            <a:ext cx="2624138" cy="619125"/>
+          </a:xfrm>
+          <a:prstGeom prst="roundRect">
+            <a:avLst/>
+          </a:prstGeom>
+        </p:spPr>
+        <p:style>
+          <a:lnRef idx="3">
+            <a:schemeClr val="lt1"/>
+          </a:lnRef>
+          <a:fillRef idx="1">
+            <a:schemeClr val="accent3"/>
+          </a:fillRef>
+          <a:effectRef idx="1">
+            <a:schemeClr val="accent3"/>
+          </a:effectRef>
+          <a:fontRef idx="minor">
+            <a:schemeClr val="lt1"/>
+          </a:fontRef>
+        </p:style>
+        <p:txBody>
+          <a:bodyPr rtlCol="0" anchor="ctr"/>
+          <a:lstStyle/>
+          <a:p>
+            <a:pPr algn="ctr"/>
+            <a:r>
+              <a:rPr lang="en-US" dirty="0"/>
+              <a:t>Validate Interceptor</a:t>
+            </a:r>
+          </a:p>
+        </p:txBody>
+      </p:sp>
+      <p:sp>
+        <p:nvSpPr>
+          <p:cNvPr id="10" name="Cylinder 9">
+            <a:extLst>
+              <a:ext uri="{FF2B5EF4-FFF2-40B4-BE49-F238E27FC236}">
+                <a16:creationId xmlns:a16="http://schemas.microsoft.com/office/drawing/2014/main" id="{4E4E95A8-B0EA-482F-AA3E-3E997ECA5A76}"/>
+              </a:ext>
+            </a:extLst>
+          </p:cNvPr>
+          <p:cNvSpPr/>
+          <p:nvPr/>
+        </p:nvSpPr>
+        <p:spPr>
+          <a:xfrm>
+            <a:off x="10804328" y="2538410"/>
+            <a:ext cx="1062037" cy="1362075"/>
+          </a:xfrm>
+          <a:prstGeom prst="can">
+            <a:avLst/>
+          </a:prstGeom>
+        </p:spPr>
+        <p:style>
+          <a:lnRef idx="2">
+            <a:schemeClr val="dk1">
+              <a:shade val="50000"/>
+            </a:schemeClr>
+          </a:lnRef>
+          <a:fillRef idx="1">
+            <a:schemeClr val="dk1"/>
+          </a:fillRef>
+          <a:effectRef idx="0">
+            <a:schemeClr val="dk1"/>
+          </a:effectRef>
+          <a:fontRef idx="minor">
+            <a:schemeClr val="lt1"/>
+          </a:fontRef>
+        </p:style>
+        <p:txBody>
+          <a:bodyPr rtlCol="0" anchor="ctr"/>
+          <a:lstStyle/>
+          <a:p>
+            <a:pPr algn="ctr"/>
+            <a:r>
+              <a:rPr lang="en-US" dirty="0"/>
+              <a:t>Database</a:t>
+            </a:r>
+            <a:endParaRPr lang="en-MY" dirty="0"/>
+          </a:p>
+        </p:txBody>
+      </p:sp>
+      <p:sp>
+        <p:nvSpPr>
+          <p:cNvPr id="11" name="Rectangle: Rounded Corners 10">
+            <a:extLst>
+              <a:ext uri="{FF2B5EF4-FFF2-40B4-BE49-F238E27FC236}">
+                <a16:creationId xmlns:a16="http://schemas.microsoft.com/office/drawing/2014/main" id="{E123C515-7319-42DA-82CE-765BECB298F0}"/>
+              </a:ext>
+            </a:extLst>
+          </p:cNvPr>
+          <p:cNvSpPr/>
+          <p:nvPr/>
+        </p:nvSpPr>
+        <p:spPr>
+          <a:xfrm>
+            <a:off x="1841598" y="4353426"/>
+            <a:ext cx="1882677" cy="619125"/>
+          </a:xfrm>
+          <a:prstGeom prst="roundRect">
+            <a:avLst/>
+          </a:prstGeom>
+        </p:spPr>
+        <p:style>
+          <a:lnRef idx="2">
+            <a:schemeClr val="accent4">
+              <a:shade val="50000"/>
+            </a:schemeClr>
+          </a:lnRef>
+          <a:fillRef idx="1">
+            <a:schemeClr val="accent4"/>
+          </a:fillRef>
+          <a:effectRef idx="0">
+            <a:schemeClr val="accent4"/>
+          </a:effectRef>
+          <a:fontRef idx="minor">
+            <a:schemeClr val="lt1"/>
+          </a:fontRef>
+        </p:style>
+        <p:txBody>
+          <a:bodyPr rtlCol="0" anchor="ctr"/>
+          <a:lstStyle/>
+          <a:p>
+            <a:pPr algn="ctr"/>
+            <a:r>
+              <a:rPr lang="en-US" dirty="0"/>
+              <a:t>After Save Listener</a:t>
+            </a:r>
+          </a:p>
+        </p:txBody>
+      </p:sp>
+      <p:sp>
+        <p:nvSpPr>
+          <p:cNvPr id="12" name="Rectangle: Rounded Corners 11">
+            <a:extLst>
+              <a:ext uri="{FF2B5EF4-FFF2-40B4-BE49-F238E27FC236}">
+                <a16:creationId xmlns:a16="http://schemas.microsoft.com/office/drawing/2014/main" id="{64DC65E3-2EC0-454D-A410-AAAA0C77D79D}"/>
+              </a:ext>
+            </a:extLst>
+          </p:cNvPr>
+          <p:cNvSpPr/>
+          <p:nvPr/>
+        </p:nvSpPr>
+        <p:spPr>
+          <a:xfrm>
+            <a:off x="4132066" y="4353426"/>
+            <a:ext cx="1882677" cy="619125"/>
+          </a:xfrm>
+          <a:prstGeom prst="roundRect">
+            <a:avLst/>
+          </a:prstGeom>
+        </p:spPr>
+        <p:style>
+          <a:lnRef idx="2">
+            <a:schemeClr val="accent4">
+              <a:shade val="50000"/>
+            </a:schemeClr>
+          </a:lnRef>
+          <a:fillRef idx="1">
+            <a:schemeClr val="accent4"/>
+          </a:fillRef>
+          <a:effectRef idx="0">
+            <a:schemeClr val="accent4"/>
+          </a:effectRef>
+          <a:fontRef idx="minor">
+            <a:schemeClr val="lt1"/>
+          </a:fontRef>
+        </p:style>
+        <p:txBody>
+          <a:bodyPr rtlCol="0" anchor="ctr"/>
+          <a:lstStyle/>
+          <a:p>
+            <a:pPr algn="ctr"/>
+            <a:r>
+              <a:rPr lang="en-US" dirty="0"/>
+              <a:t>After Remove Listener</a:t>
+            </a:r>
+          </a:p>
+        </p:txBody>
+      </p:sp>
+      <p:cxnSp>
+        <p:nvCxnSpPr>
+          <p:cNvPr id="26" name="Connector: Elbow 25">
+            <a:extLst>
+              <a:ext uri="{FF2B5EF4-FFF2-40B4-BE49-F238E27FC236}">
+                <a16:creationId xmlns:a16="http://schemas.microsoft.com/office/drawing/2014/main" id="{C43D1F4A-A22D-46E1-82E0-27EA07C16E6B}"/>
+              </a:ext>
+            </a:extLst>
+          </p:cNvPr>
+          <p:cNvCxnSpPr>
+            <a:cxnSpLocks/>
+            <a:stCxn id="8" idx="3"/>
+            <a:endCxn id="13" idx="1"/>
+          </p:cNvCxnSpPr>
+          <p:nvPr/>
+        </p:nvCxnSpPr>
+        <p:spPr>
+          <a:xfrm>
+            <a:off x="4794349" y="3219447"/>
+            <a:ext cx="1504949" cy="3"/>
+          </a:xfrm>
+          <a:prstGeom prst="bentConnector3">
+            <a:avLst>
+              <a:gd name="adj1" fmla="val 50000"/>
+            </a:avLst>
+          </a:prstGeom>
+          <a:ln>
+            <a:tailEnd type="triangle"/>
+          </a:ln>
+        </p:spPr>
+        <p:style>
+          <a:lnRef idx="1">
+            <a:schemeClr val="accent1"/>
+          </a:lnRef>
+          <a:fillRef idx="0">
+            <a:schemeClr val="accent1"/>
+          </a:fillRef>
+          <a:effectRef idx="0">
+            <a:schemeClr val="accent1"/>
+          </a:effectRef>
+          <a:fontRef idx="minor">
+            <a:schemeClr val="tx1"/>
+          </a:fontRef>
+        </p:style>
+      </p:cxnSp>
+      <p:cxnSp>
+        <p:nvCxnSpPr>
+          <p:cNvPr id="36" name="Connector: Elbow 35">
+            <a:extLst>
+              <a:ext uri="{FF2B5EF4-FFF2-40B4-BE49-F238E27FC236}">
+                <a16:creationId xmlns:a16="http://schemas.microsoft.com/office/drawing/2014/main" id="{AE0D03F8-C724-4ED4-8BDF-CAA910082E10}"/>
+              </a:ext>
+            </a:extLst>
+          </p:cNvPr>
+          <p:cNvCxnSpPr>
+            <a:cxnSpLocks/>
+            <a:stCxn id="13" idx="3"/>
+            <a:endCxn id="10" idx="2"/>
+          </p:cNvCxnSpPr>
+          <p:nvPr/>
+        </p:nvCxnSpPr>
+        <p:spPr>
+          <a:xfrm flipV="1">
+            <a:off x="9667875" y="3219448"/>
+            <a:ext cx="1136453" cy="2"/>
+          </a:xfrm>
+          <a:prstGeom prst="bentConnector3">
+            <a:avLst>
+              <a:gd name="adj1" fmla="val 50000"/>
+            </a:avLst>
+          </a:prstGeom>
+          <a:ln>
+            <a:tailEnd type="triangle"/>
+          </a:ln>
+        </p:spPr>
+        <p:style>
+          <a:lnRef idx="1">
+            <a:schemeClr val="accent1"/>
+          </a:lnRef>
+          <a:fillRef idx="0">
+            <a:schemeClr val="accent1"/>
+          </a:fillRef>
+          <a:effectRef idx="0">
+            <a:schemeClr val="accent1"/>
+          </a:effectRef>
+          <a:fontRef idx="minor">
+            <a:schemeClr val="tx1"/>
+          </a:fontRef>
+        </p:style>
+      </p:cxnSp>
+      <p:cxnSp>
+        <p:nvCxnSpPr>
+          <p:cNvPr id="42" name="Connector: Elbow 41">
+            <a:extLst>
+              <a:ext uri="{FF2B5EF4-FFF2-40B4-BE49-F238E27FC236}">
+                <a16:creationId xmlns:a16="http://schemas.microsoft.com/office/drawing/2014/main" id="{8663D1E4-6EC1-4BE1-9D0C-3EC1E3CF6682}"/>
+              </a:ext>
+            </a:extLst>
+          </p:cNvPr>
+          <p:cNvCxnSpPr>
+            <a:cxnSpLocks/>
+            <a:stCxn id="8" idx="2"/>
+            <a:endCxn id="12" idx="0"/>
+          </p:cNvCxnSpPr>
+          <p:nvPr/>
+        </p:nvCxnSpPr>
+        <p:spPr>
+          <a:xfrm rot="16200000" flipH="1">
+            <a:off x="4069231" y="3349251"/>
+            <a:ext cx="824417" cy="1183931"/>
+          </a:xfrm>
+          <a:prstGeom prst="bentConnector3">
+            <a:avLst>
+              <a:gd name="adj1" fmla="val 50000"/>
+            </a:avLst>
+          </a:prstGeom>
+          <a:ln>
+            <a:tailEnd type="triangle"/>
+          </a:ln>
+        </p:spPr>
+        <p:style>
+          <a:lnRef idx="1">
+            <a:schemeClr val="accent1"/>
+          </a:lnRef>
+          <a:fillRef idx="0">
+            <a:schemeClr val="accent1"/>
+          </a:fillRef>
+          <a:effectRef idx="0">
+            <a:schemeClr val="accent1"/>
+          </a:effectRef>
+          <a:fontRef idx="minor">
+            <a:schemeClr val="tx1"/>
+          </a:fontRef>
+        </p:style>
+      </p:cxnSp>
+      <p:cxnSp>
+        <p:nvCxnSpPr>
+          <p:cNvPr id="45" name="Connector: Elbow 44">
+            <a:extLst>
+              <a:ext uri="{FF2B5EF4-FFF2-40B4-BE49-F238E27FC236}">
+                <a16:creationId xmlns:a16="http://schemas.microsoft.com/office/drawing/2014/main" id="{7B269F57-7B1A-434D-8DB0-451EF0A1F4B3}"/>
+              </a:ext>
+            </a:extLst>
+          </p:cNvPr>
+          <p:cNvCxnSpPr>
+            <a:cxnSpLocks/>
+            <a:stCxn id="8" idx="2"/>
+            <a:endCxn id="11" idx="0"/>
+          </p:cNvCxnSpPr>
+          <p:nvPr/>
+        </p:nvCxnSpPr>
+        <p:spPr>
+          <a:xfrm rot="5400000">
+            <a:off x="2923998" y="3387949"/>
+            <a:ext cx="824417" cy="1106537"/>
+          </a:xfrm>
+          <a:prstGeom prst="bentConnector3">
+            <a:avLst>
+              <a:gd name="adj1" fmla="val 50000"/>
+            </a:avLst>
+          </a:prstGeom>
+          <a:ln>
+            <a:tailEnd type="triangle"/>
+          </a:ln>
+        </p:spPr>
+        <p:style>
+          <a:lnRef idx="1">
+            <a:schemeClr val="accent1"/>
+          </a:lnRef>
+          <a:fillRef idx="0">
+            <a:schemeClr val="accent1"/>
+          </a:fillRef>
+          <a:effectRef idx="0">
+            <a:schemeClr val="accent1"/>
+          </a:effectRef>
+          <a:fontRef idx="minor">
+            <a:schemeClr val="tx1"/>
+          </a:fontRef>
+        </p:style>
+      </p:cxnSp>
+      <p:sp>
+        <p:nvSpPr>
+          <p:cNvPr id="49" name="TextBox 48">
+            <a:extLst>
+              <a:ext uri="{FF2B5EF4-FFF2-40B4-BE49-F238E27FC236}">
+                <a16:creationId xmlns:a16="http://schemas.microsoft.com/office/drawing/2014/main" id="{98BD274D-6B21-45DB-AFFB-9A1ED74A4A2B}"/>
+              </a:ext>
+            </a:extLst>
+          </p:cNvPr>
+          <p:cNvSpPr txBox="1"/>
+          <p:nvPr/>
+        </p:nvSpPr>
+        <p:spPr>
+          <a:xfrm>
+            <a:off x="0" y="0"/>
+            <a:ext cx="3171825" cy="584775"/>
+          </a:xfrm>
+          <a:prstGeom prst="rect">
+            <a:avLst/>
+          </a:prstGeom>
+          <a:noFill/>
+        </p:spPr>
+        <p:txBody>
+          <a:bodyPr wrap="square" rtlCol="0">
+            <a:spAutoFit/>
+          </a:bodyPr>
+          <a:lstStyle/>
+          <a:p>
+            <a:pPr algn="ctr"/>
+            <a:r>
+              <a:rPr lang="en-US" sz="3200" dirty="0"/>
+              <a:t>Legacy Mode</a:t>
+            </a:r>
+            <a:endParaRPr lang="en-MY" sz="3200" dirty="0"/>
+          </a:p>
+        </p:txBody>
+      </p:sp>
+      <p:sp>
+        <p:nvSpPr>
+          <p:cNvPr id="19" name="Rectangle: Rounded Corners 18">
+            <a:extLst>
+              <a:ext uri="{FF2B5EF4-FFF2-40B4-BE49-F238E27FC236}">
+                <a16:creationId xmlns:a16="http://schemas.microsoft.com/office/drawing/2014/main" id="{6EE10779-6235-4A26-8BA8-8BB807778717}"/>
+              </a:ext>
+            </a:extLst>
+          </p:cNvPr>
+          <p:cNvSpPr/>
+          <p:nvPr/>
+        </p:nvSpPr>
+        <p:spPr>
+          <a:xfrm>
+            <a:off x="1841598" y="1466342"/>
+            <a:ext cx="1882677" cy="619125"/>
+          </a:xfrm>
+          <a:prstGeom prst="roundRect">
+            <a:avLst/>
+          </a:prstGeom>
+        </p:spPr>
+        <p:style>
+          <a:lnRef idx="2">
+            <a:schemeClr val="accent4">
+              <a:shade val="50000"/>
+            </a:schemeClr>
+          </a:lnRef>
+          <a:fillRef idx="1">
+            <a:schemeClr val="accent4"/>
+          </a:fillRef>
+          <a:effectRef idx="0">
+            <a:schemeClr val="accent4"/>
+          </a:effectRef>
+          <a:fontRef idx="minor">
+            <a:schemeClr val="lt1"/>
+          </a:fontRef>
+        </p:style>
+        <p:txBody>
+          <a:bodyPr rtlCol="0" anchor="ctr"/>
+          <a:lstStyle/>
+          <a:p>
+            <a:pPr algn="ctr"/>
+            <a:r>
+              <a:rPr lang="en-US" dirty="0"/>
+              <a:t>Before Save Listener</a:t>
+            </a:r>
+          </a:p>
+        </p:txBody>
+      </p:sp>
+      <p:sp>
+        <p:nvSpPr>
+          <p:cNvPr id="20" name="Rectangle: Rounded Corners 19">
+            <a:extLst>
+              <a:ext uri="{FF2B5EF4-FFF2-40B4-BE49-F238E27FC236}">
+                <a16:creationId xmlns:a16="http://schemas.microsoft.com/office/drawing/2014/main" id="{F521D346-39AB-4566-B238-2B6ED4A8ACC2}"/>
+              </a:ext>
+            </a:extLst>
+          </p:cNvPr>
+          <p:cNvSpPr/>
+          <p:nvPr/>
+        </p:nvSpPr>
+        <p:spPr>
+          <a:xfrm>
+            <a:off x="4132066" y="1466342"/>
+            <a:ext cx="1882677" cy="619125"/>
+          </a:xfrm>
+          <a:prstGeom prst="roundRect">
+            <a:avLst/>
+          </a:prstGeom>
+        </p:spPr>
+        <p:style>
+          <a:lnRef idx="2">
+            <a:schemeClr val="accent4">
+              <a:shade val="50000"/>
+            </a:schemeClr>
+          </a:lnRef>
+          <a:fillRef idx="1">
+            <a:schemeClr val="accent4"/>
+          </a:fillRef>
+          <a:effectRef idx="0">
+            <a:schemeClr val="accent4"/>
+          </a:effectRef>
+          <a:fontRef idx="minor">
+            <a:schemeClr val="lt1"/>
+          </a:fontRef>
+        </p:style>
+        <p:txBody>
+          <a:bodyPr rtlCol="0" anchor="ctr"/>
+          <a:lstStyle/>
+          <a:p>
+            <a:pPr algn="ctr"/>
+            <a:r>
+              <a:rPr lang="en-US" dirty="0"/>
+              <a:t>Before Remove Listener</a:t>
+            </a:r>
+          </a:p>
+        </p:txBody>
+      </p:sp>
+      <p:cxnSp>
+        <p:nvCxnSpPr>
+          <p:cNvPr id="21" name="Connector: Elbow 20">
+            <a:extLst>
+              <a:ext uri="{FF2B5EF4-FFF2-40B4-BE49-F238E27FC236}">
+                <a16:creationId xmlns:a16="http://schemas.microsoft.com/office/drawing/2014/main" id="{68177B34-FF05-4DB0-993F-3F8DCA632A84}"/>
+              </a:ext>
+            </a:extLst>
+          </p:cNvPr>
+          <p:cNvCxnSpPr>
+            <a:cxnSpLocks/>
+            <a:stCxn id="8" idx="0"/>
+            <a:endCxn id="20" idx="2"/>
+          </p:cNvCxnSpPr>
+          <p:nvPr/>
+        </p:nvCxnSpPr>
+        <p:spPr>
+          <a:xfrm rot="5400000" flipH="1" flipV="1">
+            <a:off x="4069231" y="1905711"/>
+            <a:ext cx="824417" cy="1183931"/>
+          </a:xfrm>
+          <a:prstGeom prst="bentConnector3">
+            <a:avLst>
+              <a:gd name="adj1" fmla="val 50000"/>
+            </a:avLst>
+          </a:prstGeom>
+          <a:ln>
+            <a:tailEnd type="triangle"/>
+          </a:ln>
+        </p:spPr>
+        <p:style>
+          <a:lnRef idx="1">
+            <a:schemeClr val="accent1"/>
+          </a:lnRef>
+          <a:fillRef idx="0">
+            <a:schemeClr val="accent1"/>
+          </a:fillRef>
+          <a:effectRef idx="0">
+            <a:schemeClr val="accent1"/>
+          </a:effectRef>
+          <a:fontRef idx="minor">
+            <a:schemeClr val="tx1"/>
+          </a:fontRef>
+        </p:style>
+      </p:cxnSp>
+      <p:cxnSp>
+        <p:nvCxnSpPr>
+          <p:cNvPr id="22" name="Connector: Elbow 21">
+            <a:extLst>
+              <a:ext uri="{FF2B5EF4-FFF2-40B4-BE49-F238E27FC236}">
+                <a16:creationId xmlns:a16="http://schemas.microsoft.com/office/drawing/2014/main" id="{C4AF2F17-6DAF-4B53-AEEF-08AE7EBB72E6}"/>
+              </a:ext>
+            </a:extLst>
+          </p:cNvPr>
+          <p:cNvCxnSpPr>
+            <a:cxnSpLocks/>
+            <a:stCxn id="8" idx="0"/>
+            <a:endCxn id="19" idx="2"/>
+          </p:cNvCxnSpPr>
+          <p:nvPr/>
+        </p:nvCxnSpPr>
+        <p:spPr>
+          <a:xfrm rot="16200000" flipV="1">
+            <a:off x="2923998" y="1944407"/>
+            <a:ext cx="824417" cy="1106537"/>
+          </a:xfrm>
+          <a:prstGeom prst="bentConnector3">
+            <a:avLst>
+              <a:gd name="adj1" fmla="val 50000"/>
+            </a:avLst>
+          </a:prstGeom>
+          <a:ln>
+            <a:tailEnd type="triangle"/>
+          </a:ln>
+        </p:spPr>
+        <p:style>
+          <a:lnRef idx="1">
+            <a:schemeClr val="accent1"/>
+          </a:lnRef>
+          <a:fillRef idx="0">
+            <a:schemeClr val="accent1"/>
+          </a:fillRef>
+          <a:effectRef idx="0">
+            <a:schemeClr val="accent1"/>
+          </a:effectRef>
+          <a:fontRef idx="minor">
+            <a:schemeClr val="tx1"/>
+          </a:fontRef>
+        </p:style>
+      </p:cxnSp>
+      <p:sp>
+        <p:nvSpPr>
+          <p:cNvPr id="32" name="Rectangle: Rounded Corners 31">
+            <a:extLst>
+              <a:ext uri="{FF2B5EF4-FFF2-40B4-BE49-F238E27FC236}">
+                <a16:creationId xmlns:a16="http://schemas.microsoft.com/office/drawing/2014/main" id="{C4FA5F76-C744-46D6-8CFB-680FA5F1C4EA}"/>
+              </a:ext>
+            </a:extLst>
+          </p:cNvPr>
+          <p:cNvSpPr/>
+          <p:nvPr/>
+        </p:nvSpPr>
+        <p:spPr>
+          <a:xfrm>
+            <a:off x="236638" y="2909883"/>
+            <a:ext cx="1809750" cy="619125"/>
+          </a:xfrm>
+          <a:prstGeom prst="roundRect">
+            <a:avLst/>
+          </a:prstGeom>
+        </p:spPr>
+        <p:style>
+          <a:lnRef idx="2">
+            <a:schemeClr val="accent6"/>
+          </a:lnRef>
+          <a:fillRef idx="1">
+            <a:schemeClr val="lt1"/>
+          </a:fillRef>
+          <a:effectRef idx="0">
+            <a:schemeClr val="accent6"/>
+          </a:effectRef>
+          <a:fontRef idx="minor">
+            <a:schemeClr val="dk1"/>
+          </a:fontRef>
+        </p:style>
+        <p:txBody>
+          <a:bodyPr rtlCol="0" anchor="ctr"/>
+          <a:lstStyle/>
+          <a:p>
+            <a:pPr algn="ctr"/>
+            <a:r>
+              <a:rPr lang="en-US" dirty="0"/>
+              <a:t>Client</a:t>
+            </a:r>
+          </a:p>
+        </p:txBody>
+      </p:sp>
+      <p:cxnSp>
+        <p:nvCxnSpPr>
+          <p:cNvPr id="33" name="Connector: Elbow 32">
+            <a:extLst>
+              <a:ext uri="{FF2B5EF4-FFF2-40B4-BE49-F238E27FC236}">
+                <a16:creationId xmlns:a16="http://schemas.microsoft.com/office/drawing/2014/main" id="{64A897A6-8477-49CD-A8A4-3550A42907AC}"/>
+              </a:ext>
+            </a:extLst>
+          </p:cNvPr>
+          <p:cNvCxnSpPr>
+            <a:cxnSpLocks/>
+            <a:stCxn id="32" idx="3"/>
+            <a:endCxn id="8" idx="1"/>
+          </p:cNvCxnSpPr>
+          <p:nvPr/>
+        </p:nvCxnSpPr>
+        <p:spPr>
+          <a:xfrm>
+            <a:off x="2046388" y="3219446"/>
+            <a:ext cx="938211" cy="1"/>
+          </a:xfrm>
+          <a:prstGeom prst="bentConnector3">
+            <a:avLst>
+              <a:gd name="adj1" fmla="val 50000"/>
+            </a:avLst>
+          </a:prstGeom>
+          <a:ln>
+            <a:tailEnd type="triangle"/>
+          </a:ln>
+        </p:spPr>
+        <p:style>
+          <a:lnRef idx="1">
+            <a:schemeClr val="accent1"/>
+          </a:lnRef>
+          <a:fillRef idx="0">
+            <a:schemeClr val="accent1"/>
+          </a:fillRef>
+          <a:effectRef idx="0">
+            <a:schemeClr val="accent1"/>
+          </a:effectRef>
+          <a:fontRef idx="minor">
+            <a:schemeClr val="tx1"/>
+          </a:fontRef>
+        </p:style>
+      </p:cxnSp>
+      <p:cxnSp>
+        <p:nvCxnSpPr>
+          <p:cNvPr id="37" name="Straight Arrow Connector 36">
+            <a:extLst>
+              <a:ext uri="{FF2B5EF4-FFF2-40B4-BE49-F238E27FC236}">
+                <a16:creationId xmlns:a16="http://schemas.microsoft.com/office/drawing/2014/main" id="{D9A733CB-EE72-4FB1-AB95-3214413E8CD7}"/>
+              </a:ext>
+            </a:extLst>
+          </p:cNvPr>
+          <p:cNvCxnSpPr>
+            <a:cxnSpLocks/>
+            <a:stCxn id="5" idx="2"/>
+            <a:endCxn id="9" idx="0"/>
+          </p:cNvCxnSpPr>
+          <p:nvPr/>
+        </p:nvCxnSpPr>
+        <p:spPr>
+          <a:xfrm>
+            <a:off x="7987310" y="3753330"/>
+            <a:ext cx="0" cy="223830"/>
+          </a:xfrm>
+          <a:prstGeom prst="straightConnector1">
+            <a:avLst/>
+          </a:prstGeom>
+          <a:ln>
+            <a:tailEnd type="triangle"/>
+          </a:ln>
+        </p:spPr>
+        <p:style>
+          <a:lnRef idx="1">
+            <a:schemeClr val="accent1"/>
+          </a:lnRef>
+          <a:fillRef idx="0">
+            <a:schemeClr val="accent1"/>
+          </a:fillRef>
+          <a:effectRef idx="0">
+            <a:schemeClr val="accent1"/>
+          </a:effectRef>
+          <a:fontRef idx="minor">
+            <a:schemeClr val="tx1"/>
+          </a:fontRef>
+        </p:style>
+      </p:cxnSp>
+      <p:cxnSp>
+        <p:nvCxnSpPr>
+          <p:cNvPr id="41" name="Straight Arrow Connector 40">
+            <a:extLst>
+              <a:ext uri="{FF2B5EF4-FFF2-40B4-BE49-F238E27FC236}">
+                <a16:creationId xmlns:a16="http://schemas.microsoft.com/office/drawing/2014/main" id="{B4828F6B-1BED-471F-A296-4F9E9E22E863}"/>
+              </a:ext>
+            </a:extLst>
+          </p:cNvPr>
+          <p:cNvCxnSpPr>
+            <a:cxnSpLocks/>
+            <a:stCxn id="4" idx="1"/>
+          </p:cNvCxnSpPr>
+          <p:nvPr/>
+        </p:nvCxnSpPr>
+        <p:spPr>
+          <a:xfrm flipH="1">
+            <a:off x="6299298" y="1567025"/>
+            <a:ext cx="375943" cy="0"/>
+          </a:xfrm>
+          <a:prstGeom prst="straightConnector1">
+            <a:avLst/>
+          </a:prstGeom>
+          <a:ln>
+            <a:tailEnd type="triangle"/>
+          </a:ln>
+        </p:spPr>
+        <p:style>
+          <a:lnRef idx="1">
+            <a:schemeClr val="accent1"/>
+          </a:lnRef>
+          <a:fillRef idx="0">
+            <a:schemeClr val="accent1"/>
+          </a:fillRef>
+          <a:effectRef idx="0">
+            <a:schemeClr val="accent1"/>
+          </a:effectRef>
+          <a:fontRef idx="minor">
+            <a:schemeClr val="tx1"/>
+          </a:fontRef>
+        </p:style>
+      </p:cxnSp>
+      <p:cxnSp>
+        <p:nvCxnSpPr>
+          <p:cNvPr id="47" name="Straight Arrow Connector 46">
+            <a:extLst>
+              <a:ext uri="{FF2B5EF4-FFF2-40B4-BE49-F238E27FC236}">
+                <a16:creationId xmlns:a16="http://schemas.microsoft.com/office/drawing/2014/main" id="{2DA4C389-319A-4568-BE27-DD69FFA5E71B}"/>
+              </a:ext>
+            </a:extLst>
+          </p:cNvPr>
+          <p:cNvCxnSpPr>
+            <a:cxnSpLocks/>
+            <a:endCxn id="6" idx="3"/>
+          </p:cNvCxnSpPr>
+          <p:nvPr/>
+        </p:nvCxnSpPr>
+        <p:spPr>
+          <a:xfrm flipH="1">
+            <a:off x="9299379" y="2410023"/>
+            <a:ext cx="368496" cy="0"/>
+          </a:xfrm>
+          <a:prstGeom prst="straightConnector1">
+            <a:avLst/>
+          </a:prstGeom>
+          <a:ln>
+            <a:tailEnd type="triangle"/>
+          </a:ln>
+        </p:spPr>
+        <p:style>
+          <a:lnRef idx="1">
+            <a:schemeClr val="accent1"/>
+          </a:lnRef>
+          <a:fillRef idx="0">
+            <a:schemeClr val="accent1"/>
+          </a:fillRef>
+          <a:effectRef idx="0">
+            <a:schemeClr val="accent1"/>
+          </a:effectRef>
+          <a:fontRef idx="minor">
+            <a:schemeClr val="tx1"/>
+          </a:fontRef>
+        </p:style>
+      </p:cxnSp>
+      <p:cxnSp>
+        <p:nvCxnSpPr>
+          <p:cNvPr id="52" name="Straight Arrow Connector 51">
+            <a:extLst>
+              <a:ext uri="{FF2B5EF4-FFF2-40B4-BE49-F238E27FC236}">
+                <a16:creationId xmlns:a16="http://schemas.microsoft.com/office/drawing/2014/main" id="{7F92B00D-8D9D-4C61-A5B1-8BD7BB8EC984}"/>
+              </a:ext>
+            </a:extLst>
+          </p:cNvPr>
+          <p:cNvCxnSpPr>
+            <a:cxnSpLocks/>
+          </p:cNvCxnSpPr>
+          <p:nvPr/>
+        </p:nvCxnSpPr>
+        <p:spPr>
+          <a:xfrm flipH="1">
+            <a:off x="6306745" y="2391171"/>
+            <a:ext cx="368496" cy="0"/>
+          </a:xfrm>
+          <a:prstGeom prst="straightConnector1">
+            <a:avLst/>
+          </a:prstGeom>
+          <a:ln>
+            <a:tailEnd type="triangle"/>
+          </a:ln>
+        </p:spPr>
+        <p:style>
+          <a:lnRef idx="1">
+            <a:schemeClr val="accent1"/>
+          </a:lnRef>
+          <a:fillRef idx="0">
+            <a:schemeClr val="accent1"/>
+          </a:fillRef>
+          <a:effectRef idx="0">
+            <a:schemeClr val="accent1"/>
+          </a:effectRef>
+          <a:fontRef idx="minor">
+            <a:schemeClr val="tx1"/>
+          </a:fontRef>
+        </p:style>
+      </p:cxnSp>
+      <p:cxnSp>
+        <p:nvCxnSpPr>
+          <p:cNvPr id="58" name="Straight Arrow Connector 57">
+            <a:extLst>
+              <a:ext uri="{FF2B5EF4-FFF2-40B4-BE49-F238E27FC236}">
+                <a16:creationId xmlns:a16="http://schemas.microsoft.com/office/drawing/2014/main" id="{35E18A6B-CEA4-41FC-A81D-2F8529E3D729}"/>
+              </a:ext>
+            </a:extLst>
+          </p:cNvPr>
+          <p:cNvCxnSpPr>
+            <a:cxnSpLocks/>
+            <a:endCxn id="5" idx="1"/>
+          </p:cNvCxnSpPr>
+          <p:nvPr/>
+        </p:nvCxnSpPr>
+        <p:spPr>
+          <a:xfrm>
+            <a:off x="6306745" y="3443768"/>
+            <a:ext cx="368496" cy="0"/>
+          </a:xfrm>
+          <a:prstGeom prst="straightConnector1">
+            <a:avLst/>
+          </a:prstGeom>
+          <a:ln>
+            <a:tailEnd type="triangle"/>
+          </a:ln>
+        </p:spPr>
+        <p:style>
+          <a:lnRef idx="1">
+            <a:schemeClr val="accent1"/>
+          </a:lnRef>
+          <a:fillRef idx="0">
+            <a:schemeClr val="accent1"/>
+          </a:fillRef>
+          <a:effectRef idx="0">
+            <a:schemeClr val="accent1"/>
+          </a:effectRef>
+          <a:fontRef idx="minor">
+            <a:schemeClr val="tx1"/>
+          </a:fontRef>
+        </p:style>
+      </p:cxnSp>
+      <p:cxnSp>
+        <p:nvCxnSpPr>
+          <p:cNvPr id="64" name="Straight Arrow Connector 63">
+            <a:extLst>
+              <a:ext uri="{FF2B5EF4-FFF2-40B4-BE49-F238E27FC236}">
+                <a16:creationId xmlns:a16="http://schemas.microsoft.com/office/drawing/2014/main" id="{B17765C4-41C9-4894-AD0D-68C8498ED5D6}"/>
+              </a:ext>
+            </a:extLst>
+          </p:cNvPr>
+          <p:cNvCxnSpPr>
+            <a:cxnSpLocks/>
+          </p:cNvCxnSpPr>
+          <p:nvPr/>
+        </p:nvCxnSpPr>
+        <p:spPr>
+          <a:xfrm>
+            <a:off x="9299379" y="4253393"/>
+            <a:ext cx="368496" cy="0"/>
+          </a:xfrm>
+          <a:prstGeom prst="straightConnector1">
+            <a:avLst/>
+          </a:prstGeom>
+          <a:ln>
+            <a:tailEnd type="triangle"/>
+          </a:ln>
+        </p:spPr>
+        <p:style>
+          <a:lnRef idx="1">
+            <a:schemeClr val="accent1"/>
+          </a:lnRef>
+          <a:fillRef idx="0">
+            <a:schemeClr val="accent1"/>
+          </a:fillRef>
+          <a:effectRef idx="0">
+            <a:schemeClr val="accent1"/>
+          </a:effectRef>
+          <a:fontRef idx="minor">
+            <a:schemeClr val="tx1"/>
+          </a:fontRef>
+        </p:style>
+      </p:cxnSp>
+      <p:cxnSp>
+        <p:nvCxnSpPr>
+          <p:cNvPr id="65" name="Straight Arrow Connector 64">
+            <a:extLst>
+              <a:ext uri="{FF2B5EF4-FFF2-40B4-BE49-F238E27FC236}">
+                <a16:creationId xmlns:a16="http://schemas.microsoft.com/office/drawing/2014/main" id="{E8EEDF10-647A-464C-BED3-4D0132EED942}"/>
+              </a:ext>
+            </a:extLst>
+          </p:cNvPr>
+          <p:cNvCxnSpPr>
+            <a:cxnSpLocks/>
+          </p:cNvCxnSpPr>
+          <p:nvPr/>
+        </p:nvCxnSpPr>
+        <p:spPr>
+          <a:xfrm>
+            <a:off x="6306745" y="5110643"/>
+            <a:ext cx="368496" cy="0"/>
+          </a:xfrm>
+          <a:prstGeom prst="straightConnector1">
+            <a:avLst/>
+          </a:prstGeom>
+          <a:ln>
+            <a:tailEnd type="triangle"/>
+          </a:ln>
+        </p:spPr>
+        <p:style>
+          <a:lnRef idx="1">
+            <a:schemeClr val="accent1"/>
+          </a:lnRef>
+          <a:fillRef idx="0">
+            <a:schemeClr val="accent1"/>
+          </a:fillRef>
+          <a:effectRef idx="0">
+            <a:schemeClr val="accent1"/>
+          </a:effectRef>
+          <a:fontRef idx="minor">
+            <a:schemeClr val="tx1"/>
+          </a:fontRef>
+        </p:style>
+      </p:cxnSp>
+      <p:cxnSp>
+        <p:nvCxnSpPr>
+          <p:cNvPr id="66" name="Straight Arrow Connector 65">
+            <a:extLst>
+              <a:ext uri="{FF2B5EF4-FFF2-40B4-BE49-F238E27FC236}">
+                <a16:creationId xmlns:a16="http://schemas.microsoft.com/office/drawing/2014/main" id="{DABBF4FB-84C9-4BC1-9A29-38CC4313A606}"/>
+              </a:ext>
+            </a:extLst>
+          </p:cNvPr>
+          <p:cNvCxnSpPr>
+            <a:cxnSpLocks/>
+          </p:cNvCxnSpPr>
+          <p:nvPr/>
+        </p:nvCxnSpPr>
+        <p:spPr>
+          <a:xfrm>
+            <a:off x="9299379" y="5110643"/>
+            <a:ext cx="368496" cy="0"/>
+          </a:xfrm>
+          <a:prstGeom prst="straightConnector1">
+            <a:avLst/>
+          </a:prstGeom>
+          <a:ln>
+            <a:tailEnd type="triangle"/>
+          </a:ln>
+        </p:spPr>
+        <p:style>
+          <a:lnRef idx="1">
+            <a:schemeClr val="accent1"/>
+          </a:lnRef>
+          <a:fillRef idx="0">
+            <a:schemeClr val="accent1"/>
+          </a:fillRef>
+          <a:effectRef idx="0">
+            <a:schemeClr val="accent1"/>
+          </a:effectRef>
+          <a:fontRef idx="minor">
+            <a:schemeClr val="tx1"/>
+          </a:fontRef>
+        </p:style>
+      </p:cxnSp>
+      <p:sp>
+        <p:nvSpPr>
+          <p:cNvPr id="2" name="Rectangle 1">
+            <a:extLst>
+              <a:ext uri="{FF2B5EF4-FFF2-40B4-BE49-F238E27FC236}">
+                <a16:creationId xmlns:a16="http://schemas.microsoft.com/office/drawing/2014/main" id="{5F74BE9E-32FA-4AFA-8C5F-953607EF651B}"/>
+              </a:ext>
+            </a:extLst>
+          </p:cNvPr>
+          <p:cNvSpPr/>
+          <p:nvPr/>
+        </p:nvSpPr>
+        <p:spPr>
+          <a:xfrm>
+            <a:off x="6096001" y="666750"/>
+            <a:ext cx="3799840" cy="5324475"/>
+          </a:xfrm>
+          <a:prstGeom prst="rect">
+            <a:avLst/>
+          </a:prstGeom>
+          <a:solidFill>
+            <a:schemeClr val="bg2">
+              <a:alpha val="74000"/>
+            </a:schemeClr>
+          </a:solidFill>
+          <a:ln>
+            <a:solidFill>
+              <a:schemeClr val="accent3">
+                <a:alpha val="50000"/>
+              </a:schemeClr>
+            </a:solidFill>
+          </a:ln>
+        </p:spPr>
+        <p:style>
+          <a:lnRef idx="2">
+            <a:schemeClr val="accent3"/>
+          </a:lnRef>
+          <a:fillRef idx="1">
+            <a:schemeClr val="lt1"/>
+          </a:fillRef>
+          <a:effectRef idx="0">
+            <a:schemeClr val="accent3"/>
+          </a:effectRef>
+          <a:fontRef idx="minor">
+            <a:schemeClr val="dk1"/>
+          </a:fontRef>
+        </p:style>
+        <p:txBody>
+          <a:bodyPr rtlCol="0" anchor="ctr"/>
+          <a:lstStyle/>
+          <a:p>
+            <a:pPr algn="ctr"/>
+            <a:endParaRPr lang="en-MY"/>
+          </a:p>
+        </p:txBody>
+      </p:sp>
+      <p:sp>
+        <p:nvSpPr>
+          <p:cNvPr id="3" name="TextBox 2">
+            <a:extLst>
+              <a:ext uri="{FF2B5EF4-FFF2-40B4-BE49-F238E27FC236}">
+                <a16:creationId xmlns:a16="http://schemas.microsoft.com/office/drawing/2014/main" id="{0A94D7B1-F4FE-47A8-A588-2F8E2B24F85A}"/>
+              </a:ext>
+            </a:extLst>
+          </p:cNvPr>
+          <p:cNvSpPr txBox="1"/>
+          <p:nvPr/>
+        </p:nvSpPr>
+        <p:spPr>
+          <a:xfrm>
+            <a:off x="7040611" y="269005"/>
+            <a:ext cx="1979566" cy="369332"/>
+          </a:xfrm>
+          <a:prstGeom prst="rect">
+            <a:avLst/>
+          </a:prstGeom>
+          <a:noFill/>
+        </p:spPr>
+        <p:txBody>
+          <a:bodyPr wrap="square" rtlCol="0">
+            <a:spAutoFit/>
+          </a:bodyPr>
+          <a:lstStyle/>
+          <a:p>
+            <a:pPr algn="ctr"/>
+            <a:r>
+              <a:rPr lang="en-US" dirty="0"/>
+              <a:t>Ignore Interceptors</a:t>
+            </a:r>
+            <a:endParaRPr lang="en-MY" dirty="0"/>
+          </a:p>
+        </p:txBody>
+      </p:sp>
+      <p:sp>
+        <p:nvSpPr>
+          <p:cNvPr id="34" name="Rectangle 33">
+            <a:extLst>
+              <a:ext uri="{FF2B5EF4-FFF2-40B4-BE49-F238E27FC236}">
+                <a16:creationId xmlns:a16="http://schemas.microsoft.com/office/drawing/2014/main" id="{E7C9D5C2-A444-4D8D-9160-5986176C00D2}"/>
+              </a:ext>
+            </a:extLst>
+          </p:cNvPr>
+          <p:cNvSpPr/>
+          <p:nvPr/>
+        </p:nvSpPr>
+        <p:spPr>
+          <a:xfrm>
+            <a:off x="1755129" y="3767787"/>
+            <a:ext cx="4300243" cy="1342856"/>
+          </a:xfrm>
+          <a:prstGeom prst="rect">
+            <a:avLst/>
+          </a:prstGeom>
+          <a:solidFill>
+            <a:schemeClr val="bg2">
+              <a:alpha val="74000"/>
+            </a:schemeClr>
+          </a:solidFill>
+          <a:ln>
+            <a:solidFill>
+              <a:schemeClr val="accent3">
+                <a:alpha val="50000"/>
+              </a:schemeClr>
+            </a:solidFill>
+          </a:ln>
+        </p:spPr>
+        <p:style>
+          <a:lnRef idx="2">
+            <a:schemeClr val="accent3"/>
+          </a:lnRef>
+          <a:fillRef idx="1">
+            <a:schemeClr val="lt1"/>
+          </a:fillRef>
+          <a:effectRef idx="0">
+            <a:schemeClr val="accent3"/>
+          </a:effectRef>
+          <a:fontRef idx="minor">
+            <a:schemeClr val="dk1"/>
+          </a:fontRef>
+        </p:style>
+        <p:txBody>
+          <a:bodyPr rtlCol="0" anchor="ctr"/>
+          <a:lstStyle/>
+          <a:p>
+            <a:pPr algn="ctr"/>
+            <a:endParaRPr lang="en-MY"/>
+          </a:p>
+        </p:txBody>
+      </p:sp>
+      <p:sp>
+        <p:nvSpPr>
+          <p:cNvPr id="35" name="TextBox 34">
+            <a:extLst>
+              <a:ext uri="{FF2B5EF4-FFF2-40B4-BE49-F238E27FC236}">
+                <a16:creationId xmlns:a16="http://schemas.microsoft.com/office/drawing/2014/main" id="{BAE85394-1157-472F-80FE-73B728FE20BF}"/>
+              </a:ext>
+            </a:extLst>
+          </p:cNvPr>
+          <p:cNvSpPr txBox="1"/>
+          <p:nvPr/>
+        </p:nvSpPr>
+        <p:spPr>
+          <a:xfrm>
+            <a:off x="2915467" y="926740"/>
+            <a:ext cx="1979566" cy="369332"/>
+          </a:xfrm>
+          <a:prstGeom prst="rect">
+            <a:avLst/>
+          </a:prstGeom>
+          <a:noFill/>
+        </p:spPr>
+        <p:txBody>
+          <a:bodyPr wrap="square" rtlCol="0">
+            <a:spAutoFit/>
+          </a:bodyPr>
+          <a:lstStyle/>
+          <a:p>
+            <a:pPr algn="ctr"/>
+            <a:r>
+              <a:rPr lang="en-US" dirty="0"/>
+              <a:t>Ignore Listeners</a:t>
+            </a:r>
+            <a:endParaRPr lang="en-MY" dirty="0"/>
+          </a:p>
+        </p:txBody>
+      </p:sp>
+      <p:sp>
+        <p:nvSpPr>
+          <p:cNvPr id="38" name="TextBox 37">
+            <a:extLst>
+              <a:ext uri="{FF2B5EF4-FFF2-40B4-BE49-F238E27FC236}">
+                <a16:creationId xmlns:a16="http://schemas.microsoft.com/office/drawing/2014/main" id="{DA202CAA-9537-4753-B516-75E7A6FD97E2}"/>
+              </a:ext>
+            </a:extLst>
+          </p:cNvPr>
+          <p:cNvSpPr txBox="1"/>
+          <p:nvPr/>
+        </p:nvSpPr>
+        <p:spPr>
+          <a:xfrm>
+            <a:off x="2899691" y="5069951"/>
+            <a:ext cx="1979566" cy="369332"/>
+          </a:xfrm>
+          <a:prstGeom prst="rect">
+            <a:avLst/>
+          </a:prstGeom>
+          <a:noFill/>
+        </p:spPr>
+        <p:txBody>
+          <a:bodyPr wrap="square" rtlCol="0">
+            <a:spAutoFit/>
+          </a:bodyPr>
+          <a:lstStyle/>
+          <a:p>
+            <a:pPr algn="ctr"/>
+            <a:r>
+              <a:rPr lang="en-US" dirty="0"/>
+              <a:t>Ignore Listeners</a:t>
+            </a:r>
+            <a:endParaRPr lang="en-MY" dirty="0"/>
+          </a:p>
+        </p:txBody>
+      </p:sp>
+      <p:sp>
+        <p:nvSpPr>
+          <p:cNvPr id="39" name="Rectangle 38">
+            <a:extLst>
+              <a:ext uri="{FF2B5EF4-FFF2-40B4-BE49-F238E27FC236}">
+                <a16:creationId xmlns:a16="http://schemas.microsoft.com/office/drawing/2014/main" id="{A725A189-D87B-40E2-A07F-4AAEE4F7AC35}"/>
+              </a:ext>
+            </a:extLst>
+          </p:cNvPr>
+          <p:cNvSpPr/>
+          <p:nvPr/>
+        </p:nvSpPr>
+        <p:spPr>
+          <a:xfrm>
+            <a:off x="1755129" y="1294648"/>
+            <a:ext cx="4300243" cy="1342856"/>
+          </a:xfrm>
+          <a:prstGeom prst="rect">
+            <a:avLst/>
+          </a:prstGeom>
+          <a:solidFill>
+            <a:schemeClr val="bg2">
+              <a:alpha val="74000"/>
+            </a:schemeClr>
+          </a:solidFill>
+          <a:ln>
+            <a:solidFill>
+              <a:schemeClr val="accent3">
+                <a:alpha val="50000"/>
+              </a:schemeClr>
+            </a:solidFill>
+          </a:ln>
+        </p:spPr>
+        <p:style>
+          <a:lnRef idx="2">
+            <a:schemeClr val="accent3"/>
+          </a:lnRef>
+          <a:fillRef idx="1">
+            <a:schemeClr val="lt1"/>
+          </a:fillRef>
+          <a:effectRef idx="0">
+            <a:schemeClr val="accent3"/>
+          </a:effectRef>
+          <a:fontRef idx="minor">
+            <a:schemeClr val="dk1"/>
+          </a:fontRef>
+        </p:style>
+        <p:txBody>
+          <a:bodyPr rtlCol="0" anchor="ctr"/>
+          <a:lstStyle/>
+          <a:p>
+            <a:pPr algn="ctr"/>
+            <a:endParaRPr lang="en-MY"/>
+          </a:p>
+        </p:txBody>
+      </p:sp>
+      <p:sp>
+        <p:nvSpPr>
+          <p:cNvPr id="15" name="Arrow: Right 14">
+            <a:extLst>
+              <a:ext uri="{FF2B5EF4-FFF2-40B4-BE49-F238E27FC236}">
+                <a16:creationId xmlns:a16="http://schemas.microsoft.com/office/drawing/2014/main" id="{FF8A92F8-3C26-42AB-BF3A-9C645F57A98F}"/>
+              </a:ext>
+            </a:extLst>
+          </p:cNvPr>
+          <p:cNvSpPr/>
+          <p:nvPr/>
+        </p:nvSpPr>
+        <p:spPr>
+          <a:xfrm>
+            <a:off x="4794349" y="3143469"/>
+            <a:ext cx="6009979" cy="138524"/>
+          </a:xfrm>
+          <a:prstGeom prst="rightArrow">
+            <a:avLst/>
+          </a:prstGeom>
+        </p:spPr>
+        <p:style>
+          <a:lnRef idx="2">
+            <a:schemeClr val="accent1">
+              <a:shade val="50000"/>
+            </a:schemeClr>
+          </a:lnRef>
+          <a:fillRef idx="1">
+            <a:schemeClr val="accent1"/>
+          </a:fillRef>
+          <a:effectRef idx="0">
+            <a:schemeClr val="accent1"/>
+          </a:effectRef>
+          <a:fontRef idx="minor">
+            <a:schemeClr val="lt1"/>
+          </a:fontRef>
+        </p:style>
+        <p:txBody>
+          <a:bodyPr rtlCol="0" anchor="ctr"/>
+          <a:lstStyle/>
+          <a:p>
+            <a:pPr algn="ctr"/>
+            <a:endParaRPr lang="en-MY"/>
+          </a:p>
+        </p:txBody>
+      </p:sp>
+    </p:spTree>
+    <p:extLst>
+      <p:ext uri="{BB962C8B-B14F-4D97-AF65-F5344CB8AC3E}">
+        <p14:creationId xmlns:p14="http://schemas.microsoft.com/office/powerpoint/2010/main" val="1415984085"/>
+      </p:ext>
+    </p:extLst>
+  </p:cSld>
+  <p:clrMapOvr>
+    <a:masterClrMapping/>
+  </p:clrMapOvr>
+</p:sld>
+</file>
+
+<file path=ppt/slides/slide5.xml><?xml version="1.0" encoding="utf-8"?>
 <p:sld xmlns:a="http://schemas.openxmlformats.org/drawingml/2006/main" xmlns:r="http://schemas.openxmlformats.org/officeDocument/2006/relationships" xmlns:p="http://schemas.openxmlformats.org/presentationml/2006/main">
   <p:cSld>
     <p:spTree>
@@ -29937,14 +34487,14 @@
           <p:nvPr>
             <p:extLst>
               <p:ext uri="{D42A27DB-BD31-4B8C-83A1-F6EECF244321}">
-                <p14:modId xmlns:p14="http://schemas.microsoft.com/office/powerpoint/2010/main" val="3483360204"/>
+                <p14:modId xmlns:p14="http://schemas.microsoft.com/office/powerpoint/2010/main" val="4208380835"/>
               </p:ext>
             </p:extLst>
           </p:nvPr>
         </p:nvGraphicFramePr>
         <p:xfrm>
-          <a:off x="2502693" y="1867837"/>
-          <a:ext cx="7186613" cy="3122325"/>
+          <a:off x="1546622" y="1162987"/>
+          <a:ext cx="9098756" cy="4332938"/>
         </p:xfrm>
         <a:graphic>
           <a:graphicData uri="http://schemas.openxmlformats.org/drawingml/2006/diagram">
@@ -29965,7 +34515,7 @@
 </p:sld>
 </file>
 
-<file path=ppt/slides/slide4.xml><?xml version="1.0" encoding="utf-8"?>
+<file path=ppt/slides/slide6.xml><?xml version="1.0" encoding="utf-8"?>
 <p:sld xmlns:a="http://schemas.openxmlformats.org/drawingml/2006/main" xmlns:r="http://schemas.openxmlformats.org/officeDocument/2006/relationships" xmlns:p="http://schemas.openxmlformats.org/presentationml/2006/main">
   <p:cSld>
     <p:spTree>
@@ -30060,7 +34610,7 @@
 </p:sld>
 </file>
 
-<file path=ppt/slides/slide5.xml><?xml version="1.0" encoding="utf-8"?>
+<file path=ppt/slides/slide7.xml><?xml version="1.0" encoding="utf-8"?>
 <p:sld xmlns:a="http://schemas.openxmlformats.org/drawingml/2006/main" xmlns:r="http://schemas.openxmlformats.org/officeDocument/2006/relationships" xmlns:p="http://schemas.openxmlformats.org/presentationml/2006/main">
   <p:cSld>
     <p:spTree>
@@ -30163,7 +34713,7 @@
 </p:sld>
 </file>
 
-<file path=ppt/slides/slide6.xml><?xml version="1.0" encoding="utf-8"?>
+<file path=ppt/slides/slide8.xml><?xml version="1.0" encoding="utf-8"?>
 <p:sld xmlns:a="http://schemas.openxmlformats.org/drawingml/2006/main" xmlns:r="http://schemas.openxmlformats.org/officeDocument/2006/relationships" xmlns:p="http://schemas.openxmlformats.org/presentationml/2006/main">
   <p:cSld>
     <p:spTree>

--- a/Architecture.pptx
+++ b/Architecture.pptx
@@ -33826,7 +33826,7 @@
           <a:p>
             <a:fld id="{205F328E-86E4-4C65-8989-26A9ADB18F9E}" type="datetimeFigureOut">
               <a:rPr lang="en-MY" smtClean="0"/>
-              <a:t>10/5/2021</a:t>
+              <a:t>11/5/2021</a:t>
             </a:fld>
             <a:endParaRPr lang="en-MY"/>
           </a:p>
@@ -34243,7 +34243,7 @@
           <a:p>
             <a:fld id="{86680D89-6BDC-40FC-A394-8A31A5847801}" type="datetimeFigureOut">
               <a:rPr lang="en-MY" smtClean="0"/>
-              <a:t>10/5/2021</a:t>
+              <a:t>11/5/2021</a:t>
             </a:fld>
             <a:endParaRPr lang="en-MY"/>
           </a:p>
@@ -34443,7 +34443,7 @@
           <a:p>
             <a:fld id="{86680D89-6BDC-40FC-A394-8A31A5847801}" type="datetimeFigureOut">
               <a:rPr lang="en-MY" smtClean="0"/>
-              <a:t>10/5/2021</a:t>
+              <a:t>11/5/2021</a:t>
             </a:fld>
             <a:endParaRPr lang="en-MY"/>
           </a:p>
@@ -34653,7 +34653,7 @@
           <a:p>
             <a:fld id="{86680D89-6BDC-40FC-A394-8A31A5847801}" type="datetimeFigureOut">
               <a:rPr lang="en-MY" smtClean="0"/>
-              <a:t>10/5/2021</a:t>
+              <a:t>11/5/2021</a:t>
             </a:fld>
             <a:endParaRPr lang="en-MY"/>
           </a:p>
@@ -34853,7 +34853,7 @@
           <a:p>
             <a:fld id="{86680D89-6BDC-40FC-A394-8A31A5847801}" type="datetimeFigureOut">
               <a:rPr lang="en-MY" smtClean="0"/>
-              <a:t>10/5/2021</a:t>
+              <a:t>11/5/2021</a:t>
             </a:fld>
             <a:endParaRPr lang="en-MY"/>
           </a:p>
@@ -35129,7 +35129,7 @@
           <a:p>
             <a:fld id="{86680D89-6BDC-40FC-A394-8A31A5847801}" type="datetimeFigureOut">
               <a:rPr lang="en-MY" smtClean="0"/>
-              <a:t>10/5/2021</a:t>
+              <a:t>11/5/2021</a:t>
             </a:fld>
             <a:endParaRPr lang="en-MY"/>
           </a:p>
@@ -35397,7 +35397,7 @@
           <a:p>
             <a:fld id="{86680D89-6BDC-40FC-A394-8A31A5847801}" type="datetimeFigureOut">
               <a:rPr lang="en-MY" smtClean="0"/>
-              <a:t>10/5/2021</a:t>
+              <a:t>11/5/2021</a:t>
             </a:fld>
             <a:endParaRPr lang="en-MY"/>
           </a:p>
@@ -35812,7 +35812,7 @@
           <a:p>
             <a:fld id="{86680D89-6BDC-40FC-A394-8A31A5847801}" type="datetimeFigureOut">
               <a:rPr lang="en-MY" smtClean="0"/>
-              <a:t>10/5/2021</a:t>
+              <a:t>11/5/2021</a:t>
             </a:fld>
             <a:endParaRPr lang="en-MY"/>
           </a:p>
@@ -35954,7 +35954,7 @@
           <a:p>
             <a:fld id="{86680D89-6BDC-40FC-A394-8A31A5847801}" type="datetimeFigureOut">
               <a:rPr lang="en-MY" smtClean="0"/>
-              <a:t>10/5/2021</a:t>
+              <a:t>11/5/2021</a:t>
             </a:fld>
             <a:endParaRPr lang="en-MY"/>
           </a:p>
@@ -36067,7 +36067,7 @@
           <a:p>
             <a:fld id="{86680D89-6BDC-40FC-A394-8A31A5847801}" type="datetimeFigureOut">
               <a:rPr lang="en-MY" smtClean="0"/>
-              <a:t>10/5/2021</a:t>
+              <a:t>11/5/2021</a:t>
             </a:fld>
             <a:endParaRPr lang="en-MY"/>
           </a:p>
@@ -36380,7 +36380,7 @@
           <a:p>
             <a:fld id="{86680D89-6BDC-40FC-A394-8A31A5847801}" type="datetimeFigureOut">
               <a:rPr lang="en-MY" smtClean="0"/>
-              <a:t>10/5/2021</a:t>
+              <a:t>11/5/2021</a:t>
             </a:fld>
             <a:endParaRPr lang="en-MY"/>
           </a:p>
@@ -36669,7 +36669,7 @@
           <a:p>
             <a:fld id="{86680D89-6BDC-40FC-A394-8A31A5847801}" type="datetimeFigureOut">
               <a:rPr lang="en-MY" smtClean="0"/>
-              <a:t>10/5/2021</a:t>
+              <a:t>11/5/2021</a:t>
             </a:fld>
             <a:endParaRPr lang="en-MY"/>
           </a:p>
@@ -36912,7 +36912,7 @@
           <a:p>
             <a:fld id="{86680D89-6BDC-40FC-A394-8A31A5847801}" type="datetimeFigureOut">
               <a:rPr lang="en-MY" smtClean="0"/>
-              <a:t>10/5/2021</a:t>
+              <a:t>11/5/2021</a:t>
             </a:fld>
             <a:endParaRPr lang="en-MY"/>
           </a:p>

--- a/Architecture.pptx
+++ b/Architecture.pptx
@@ -5,19 +5,18 @@
     <p:sldMasterId id="2147483648" r:id="rId1"/>
   </p:sldMasterIdLst>
   <p:notesMasterIdLst>
-    <p:notesMasterId r:id="rId12"/>
+    <p:notesMasterId r:id="rId11"/>
   </p:notesMasterIdLst>
   <p:sldIdLst>
     <p:sldId id="261" r:id="rId2"/>
     <p:sldId id="259" r:id="rId3"/>
     <p:sldId id="266" r:id="rId4"/>
     <p:sldId id="256" r:id="rId5"/>
-    <p:sldId id="263" r:id="rId6"/>
-    <p:sldId id="257" r:id="rId7"/>
-    <p:sldId id="264" r:id="rId8"/>
-    <p:sldId id="262" r:id="rId9"/>
-    <p:sldId id="265" r:id="rId10"/>
-    <p:sldId id="260" r:id="rId11"/>
+    <p:sldId id="257" r:id="rId6"/>
+    <p:sldId id="264" r:id="rId7"/>
+    <p:sldId id="262" r:id="rId8"/>
+    <p:sldId id="265" r:id="rId9"/>
+    <p:sldId id="260" r:id="rId10"/>
   </p:sldIdLst>
   <p:sldSz cx="12192000" cy="6858000"/>
   <p:notesSz cx="6858000" cy="9144000"/>
@@ -133,7 +132,6 @@
         <p14:section name="Architecture" id="{2A3F1E13-30F6-40BE-AE02-DCAE0AF071A3}">
           <p14:sldIdLst>
             <p14:sldId id="256"/>
-            <p14:sldId id="263"/>
             <p14:sldId id="257"/>
             <p14:sldId id="264"/>
           </p14:sldIdLst>
@@ -37407,109 +37405,6 @@
 </p:sld>
 </file>
 
-<file path=ppt/slides/slide10.xml><?xml version="1.0" encoding="utf-8"?>
-<p:sld xmlns:a="http://schemas.openxmlformats.org/drawingml/2006/main" xmlns:r="http://schemas.openxmlformats.org/officeDocument/2006/relationships" xmlns:p="http://schemas.openxmlformats.org/presentationml/2006/main">
-  <p:cSld>
-    <p:spTree>
-      <p:nvGrpSpPr>
-        <p:cNvPr id="1" name=""/>
-        <p:cNvGrpSpPr/>
-        <p:nvPr/>
-      </p:nvGrpSpPr>
-      <p:grpSpPr>
-        <a:xfrm>
-          <a:off x="0" y="0"/>
-          <a:ext cx="0" cy="0"/>
-          <a:chOff x="0" y="0"/>
-          <a:chExt cx="0" cy="0"/>
-        </a:xfrm>
-      </p:grpSpPr>
-      <p:sp>
-        <p:nvSpPr>
-          <p:cNvPr id="49" name="TextBox 48">
-            <a:extLst>
-              <a:ext uri="{FF2B5EF4-FFF2-40B4-BE49-F238E27FC236}">
-                <a16:creationId xmlns:a16="http://schemas.microsoft.com/office/drawing/2014/main" id="{98BD274D-6B21-45DB-AFFB-9A1ED74A4A2B}"/>
-              </a:ext>
-            </a:extLst>
-          </p:cNvPr>
-          <p:cNvSpPr txBox="1"/>
-          <p:nvPr/>
-        </p:nvSpPr>
-        <p:spPr>
-          <a:xfrm>
-            <a:off x="0" y="0"/>
-            <a:ext cx="3867150" cy="584775"/>
-          </a:xfrm>
-          <a:prstGeom prst="rect">
-            <a:avLst/>
-          </a:prstGeom>
-          <a:noFill/>
-        </p:spPr>
-        <p:txBody>
-          <a:bodyPr wrap="square" rtlCol="0">
-            <a:spAutoFit/>
-          </a:bodyPr>
-          <a:lstStyle/>
-          <a:p>
-            <a:pPr algn="ctr"/>
-            <a:r>
-              <a:rPr lang="en-US" sz="3200" dirty="0"/>
-              <a:t>HTML (</a:t>
-            </a:r>
-            <a:r>
-              <a:rPr lang="en-US" sz="3200" dirty="0" err="1"/>
-              <a:t>Thymeleaf</a:t>
-            </a:r>
-            <a:r>
-              <a:rPr lang="en-US" sz="3200" dirty="0"/>
-              <a:t>)</a:t>
-            </a:r>
-            <a:endParaRPr lang="en-MY" sz="3200" dirty="0"/>
-          </a:p>
-        </p:txBody>
-      </p:sp>
-      <p:graphicFrame>
-        <p:nvGraphicFramePr>
-          <p:cNvPr id="9" name="Diagram 8">
-            <a:extLst>
-              <a:ext uri="{FF2B5EF4-FFF2-40B4-BE49-F238E27FC236}">
-                <a16:creationId xmlns:a16="http://schemas.microsoft.com/office/drawing/2014/main" id="{B1F2736A-AE97-4EC7-93BF-8E50EA5821EA}"/>
-              </a:ext>
-            </a:extLst>
-          </p:cNvPr>
-          <p:cNvGraphicFramePr/>
-          <p:nvPr>
-            <p:extLst>
-              <p:ext uri="{D42A27DB-BD31-4B8C-83A1-F6EECF244321}">
-                <p14:modId xmlns:p14="http://schemas.microsoft.com/office/powerpoint/2010/main" val="2919453060"/>
-              </p:ext>
-            </p:extLst>
-          </p:nvPr>
-        </p:nvGraphicFramePr>
-        <p:xfrm>
-          <a:off x="414337" y="687675"/>
-          <a:ext cx="11363325" cy="5482650"/>
-        </p:xfrm>
-        <a:graphic>
-          <a:graphicData uri="http://schemas.openxmlformats.org/drawingml/2006/diagram">
-            <dgm:relIds xmlns:dgm="http://schemas.openxmlformats.org/drawingml/2006/diagram" xmlns:r="http://schemas.openxmlformats.org/officeDocument/2006/relationships" r:dm="rId2" r:lo="rId3" r:qs="rId4" r:cs="rId5"/>
-          </a:graphicData>
-        </a:graphic>
-      </p:graphicFrame>
-    </p:spTree>
-    <p:extLst>
-      <p:ext uri="{BB962C8B-B14F-4D97-AF65-F5344CB8AC3E}">
-        <p14:creationId xmlns:p14="http://schemas.microsoft.com/office/powerpoint/2010/main" val="2608576769"/>
-      </p:ext>
-    </p:extLst>
-  </p:cSld>
-  <p:clrMapOvr>
-    <a:masterClrMapping/>
-  </p:clrMapOvr>
-</p:sld>
-</file>
-
 <file path=ppt/slides/slide2.xml><?xml version="1.0" encoding="utf-8"?>
 <p:sld xmlns:a="http://schemas.openxmlformats.org/drawingml/2006/main" xmlns:r="http://schemas.openxmlformats.org/officeDocument/2006/relationships" xmlns:p="http://schemas.openxmlformats.org/presentationml/2006/main">
   <p:cSld>
@@ -37719,6 +37614,138 @@
       </p:grpSpPr>
       <p:sp>
         <p:nvSpPr>
+          <p:cNvPr id="88" name="Rectangle 87">
+            <a:extLst>
+              <a:ext uri="{FF2B5EF4-FFF2-40B4-BE49-F238E27FC236}">
+                <a16:creationId xmlns:a16="http://schemas.microsoft.com/office/drawing/2014/main" id="{295A0D55-BE0D-4D69-BCAA-BC0ED8900F03}"/>
+              </a:ext>
+            </a:extLst>
+          </p:cNvPr>
+          <p:cNvSpPr/>
+          <p:nvPr/>
+        </p:nvSpPr>
+        <p:spPr>
+          <a:xfrm>
+            <a:off x="54792" y="632132"/>
+            <a:ext cx="2230017" cy="5627857"/>
+          </a:xfrm>
+          <a:prstGeom prst="rect">
+            <a:avLst/>
+          </a:prstGeom>
+        </p:spPr>
+        <p:style>
+          <a:lnRef idx="2">
+            <a:schemeClr val="accent6"/>
+          </a:lnRef>
+          <a:fillRef idx="1">
+            <a:schemeClr val="lt1"/>
+          </a:fillRef>
+          <a:effectRef idx="0">
+            <a:schemeClr val="accent6"/>
+          </a:effectRef>
+          <a:fontRef idx="minor">
+            <a:schemeClr val="dk1"/>
+          </a:fontRef>
+        </p:style>
+        <p:txBody>
+          <a:bodyPr rtlCol="0" anchor="ctr"/>
+          <a:lstStyle/>
+          <a:p>
+            <a:pPr algn="ctr"/>
+            <a:endParaRPr lang="en-MY"/>
+          </a:p>
+        </p:txBody>
+      </p:sp>
+      <p:sp>
+        <p:nvSpPr>
+          <p:cNvPr id="87" name="Rectangle 86">
+            <a:extLst>
+              <a:ext uri="{FF2B5EF4-FFF2-40B4-BE49-F238E27FC236}">
+                <a16:creationId xmlns:a16="http://schemas.microsoft.com/office/drawing/2014/main" id="{3866E4D7-5A9E-41B0-9F12-98C6857C0A83}"/>
+              </a:ext>
+            </a:extLst>
+          </p:cNvPr>
+          <p:cNvSpPr/>
+          <p:nvPr/>
+        </p:nvSpPr>
+        <p:spPr>
+          <a:xfrm>
+            <a:off x="2448221" y="650605"/>
+            <a:ext cx="5743672" cy="5591876"/>
+          </a:xfrm>
+          <a:prstGeom prst="rect">
+            <a:avLst/>
+          </a:prstGeom>
+        </p:spPr>
+        <p:style>
+          <a:lnRef idx="2">
+            <a:schemeClr val="accent6"/>
+          </a:lnRef>
+          <a:fillRef idx="1">
+            <a:schemeClr val="lt1"/>
+          </a:fillRef>
+          <a:effectRef idx="0">
+            <a:schemeClr val="accent6"/>
+          </a:effectRef>
+          <a:fontRef idx="minor">
+            <a:schemeClr val="dk1"/>
+          </a:fontRef>
+        </p:style>
+        <p:txBody>
+          <a:bodyPr rtlCol="0" anchor="ctr"/>
+          <a:lstStyle/>
+          <a:p>
+            <a:pPr algn="ctr"/>
+            <a:endParaRPr lang="en-MY"/>
+          </a:p>
+        </p:txBody>
+      </p:sp>
+      <p:sp>
+        <p:nvSpPr>
+          <p:cNvPr id="86" name="Rectangle 85">
+            <a:extLst>
+              <a:ext uri="{FF2B5EF4-FFF2-40B4-BE49-F238E27FC236}">
+                <a16:creationId xmlns:a16="http://schemas.microsoft.com/office/drawing/2014/main" id="{F13C875E-4EB5-4803-8A3A-567187902D12}"/>
+              </a:ext>
+            </a:extLst>
+          </p:cNvPr>
+          <p:cNvSpPr/>
+          <p:nvPr/>
+        </p:nvSpPr>
+        <p:spPr>
+          <a:xfrm>
+            <a:off x="8329636" y="668112"/>
+            <a:ext cx="2230017" cy="5591877"/>
+          </a:xfrm>
+          <a:prstGeom prst="rect">
+            <a:avLst/>
+          </a:prstGeom>
+        </p:spPr>
+        <p:style>
+          <a:lnRef idx="2">
+            <a:schemeClr val="accent6"/>
+          </a:lnRef>
+          <a:fillRef idx="1">
+            <a:schemeClr val="lt1"/>
+          </a:fillRef>
+          <a:effectRef idx="0">
+            <a:schemeClr val="accent6"/>
+          </a:effectRef>
+          <a:fontRef idx="minor">
+            <a:schemeClr val="dk1"/>
+          </a:fontRef>
+        </p:style>
+        <p:txBody>
+          <a:bodyPr rtlCol="0" anchor="ctr"/>
+          <a:lstStyle/>
+          <a:p>
+            <a:pPr algn="ctr"/>
+            <a:endParaRPr lang="en-MY"/>
+          </a:p>
+        </p:txBody>
+      </p:sp>
+      <p:sp>
+        <p:nvSpPr>
           <p:cNvPr id="112" name="Rectangle 111">
             <a:extLst>
               <a:ext uri="{FF2B5EF4-FFF2-40B4-BE49-F238E27FC236}">
@@ -37731,12 +37758,15 @@
         </p:nvSpPr>
         <p:spPr>
           <a:xfrm>
-            <a:off x="3174206" y="952509"/>
+            <a:off x="3174206" y="1027925"/>
             <a:ext cx="4250556" cy="2352657"/>
           </a:xfrm>
           <a:prstGeom prst="rect">
             <a:avLst/>
           </a:prstGeom>
+          <a:solidFill>
+            <a:schemeClr val="bg2"/>
+          </a:solidFill>
         </p:spPr>
         <p:style>
           <a:lnRef idx="2">
@@ -37775,7 +37805,7 @@
         </p:nvSpPr>
         <p:spPr>
           <a:xfrm>
-            <a:off x="2621757" y="3398042"/>
+            <a:off x="2621757" y="3473458"/>
             <a:ext cx="1809750" cy="904875"/>
           </a:xfrm>
           <a:prstGeom prst="roundRect">
@@ -37824,7 +37854,7 @@
         </p:nvSpPr>
         <p:spPr>
           <a:xfrm>
-            <a:off x="654844" y="4712493"/>
+            <a:off x="654844" y="5576796"/>
             <a:ext cx="1076325" cy="619125"/>
           </a:xfrm>
           <a:prstGeom prst="roundRect">
@@ -37871,7 +37901,7 @@
         </p:nvSpPr>
         <p:spPr>
           <a:xfrm>
-            <a:off x="288132" y="3398043"/>
+            <a:off x="288132" y="3473459"/>
             <a:ext cx="1809750" cy="904875"/>
           </a:xfrm>
           <a:prstGeom prst="roundRect">
@@ -37920,7 +37950,7 @@
         </p:nvSpPr>
         <p:spPr>
           <a:xfrm>
-            <a:off x="6215063" y="3398043"/>
+            <a:off x="6215063" y="3473459"/>
             <a:ext cx="1809750" cy="904875"/>
           </a:xfrm>
           <a:prstGeom prst="roundRect">
@@ -37969,7 +37999,7 @@
         </p:nvSpPr>
         <p:spPr>
           <a:xfrm>
-            <a:off x="8548688" y="3398043"/>
+            <a:off x="8548688" y="3473459"/>
             <a:ext cx="1809750" cy="904875"/>
           </a:xfrm>
           <a:prstGeom prst="roundRect">
@@ -38018,7 +38048,7 @@
         </p:nvSpPr>
         <p:spPr>
           <a:xfrm>
-            <a:off x="3807618" y="1824035"/>
+            <a:off x="3775732" y="1899451"/>
             <a:ext cx="892969" cy="619125"/>
           </a:xfrm>
           <a:prstGeom prst="roundRect">
@@ -38065,7 +38095,7 @@
         </p:nvSpPr>
         <p:spPr>
           <a:xfrm>
-            <a:off x="5957889" y="1824035"/>
+            <a:off x="5957889" y="1899451"/>
             <a:ext cx="892968" cy="619125"/>
           </a:xfrm>
           <a:prstGeom prst="roundRect">
@@ -38112,8 +38142,8 @@
         </p:nvSpPr>
         <p:spPr>
           <a:xfrm>
-            <a:off x="4405313" y="2616992"/>
-            <a:ext cx="1809750" cy="619125"/>
+            <a:off x="4405313" y="2790124"/>
+            <a:ext cx="1809750" cy="521409"/>
           </a:xfrm>
           <a:prstGeom prst="roundRect">
             <a:avLst/>
@@ -38165,7 +38195,7 @@
         </p:nvCxnSpPr>
         <p:spPr>
           <a:xfrm flipV="1">
-            <a:off x="2097882" y="3850480"/>
+            <a:off x="2097882" y="3925896"/>
             <a:ext cx="523875" cy="1"/>
           </a:xfrm>
           <a:prstGeom prst="straightConnector1">
@@ -38209,7 +38239,7 @@
         </p:nvCxnSpPr>
         <p:spPr>
           <a:xfrm>
-            <a:off x="4431507" y="3850480"/>
+            <a:off x="4431507" y="3925896"/>
             <a:ext cx="1783556" cy="1"/>
           </a:xfrm>
           <a:prstGeom prst="straightConnector1">
@@ -38253,7 +38283,7 @@
         </p:nvCxnSpPr>
         <p:spPr>
           <a:xfrm>
-            <a:off x="8024813" y="3850481"/>
+            <a:off x="8024813" y="3925897"/>
             <a:ext cx="523875" cy="0"/>
           </a:xfrm>
           <a:prstGeom prst="straightConnector1">
@@ -38297,7 +38327,7 @@
         </p:nvCxnSpPr>
         <p:spPr>
           <a:xfrm flipV="1">
-            <a:off x="10358438" y="3850479"/>
+            <a:off x="10358438" y="3925895"/>
             <a:ext cx="538163" cy="2"/>
           </a:xfrm>
           <a:prstGeom prst="straightConnector1">
@@ -38341,8 +38371,8 @@
         </p:nvCxnSpPr>
         <p:spPr>
           <a:xfrm flipV="1">
-            <a:off x="6215063" y="2443160"/>
-            <a:ext cx="189310" cy="483395"/>
+            <a:off x="6215063" y="2518576"/>
+            <a:ext cx="189310" cy="532253"/>
           </a:xfrm>
           <a:prstGeom prst="bentConnector2">
             <a:avLst/>
@@ -38384,52 +38414,10 @@
         </p:nvCxnSpPr>
         <p:spPr>
           <a:xfrm rot="16200000" flipH="1">
-            <a:off x="4088011" y="2609252"/>
-            <a:ext cx="483395" cy="151210"/>
+            <a:off x="4047639" y="2693154"/>
+            <a:ext cx="532253" cy="183096"/>
           </a:xfrm>
           <a:prstGeom prst="bentConnector2">
-            <a:avLst/>
-          </a:prstGeom>
-          <a:ln>
-            <a:tailEnd type="triangle"/>
-          </a:ln>
-        </p:spPr>
-        <p:style>
-          <a:lnRef idx="1">
-            <a:schemeClr val="accent1"/>
-          </a:lnRef>
-          <a:fillRef idx="0">
-            <a:schemeClr val="accent1"/>
-          </a:fillRef>
-          <a:effectRef idx="0">
-            <a:schemeClr val="accent1"/>
-          </a:effectRef>
-          <a:fontRef idx="minor">
-            <a:schemeClr val="tx1"/>
-          </a:fontRef>
-        </p:style>
-      </p:cxnSp>
-      <p:cxnSp>
-        <p:nvCxnSpPr>
-          <p:cNvPr id="43" name="Straight Arrow Connector 42">
-            <a:extLst>
-              <a:ext uri="{FF2B5EF4-FFF2-40B4-BE49-F238E27FC236}">
-                <a16:creationId xmlns:a16="http://schemas.microsoft.com/office/drawing/2014/main" id="{EA1C72C5-A430-4EAA-85F0-CAB5962F70B2}"/>
-              </a:ext>
-            </a:extLst>
-          </p:cNvPr>
-          <p:cNvCxnSpPr>
-            <a:stCxn id="6" idx="2"/>
-            <a:endCxn id="5" idx="0"/>
-          </p:cNvCxnSpPr>
-          <p:nvPr/>
-        </p:nvCxnSpPr>
-        <p:spPr>
-          <a:xfrm>
-            <a:off x="1193007" y="4302918"/>
-            <a:ext cx="0" cy="409575"/>
-          </a:xfrm>
-          <a:prstGeom prst="straightConnector1">
             <a:avLst/>
           </a:prstGeom>
           <a:ln>
@@ -38465,8 +38453,8 @@
         </p:nvSpPr>
         <p:spPr>
           <a:xfrm>
-            <a:off x="4405313" y="1031078"/>
-            <a:ext cx="1809750" cy="619125"/>
+            <a:off x="4405313" y="1106494"/>
+            <a:ext cx="1809750" cy="521409"/>
           </a:xfrm>
           <a:prstGeom prst="roundRect">
             <a:avLst/>
@@ -38519,8 +38507,8 @@
         </p:nvCxnSpPr>
         <p:spPr>
           <a:xfrm rot="16200000" flipV="1">
-            <a:off x="6068021" y="1487683"/>
-            <a:ext cx="483394" cy="189310"/>
+            <a:off x="6043592" y="1538670"/>
+            <a:ext cx="532252" cy="189310"/>
           </a:xfrm>
           <a:prstGeom prst="bentConnector2">
             <a:avLst/>
@@ -38562,8 +38550,8 @@
         </p:nvCxnSpPr>
         <p:spPr>
           <a:xfrm rot="10800000" flipV="1">
-            <a:off x="4254103" y="1340641"/>
-            <a:ext cx="151210" cy="483394"/>
+            <a:off x="4222217" y="1367199"/>
+            <a:ext cx="183096" cy="532252"/>
           </a:xfrm>
           <a:prstGeom prst="bentConnector2">
             <a:avLst/>
@@ -38605,8 +38593,8 @@
         </p:nvCxnSpPr>
         <p:spPr>
           <a:xfrm rot="5400000" flipH="1" flipV="1">
-            <a:off x="3034903" y="2625327"/>
-            <a:ext cx="1264444" cy="280986"/>
+            <a:off x="3018960" y="2716686"/>
+            <a:ext cx="1264444" cy="249100"/>
           </a:xfrm>
           <a:prstGeom prst="bentConnector2">
             <a:avLst/>
@@ -38648,7 +38636,7 @@
         </p:nvCxnSpPr>
         <p:spPr>
           <a:xfrm rot="16200000" flipV="1">
-            <a:off x="6353176" y="2631280"/>
+            <a:off x="6353176" y="2706696"/>
             <a:ext cx="1264445" cy="269081"/>
           </a:xfrm>
           <a:prstGeom prst="bentConnector2">
@@ -38687,7 +38675,7 @@
         </p:nvSpPr>
         <p:spPr>
           <a:xfrm>
-            <a:off x="8909450" y="2307429"/>
+            <a:off x="8909449" y="2625732"/>
             <a:ext cx="1076325" cy="619125"/>
           </a:xfrm>
           <a:prstGeom prst="roundRect">
@@ -38720,49 +38708,6 @@
           </a:p>
         </p:txBody>
       </p:sp>
-      <p:cxnSp>
-        <p:nvCxnSpPr>
-          <p:cNvPr id="100" name="Straight Arrow Connector 99">
-            <a:extLst>
-              <a:ext uri="{FF2B5EF4-FFF2-40B4-BE49-F238E27FC236}">
-                <a16:creationId xmlns:a16="http://schemas.microsoft.com/office/drawing/2014/main" id="{F4635918-A78A-4F7C-913D-3C291F0786B8}"/>
-              </a:ext>
-            </a:extLst>
-          </p:cNvPr>
-          <p:cNvCxnSpPr>
-            <a:cxnSpLocks/>
-            <a:stCxn id="8" idx="0"/>
-            <a:endCxn id="99" idx="2"/>
-          </p:cNvCxnSpPr>
-          <p:nvPr/>
-        </p:nvCxnSpPr>
-        <p:spPr>
-          <a:xfrm flipH="1" flipV="1">
-            <a:off x="9447613" y="2926554"/>
-            <a:ext cx="5950" cy="471489"/>
-          </a:xfrm>
-          <a:prstGeom prst="straightConnector1">
-            <a:avLst/>
-          </a:prstGeom>
-          <a:ln>
-            <a:tailEnd type="triangle"/>
-          </a:ln>
-        </p:spPr>
-        <p:style>
-          <a:lnRef idx="1">
-            <a:schemeClr val="accent1"/>
-          </a:lnRef>
-          <a:fillRef idx="0">
-            <a:schemeClr val="accent1"/>
-          </a:fillRef>
-          <a:effectRef idx="0">
-            <a:schemeClr val="accent1"/>
-          </a:effectRef>
-          <a:fontRef idx="minor">
-            <a:schemeClr val="tx1"/>
-          </a:fontRef>
-        </p:style>
-      </p:cxnSp>
       <p:sp>
         <p:nvSpPr>
           <p:cNvPr id="104" name="Cylinder 103">
@@ -38777,7 +38722,7 @@
         </p:nvSpPr>
         <p:spPr>
           <a:xfrm>
-            <a:off x="10896601" y="3169441"/>
+            <a:off x="10896601" y="3244857"/>
             <a:ext cx="1062037" cy="1362075"/>
           </a:xfrm>
           <a:prstGeom prst="can">
@@ -38827,7 +38772,7 @@
         </p:nvSpPr>
         <p:spPr>
           <a:xfrm>
-            <a:off x="654844" y="2375294"/>
+            <a:off x="654844" y="1655872"/>
             <a:ext cx="1076325" cy="619125"/>
           </a:xfrm>
           <a:prstGeom prst="roundRect">
@@ -38871,15 +38816,15 @@
           </p:cNvPr>
           <p:cNvCxnSpPr>
             <a:cxnSpLocks/>
-            <a:stCxn id="6" idx="0"/>
+            <a:stCxn id="32" idx="0"/>
             <a:endCxn id="107" idx="2"/>
           </p:cNvCxnSpPr>
           <p:nvPr/>
         </p:nvCxnSpPr>
         <p:spPr>
           <a:xfrm flipV="1">
-            <a:off x="1193007" y="2994419"/>
-            <a:ext cx="0" cy="403624"/>
+            <a:off x="1193006" y="2274997"/>
+            <a:ext cx="1" cy="388447"/>
           </a:xfrm>
           <a:prstGeom prst="straightConnector1">
             <a:avLst/>
@@ -38917,7 +38862,7 @@
         </p:nvSpPr>
         <p:spPr>
           <a:xfrm>
-            <a:off x="4897041" y="592697"/>
+            <a:off x="4897041" y="668113"/>
             <a:ext cx="852487" cy="369332"/>
           </a:xfrm>
           <a:prstGeom prst="rect">
@@ -38953,7 +38898,7 @@
         </p:nvSpPr>
         <p:spPr>
           <a:xfrm>
-            <a:off x="2381" y="0"/>
+            <a:off x="0" y="29847"/>
             <a:ext cx="3171825" cy="584775"/>
           </a:xfrm>
           <a:prstGeom prst="rect">
@@ -38976,42 +38921,12 @@
           </a:p>
         </p:txBody>
       </p:sp>
-    </p:spTree>
-    <p:extLst>
-      <p:ext uri="{BB962C8B-B14F-4D97-AF65-F5344CB8AC3E}">
-        <p14:creationId xmlns:p14="http://schemas.microsoft.com/office/powerpoint/2010/main" val="444397306"/>
-      </p:ext>
-    </p:extLst>
-  </p:cSld>
-  <p:clrMapOvr>
-    <a:masterClrMapping/>
-  </p:clrMapOvr>
-</p:sld>
-</file>
-
-<file path=ppt/slides/slide5.xml><?xml version="1.0" encoding="utf-8"?>
-<p:sld xmlns:a="http://schemas.openxmlformats.org/drawingml/2006/main" xmlns:r="http://schemas.openxmlformats.org/officeDocument/2006/relationships" xmlns:p="http://schemas.openxmlformats.org/presentationml/2006/main">
-  <p:cSld>
-    <p:spTree>
-      <p:nvGrpSpPr>
-        <p:cNvPr id="1" name=""/>
-        <p:cNvGrpSpPr/>
-        <p:nvPr/>
-      </p:nvGrpSpPr>
-      <p:grpSpPr>
-        <a:xfrm>
-          <a:off x="0" y="0"/>
-          <a:ext cx="0" cy="0"/>
-          <a:chOff x="0" y="0"/>
-          <a:chExt cx="0" cy="0"/>
-        </a:xfrm>
-      </p:grpSpPr>
       <p:sp>
         <p:nvSpPr>
-          <p:cNvPr id="46" name="Rectangle 45">
+          <p:cNvPr id="30" name="Rectangle: Rounded Corners 29">
             <a:extLst>
               <a:ext uri="{FF2B5EF4-FFF2-40B4-BE49-F238E27FC236}">
-                <a16:creationId xmlns:a16="http://schemas.microsoft.com/office/drawing/2014/main" id="{07C7A548-A5AF-48AC-B019-A7B369FD8E24}"/>
+                <a16:creationId xmlns:a16="http://schemas.microsoft.com/office/drawing/2014/main" id="{4FCEFF52-D463-4BF4-9707-DFCD3DB05554}"/>
               </a:ext>
             </a:extLst>
           </p:cNvPr>
@@ -39020,416 +38935,8 @@
         </p:nvSpPr>
         <p:spPr>
           <a:xfrm>
-            <a:off x="2140741" y="3735033"/>
-            <a:ext cx="7703345" cy="2901663"/>
-          </a:xfrm>
-          <a:prstGeom prst="rect">
-            <a:avLst/>
-          </a:prstGeom>
-        </p:spPr>
-        <p:style>
-          <a:lnRef idx="2">
-            <a:schemeClr val="accent6"/>
-          </a:lnRef>
-          <a:fillRef idx="1">
-            <a:schemeClr val="lt1"/>
-          </a:fillRef>
-          <a:effectRef idx="0">
-            <a:schemeClr val="accent6"/>
-          </a:effectRef>
-          <a:fontRef idx="minor">
-            <a:schemeClr val="dk1"/>
-          </a:fontRef>
-        </p:style>
-        <p:txBody>
-          <a:bodyPr rtlCol="0" anchor="ctr"/>
-          <a:lstStyle/>
-          <a:p>
-            <a:pPr algn="ctr"/>
-            <a:endParaRPr lang="en-MY"/>
-          </a:p>
-        </p:txBody>
-      </p:sp>
-      <p:sp>
-        <p:nvSpPr>
-          <p:cNvPr id="4" name="Rectangle: Rounded Corners 3">
-            <a:extLst>
-              <a:ext uri="{FF2B5EF4-FFF2-40B4-BE49-F238E27FC236}">
-                <a16:creationId xmlns:a16="http://schemas.microsoft.com/office/drawing/2014/main" id="{D6DCE9DA-16DA-44D3-99B0-2982075FA646}"/>
-              </a:ext>
-            </a:extLst>
-          </p:cNvPr>
-          <p:cNvSpPr/>
-          <p:nvPr/>
-        </p:nvSpPr>
-        <p:spPr>
-          <a:xfrm>
-            <a:off x="3334940" y="1853406"/>
-            <a:ext cx="1809750" cy="904875"/>
-          </a:xfrm>
-          <a:prstGeom prst="roundRect">
-            <a:avLst/>
-          </a:prstGeom>
-        </p:spPr>
-        <p:style>
-          <a:lnRef idx="2">
-            <a:schemeClr val="accent1">
-              <a:shade val="50000"/>
-            </a:schemeClr>
-          </a:lnRef>
-          <a:fillRef idx="1">
-            <a:schemeClr val="accent1"/>
-          </a:fillRef>
-          <a:effectRef idx="0">
-            <a:schemeClr val="accent1"/>
-          </a:effectRef>
-          <a:fontRef idx="minor">
-            <a:schemeClr val="lt1"/>
-          </a:fontRef>
-        </p:style>
-        <p:txBody>
-          <a:bodyPr rtlCol="0" anchor="ctr"/>
-          <a:lstStyle/>
-          <a:p>
-            <a:pPr algn="ctr"/>
-            <a:r>
-              <a:rPr lang="en-US" dirty="0"/>
-              <a:t>Facade</a:t>
-            </a:r>
-          </a:p>
-        </p:txBody>
-      </p:sp>
-      <p:sp>
-        <p:nvSpPr>
-          <p:cNvPr id="5" name="Rectangle: Rounded Corners 4">
-            <a:extLst>
-              <a:ext uri="{FF2B5EF4-FFF2-40B4-BE49-F238E27FC236}">
-                <a16:creationId xmlns:a16="http://schemas.microsoft.com/office/drawing/2014/main" id="{CAC96C6D-6828-482E-8FC2-0BD9565564C3}"/>
-              </a:ext>
-            </a:extLst>
-          </p:cNvPr>
-          <p:cNvSpPr/>
-          <p:nvPr/>
-        </p:nvSpPr>
-        <p:spPr>
-          <a:xfrm>
-            <a:off x="1001315" y="1841499"/>
-            <a:ext cx="1809750" cy="904875"/>
-          </a:xfrm>
-          <a:prstGeom prst="roundRect">
-            <a:avLst/>
-          </a:prstGeom>
-        </p:spPr>
-        <p:style>
-          <a:lnRef idx="2">
-            <a:schemeClr val="accent1">
-              <a:shade val="50000"/>
-            </a:schemeClr>
-          </a:lnRef>
-          <a:fillRef idx="1">
-            <a:schemeClr val="accent1"/>
-          </a:fillRef>
-          <a:effectRef idx="0">
-            <a:schemeClr val="accent1"/>
-          </a:effectRef>
-          <a:fontRef idx="minor">
-            <a:schemeClr val="lt1"/>
-          </a:fontRef>
-        </p:style>
-        <p:txBody>
-          <a:bodyPr rtlCol="0" anchor="ctr"/>
-          <a:lstStyle/>
-          <a:p>
-            <a:pPr algn="ctr"/>
-            <a:r>
-              <a:rPr lang="en-US" dirty="0"/>
-              <a:t>Controller</a:t>
-            </a:r>
-          </a:p>
-        </p:txBody>
-      </p:sp>
-      <p:sp>
-        <p:nvSpPr>
-          <p:cNvPr id="6" name="Rectangle: Rounded Corners 5">
-            <a:extLst>
-              <a:ext uri="{FF2B5EF4-FFF2-40B4-BE49-F238E27FC236}">
-                <a16:creationId xmlns:a16="http://schemas.microsoft.com/office/drawing/2014/main" id="{1040E68D-3E5F-4208-9224-2815DCA6F6F8}"/>
-              </a:ext>
-            </a:extLst>
-          </p:cNvPr>
-          <p:cNvSpPr/>
-          <p:nvPr/>
-        </p:nvSpPr>
-        <p:spPr>
-          <a:xfrm>
-            <a:off x="5668565" y="1841499"/>
-            <a:ext cx="1809750" cy="904875"/>
-          </a:xfrm>
-          <a:prstGeom prst="roundRect">
-            <a:avLst/>
-          </a:prstGeom>
-        </p:spPr>
-        <p:style>
-          <a:lnRef idx="2">
-            <a:schemeClr val="accent1">
-              <a:shade val="50000"/>
-            </a:schemeClr>
-          </a:lnRef>
-          <a:fillRef idx="1">
-            <a:schemeClr val="accent1"/>
-          </a:fillRef>
-          <a:effectRef idx="0">
-            <a:schemeClr val="accent1"/>
-          </a:effectRef>
-          <a:fontRef idx="minor">
-            <a:schemeClr val="lt1"/>
-          </a:fontRef>
-        </p:style>
-        <p:txBody>
-          <a:bodyPr rtlCol="0" anchor="ctr"/>
-          <a:lstStyle/>
-          <a:p>
-            <a:pPr algn="ctr"/>
-            <a:r>
-              <a:rPr lang="en-US" dirty="0"/>
-              <a:t>Service</a:t>
-            </a:r>
-          </a:p>
-        </p:txBody>
-      </p:sp>
-      <p:sp>
-        <p:nvSpPr>
-          <p:cNvPr id="7" name="Rectangle: Rounded Corners 6">
-            <a:extLst>
-              <a:ext uri="{FF2B5EF4-FFF2-40B4-BE49-F238E27FC236}">
-                <a16:creationId xmlns:a16="http://schemas.microsoft.com/office/drawing/2014/main" id="{99456D52-719F-479D-B5D3-2F0DC742D823}"/>
-              </a:ext>
-            </a:extLst>
-          </p:cNvPr>
-          <p:cNvSpPr/>
-          <p:nvPr/>
-        </p:nvSpPr>
-        <p:spPr>
-          <a:xfrm>
-            <a:off x="8002190" y="1841499"/>
-            <a:ext cx="1809750" cy="904875"/>
-          </a:xfrm>
-          <a:prstGeom prst="roundRect">
-            <a:avLst/>
-          </a:prstGeom>
-        </p:spPr>
-        <p:style>
-          <a:lnRef idx="2">
-            <a:schemeClr val="accent1">
-              <a:shade val="50000"/>
-            </a:schemeClr>
-          </a:lnRef>
-          <a:fillRef idx="1">
-            <a:schemeClr val="accent1"/>
-          </a:fillRef>
-          <a:effectRef idx="0">
-            <a:schemeClr val="accent1"/>
-          </a:effectRef>
-          <a:fontRef idx="minor">
-            <a:schemeClr val="lt1"/>
-          </a:fontRef>
-        </p:style>
-        <p:txBody>
-          <a:bodyPr rtlCol="0" anchor="ctr"/>
-          <a:lstStyle/>
-          <a:p>
-            <a:pPr algn="ctr"/>
-            <a:r>
-              <a:rPr lang="en-US" dirty="0"/>
-              <a:t>Repository</a:t>
-            </a:r>
-          </a:p>
-        </p:txBody>
-      </p:sp>
-      <p:cxnSp>
-        <p:nvCxnSpPr>
-          <p:cNvPr id="8" name="Straight Arrow Connector 7">
-            <a:extLst>
-              <a:ext uri="{FF2B5EF4-FFF2-40B4-BE49-F238E27FC236}">
-                <a16:creationId xmlns:a16="http://schemas.microsoft.com/office/drawing/2014/main" id="{3559BEF5-0847-44FD-B2B1-E55F39C1BDC2}"/>
-              </a:ext>
-            </a:extLst>
-          </p:cNvPr>
-          <p:cNvCxnSpPr>
-            <a:stCxn id="5" idx="3"/>
-            <a:endCxn id="4" idx="1"/>
-          </p:cNvCxnSpPr>
-          <p:nvPr/>
-        </p:nvCxnSpPr>
-        <p:spPr>
-          <a:xfrm>
-            <a:off x="2811065" y="2293937"/>
-            <a:ext cx="523875" cy="11907"/>
-          </a:xfrm>
-          <a:prstGeom prst="straightConnector1">
-            <a:avLst/>
-          </a:prstGeom>
-          <a:ln>
-            <a:headEnd type="triangle"/>
-            <a:tailEnd type="triangle"/>
-          </a:ln>
-        </p:spPr>
-        <p:style>
-          <a:lnRef idx="1">
-            <a:schemeClr val="accent1"/>
-          </a:lnRef>
-          <a:fillRef idx="0">
-            <a:schemeClr val="accent1"/>
-          </a:fillRef>
-          <a:effectRef idx="0">
-            <a:schemeClr val="accent1"/>
-          </a:effectRef>
-          <a:fontRef idx="minor">
-            <a:schemeClr val="tx1"/>
-          </a:fontRef>
-        </p:style>
-      </p:cxnSp>
-      <p:cxnSp>
-        <p:nvCxnSpPr>
-          <p:cNvPr id="9" name="Straight Arrow Connector 8">
-            <a:extLst>
-              <a:ext uri="{FF2B5EF4-FFF2-40B4-BE49-F238E27FC236}">
-                <a16:creationId xmlns:a16="http://schemas.microsoft.com/office/drawing/2014/main" id="{ACEE06E7-0D5F-4C63-B4C0-07A5B238DD1A}"/>
-              </a:ext>
-            </a:extLst>
-          </p:cNvPr>
-          <p:cNvCxnSpPr>
-            <a:cxnSpLocks/>
-            <a:stCxn id="4" idx="3"/>
-            <a:endCxn id="6" idx="1"/>
-          </p:cNvCxnSpPr>
-          <p:nvPr/>
-        </p:nvCxnSpPr>
-        <p:spPr>
-          <a:xfrm flipV="1">
-            <a:off x="5144690" y="2293937"/>
-            <a:ext cx="523875" cy="11907"/>
-          </a:xfrm>
-          <a:prstGeom prst="straightConnector1">
-            <a:avLst/>
-          </a:prstGeom>
-          <a:ln>
-            <a:headEnd type="triangle"/>
-            <a:tailEnd type="triangle"/>
-          </a:ln>
-        </p:spPr>
-        <p:style>
-          <a:lnRef idx="1">
-            <a:schemeClr val="accent1"/>
-          </a:lnRef>
-          <a:fillRef idx="0">
-            <a:schemeClr val="accent1"/>
-          </a:fillRef>
-          <a:effectRef idx="0">
-            <a:schemeClr val="accent1"/>
-          </a:effectRef>
-          <a:fontRef idx="minor">
-            <a:schemeClr val="tx1"/>
-          </a:fontRef>
-        </p:style>
-      </p:cxnSp>
-      <p:cxnSp>
-        <p:nvCxnSpPr>
-          <p:cNvPr id="10" name="Straight Arrow Connector 9">
-            <a:extLst>
-              <a:ext uri="{FF2B5EF4-FFF2-40B4-BE49-F238E27FC236}">
-                <a16:creationId xmlns:a16="http://schemas.microsoft.com/office/drawing/2014/main" id="{8AC6789A-A177-4980-9E55-3F90C2DD35EF}"/>
-              </a:ext>
-            </a:extLst>
-          </p:cNvPr>
-          <p:cNvCxnSpPr>
-            <a:cxnSpLocks/>
-            <a:stCxn id="6" idx="3"/>
-            <a:endCxn id="7" idx="1"/>
-          </p:cNvCxnSpPr>
-          <p:nvPr/>
-        </p:nvCxnSpPr>
-        <p:spPr>
-          <a:xfrm>
-            <a:off x="7478315" y="2293937"/>
-            <a:ext cx="523875" cy="0"/>
-          </a:xfrm>
-          <a:prstGeom prst="straightConnector1">
-            <a:avLst/>
-          </a:prstGeom>
-          <a:ln>
-            <a:headEnd type="triangle"/>
-            <a:tailEnd type="triangle"/>
-          </a:ln>
-        </p:spPr>
-        <p:style>
-          <a:lnRef idx="1">
-            <a:schemeClr val="accent1"/>
-          </a:lnRef>
-          <a:fillRef idx="0">
-            <a:schemeClr val="accent1"/>
-          </a:fillRef>
-          <a:effectRef idx="0">
-            <a:schemeClr val="accent1"/>
-          </a:effectRef>
-          <a:fontRef idx="minor">
-            <a:schemeClr val="tx1"/>
-          </a:fontRef>
-        </p:style>
-      </p:cxnSp>
-      <p:sp>
-        <p:nvSpPr>
-          <p:cNvPr id="11" name="TextBox 10">
-            <a:extLst>
-              <a:ext uri="{FF2B5EF4-FFF2-40B4-BE49-F238E27FC236}">
-                <a16:creationId xmlns:a16="http://schemas.microsoft.com/office/drawing/2014/main" id="{B853B0E1-F1FD-428C-85E9-247A4F8BA137}"/>
-              </a:ext>
-            </a:extLst>
-          </p:cNvPr>
-          <p:cNvSpPr txBox="1"/>
-          <p:nvPr/>
-        </p:nvSpPr>
-        <p:spPr>
-          <a:xfrm>
-            <a:off x="2381" y="0"/>
-            <a:ext cx="4350544" cy="584775"/>
-          </a:xfrm>
-          <a:prstGeom prst="rect">
-            <a:avLst/>
-          </a:prstGeom>
-          <a:noFill/>
-        </p:spPr>
-        <p:txBody>
-          <a:bodyPr wrap="square" rtlCol="0">
-            <a:spAutoFit/>
-          </a:bodyPr>
-          <a:lstStyle/>
-          <a:p>
-            <a:pPr algn="ctr"/>
-            <a:r>
-              <a:rPr lang="en-US" sz="3200" dirty="0"/>
-              <a:t>Application Layering</a:t>
-            </a:r>
-            <a:endParaRPr lang="en-MY" sz="3200" dirty="0"/>
-          </a:p>
-        </p:txBody>
-      </p:sp>
-      <p:sp>
-        <p:nvSpPr>
-          <p:cNvPr id="14" name="Rectangle: Rounded Corners 13">
-            <a:extLst>
-              <a:ext uri="{FF2B5EF4-FFF2-40B4-BE49-F238E27FC236}">
-                <a16:creationId xmlns:a16="http://schemas.microsoft.com/office/drawing/2014/main" id="{4A04ABD1-B561-4951-A41A-EBD8673B9818}"/>
-              </a:ext>
-            </a:extLst>
-          </p:cNvPr>
-          <p:cNvSpPr/>
-          <p:nvPr/>
-        </p:nvSpPr>
-        <p:spPr>
-          <a:xfrm>
-            <a:off x="1184671" y="775203"/>
-            <a:ext cx="1443037" cy="619125"/>
+            <a:off x="288130" y="4569224"/>
+            <a:ext cx="1809751" cy="619125"/>
           </a:xfrm>
           <a:prstGeom prst="roundRect">
             <a:avLst/>
@@ -39461,25 +38968,156 @@
           </a:p>
         </p:txBody>
       </p:sp>
+      <p:sp>
+        <p:nvSpPr>
+          <p:cNvPr id="32" name="Rectangle: Rounded Corners 31">
+            <a:extLst>
+              <a:ext uri="{FF2B5EF4-FFF2-40B4-BE49-F238E27FC236}">
+                <a16:creationId xmlns:a16="http://schemas.microsoft.com/office/drawing/2014/main" id="{6E8BCB25-0A5B-443B-8FD0-18BE80EEB233}"/>
+              </a:ext>
+            </a:extLst>
+          </p:cNvPr>
+          <p:cNvSpPr/>
+          <p:nvPr/>
+        </p:nvSpPr>
+        <p:spPr>
+          <a:xfrm>
+            <a:off x="288130" y="2663444"/>
+            <a:ext cx="1809751" cy="619125"/>
+          </a:xfrm>
+          <a:prstGeom prst="roundRect">
+            <a:avLst/>
+          </a:prstGeom>
+        </p:spPr>
+        <p:style>
+          <a:lnRef idx="2">
+            <a:schemeClr val="accent6"/>
+          </a:lnRef>
+          <a:fillRef idx="1">
+            <a:schemeClr val="lt1"/>
+          </a:fillRef>
+          <a:effectRef idx="0">
+            <a:schemeClr val="accent6"/>
+          </a:effectRef>
+          <a:fontRef idx="minor">
+            <a:schemeClr val="dk1"/>
+          </a:fontRef>
+        </p:style>
+        <p:txBody>
+          <a:bodyPr rtlCol="0" anchor="ctr"/>
+          <a:lstStyle/>
+          <a:p>
+            <a:pPr algn="ctr"/>
+            <a:r>
+              <a:rPr lang="en-US" dirty="0"/>
+              <a:t>@RestController</a:t>
+            </a:r>
+          </a:p>
+        </p:txBody>
+      </p:sp>
       <p:cxnSp>
         <p:nvCxnSpPr>
-          <p:cNvPr id="16" name="Straight Connector 15">
+          <p:cNvPr id="18" name="Straight Connector 17">
             <a:extLst>
               <a:ext uri="{FF2B5EF4-FFF2-40B4-BE49-F238E27FC236}">
-                <a16:creationId xmlns:a16="http://schemas.microsoft.com/office/drawing/2014/main" id="{C4E75883-B951-47C9-A14A-2838EC1778B4}"/>
+                <a16:creationId xmlns:a16="http://schemas.microsoft.com/office/drawing/2014/main" id="{24BD634D-4D0C-4617-A4FA-6C37A02680C2}"/>
               </a:ext>
             </a:extLst>
           </p:cNvPr>
           <p:cNvCxnSpPr>
-            <a:stCxn id="14" idx="2"/>
+            <a:cxnSpLocks/>
+            <a:stCxn id="6" idx="0"/>
+            <a:endCxn id="32" idx="2"/>
+          </p:cNvCxnSpPr>
+          <p:nvPr/>
+        </p:nvCxnSpPr>
+        <p:spPr>
+          <a:xfrm flipH="1" flipV="1">
+            <a:off x="1193006" y="3282569"/>
+            <a:ext cx="1" cy="190890"/>
+          </a:xfrm>
+          <a:prstGeom prst="line">
+            <a:avLst/>
+          </a:prstGeom>
+        </p:spPr>
+        <p:style>
+          <a:lnRef idx="1">
+            <a:schemeClr val="accent1"/>
+          </a:lnRef>
+          <a:fillRef idx="0">
+            <a:schemeClr val="accent1"/>
+          </a:fillRef>
+          <a:effectRef idx="0">
+            <a:schemeClr val="accent1"/>
+          </a:effectRef>
+          <a:fontRef idx="minor">
+            <a:schemeClr val="tx1"/>
+          </a:fontRef>
+        </p:style>
+      </p:cxnSp>
+      <p:cxnSp>
+        <p:nvCxnSpPr>
+          <p:cNvPr id="20" name="Straight Arrow Connector 19">
+            <a:extLst>
+              <a:ext uri="{FF2B5EF4-FFF2-40B4-BE49-F238E27FC236}">
+                <a16:creationId xmlns:a16="http://schemas.microsoft.com/office/drawing/2014/main" id="{9568807D-A243-4AFA-84CD-B1C512E8C010}"/>
+              </a:ext>
+            </a:extLst>
+          </p:cNvPr>
+          <p:cNvCxnSpPr>
+            <a:cxnSpLocks/>
+            <a:stCxn id="30" idx="2"/>
             <a:endCxn id="5" idx="0"/>
           </p:cNvCxnSpPr>
           <p:nvPr/>
         </p:nvCxnSpPr>
         <p:spPr>
           <a:xfrm>
-            <a:off x="1906190" y="1394328"/>
-            <a:ext cx="0" cy="447171"/>
+            <a:off x="1193006" y="5188349"/>
+            <a:ext cx="1" cy="388447"/>
+          </a:xfrm>
+          <a:prstGeom prst="straightConnector1">
+            <a:avLst/>
+          </a:prstGeom>
+          <a:ln>
+            <a:tailEnd type="triangle"/>
+          </a:ln>
+        </p:spPr>
+        <p:style>
+          <a:lnRef idx="1">
+            <a:schemeClr val="accent1"/>
+          </a:lnRef>
+          <a:fillRef idx="0">
+            <a:schemeClr val="accent1"/>
+          </a:fillRef>
+          <a:effectRef idx="0">
+            <a:schemeClr val="accent1"/>
+          </a:effectRef>
+          <a:fontRef idx="minor">
+            <a:schemeClr val="tx1"/>
+          </a:fontRef>
+        </p:style>
+      </p:cxnSp>
+      <p:cxnSp>
+        <p:nvCxnSpPr>
+          <p:cNvPr id="22" name="Straight Connector 21">
+            <a:extLst>
+              <a:ext uri="{FF2B5EF4-FFF2-40B4-BE49-F238E27FC236}">
+                <a16:creationId xmlns:a16="http://schemas.microsoft.com/office/drawing/2014/main" id="{177BCB9D-FFB3-4B21-8E31-153500F851A2}"/>
+              </a:ext>
+            </a:extLst>
+          </p:cNvPr>
+          <p:cNvCxnSpPr>
+            <a:cxnSpLocks/>
+            <a:stCxn id="6" idx="2"/>
+            <a:endCxn id="30" idx="0"/>
+          </p:cNvCxnSpPr>
+          <p:nvPr/>
+        </p:nvCxnSpPr>
+        <p:spPr>
+          <a:xfrm flipH="1">
+            <a:off x="1193006" y="4378334"/>
+            <a:ext cx="1" cy="190890"/>
           </a:xfrm>
           <a:prstGeom prst="line">
             <a:avLst/>
@@ -39502,10 +39140,10 @@
       </p:cxnSp>
       <p:sp>
         <p:nvSpPr>
-          <p:cNvPr id="18" name="Rectangle: Rounded Corners 17">
+          <p:cNvPr id="67" name="Rectangle: Rounded Corners 66">
             <a:extLst>
               <a:ext uri="{FF2B5EF4-FFF2-40B4-BE49-F238E27FC236}">
-                <a16:creationId xmlns:a16="http://schemas.microsoft.com/office/drawing/2014/main" id="{E6986F65-1B00-4148-B087-D22A5269C153}"/>
+                <a16:creationId xmlns:a16="http://schemas.microsoft.com/office/drawing/2014/main" id="{66E14A6F-8596-4DE3-A150-D113F8A69D0C}"/>
               </a:ext>
             </a:extLst>
           </p:cNvPr>
@@ -39514,8 +39152,8 @@
         </p:nvSpPr>
         <p:spPr>
           <a:xfrm>
-            <a:off x="3433761" y="775203"/>
-            <a:ext cx="1612107" cy="619125"/>
+            <a:off x="2621757" y="4569224"/>
+            <a:ext cx="1809751" cy="619125"/>
           </a:xfrm>
           <a:prstGeom prst="roundRect">
             <a:avLst/>
@@ -39549,24 +39187,24 @@
       </p:sp>
       <p:cxnSp>
         <p:nvCxnSpPr>
-          <p:cNvPr id="19" name="Straight Connector 18">
+          <p:cNvPr id="68" name="Straight Connector 67">
             <a:extLst>
               <a:ext uri="{FF2B5EF4-FFF2-40B4-BE49-F238E27FC236}">
-                <a16:creationId xmlns:a16="http://schemas.microsoft.com/office/drawing/2014/main" id="{9B7D3852-1DEB-47DD-8557-E2BB3A5B04BE}"/>
+                <a16:creationId xmlns:a16="http://schemas.microsoft.com/office/drawing/2014/main" id="{BE488C46-2451-496A-BE53-470B3E22003E}"/>
               </a:ext>
             </a:extLst>
           </p:cNvPr>
           <p:cNvCxnSpPr>
             <a:cxnSpLocks/>
-            <a:stCxn id="18" idx="2"/>
-            <a:endCxn id="4" idx="0"/>
+            <a:stCxn id="4" idx="2"/>
+            <a:endCxn id="67" idx="0"/>
           </p:cNvCxnSpPr>
           <p:nvPr/>
         </p:nvCxnSpPr>
         <p:spPr>
           <a:xfrm>
-            <a:off x="4239815" y="1394328"/>
-            <a:ext cx="0" cy="459078"/>
+            <a:off x="3526632" y="4378333"/>
+            <a:ext cx="1" cy="190891"/>
           </a:xfrm>
           <a:prstGeom prst="line">
             <a:avLst/>
@@ -39589,10 +39227,10 @@
       </p:cxnSp>
       <p:sp>
         <p:nvSpPr>
-          <p:cNvPr id="22" name="Rectangle: Rounded Corners 21">
+          <p:cNvPr id="72" name="Rectangle: Rounded Corners 71">
             <a:extLst>
               <a:ext uri="{FF2B5EF4-FFF2-40B4-BE49-F238E27FC236}">
-                <a16:creationId xmlns:a16="http://schemas.microsoft.com/office/drawing/2014/main" id="{BBEEFC58-2CB2-4664-B916-D47D89368D68}"/>
+                <a16:creationId xmlns:a16="http://schemas.microsoft.com/office/drawing/2014/main" id="{A742FF8D-E5AF-4951-AF28-4D91653E1473}"/>
               </a:ext>
             </a:extLst>
           </p:cNvPr>
@@ -39601,8 +39239,8 @@
         </p:nvSpPr>
         <p:spPr>
           <a:xfrm>
-            <a:off x="5854302" y="775203"/>
-            <a:ext cx="1443037" cy="619125"/>
+            <a:off x="6252023" y="4569224"/>
+            <a:ext cx="1809751" cy="619125"/>
           </a:xfrm>
           <a:prstGeom prst="roundRect">
             <a:avLst/>
@@ -39636,22 +39274,23 @@
       </p:sp>
       <p:cxnSp>
         <p:nvCxnSpPr>
-          <p:cNvPr id="23" name="Straight Connector 22">
+          <p:cNvPr id="73" name="Straight Connector 72">
             <a:extLst>
               <a:ext uri="{FF2B5EF4-FFF2-40B4-BE49-F238E27FC236}">
-                <a16:creationId xmlns:a16="http://schemas.microsoft.com/office/drawing/2014/main" id="{7591E27A-72F6-4F33-BC86-60C490738D2F}"/>
+                <a16:creationId xmlns:a16="http://schemas.microsoft.com/office/drawing/2014/main" id="{472E906C-53A1-43A9-850D-1C2C35937A9B}"/>
               </a:ext>
             </a:extLst>
           </p:cNvPr>
           <p:cNvCxnSpPr>
-            <a:stCxn id="22" idx="2"/>
+            <a:cxnSpLocks/>
+            <a:endCxn id="72" idx="0"/>
           </p:cNvCxnSpPr>
           <p:nvPr/>
         </p:nvCxnSpPr>
         <p:spPr>
           <a:xfrm>
-            <a:off x="6575821" y="1394328"/>
-            <a:ext cx="0" cy="447171"/>
+            <a:off x="7156898" y="4378333"/>
+            <a:ext cx="1" cy="190891"/>
           </a:xfrm>
           <a:prstGeom prst="line">
             <a:avLst/>
@@ -39674,10 +39313,10 @@
       </p:cxnSp>
       <p:sp>
         <p:nvSpPr>
-          <p:cNvPr id="25" name="Rectangle: Rounded Corners 24">
+          <p:cNvPr id="74" name="Rectangle: Rounded Corners 73">
             <a:extLst>
               <a:ext uri="{FF2B5EF4-FFF2-40B4-BE49-F238E27FC236}">
-                <a16:creationId xmlns:a16="http://schemas.microsoft.com/office/drawing/2014/main" id="{05E4120C-E124-4863-BBE8-1B233EF088E6}"/>
+                <a16:creationId xmlns:a16="http://schemas.microsoft.com/office/drawing/2014/main" id="{6F3B9873-FFB3-4BC7-A859-5ECBE97A565E}"/>
               </a:ext>
             </a:extLst>
           </p:cNvPr>
@@ -39686,8 +39325,8 @@
         </p:nvSpPr>
         <p:spPr>
           <a:xfrm>
-            <a:off x="8129587" y="775203"/>
-            <a:ext cx="1554956" cy="619125"/>
+            <a:off x="8542735" y="4569223"/>
+            <a:ext cx="1809751" cy="619125"/>
           </a:xfrm>
           <a:prstGeom prst="roundRect">
             <a:avLst/>
@@ -39721,24 +39360,63 @@
       </p:sp>
       <p:cxnSp>
         <p:nvCxnSpPr>
-          <p:cNvPr id="26" name="Straight Connector 25">
+          <p:cNvPr id="76" name="Straight Connector 75">
             <a:extLst>
               <a:ext uri="{FF2B5EF4-FFF2-40B4-BE49-F238E27FC236}">
-                <a16:creationId xmlns:a16="http://schemas.microsoft.com/office/drawing/2014/main" id="{3D34F12F-48A2-4B6C-803E-86C5DFDCD3E9}"/>
+                <a16:creationId xmlns:a16="http://schemas.microsoft.com/office/drawing/2014/main" id="{12FE211C-FA2B-444B-A830-1325692D29DF}"/>
               </a:ext>
             </a:extLst>
           </p:cNvPr>
           <p:cNvCxnSpPr>
             <a:cxnSpLocks/>
-            <a:stCxn id="25" idx="2"/>
-            <a:endCxn id="7" idx="0"/>
+            <a:stCxn id="8" idx="2"/>
+            <a:endCxn id="74" idx="0"/>
+          </p:cNvCxnSpPr>
+          <p:nvPr/>
+        </p:nvCxnSpPr>
+        <p:spPr>
+          <a:xfrm flipH="1">
+            <a:off x="9447611" y="4378334"/>
+            <a:ext cx="5952" cy="190889"/>
+          </a:xfrm>
+          <a:prstGeom prst="line">
+            <a:avLst/>
+          </a:prstGeom>
+        </p:spPr>
+        <p:style>
+          <a:lnRef idx="1">
+            <a:schemeClr val="accent1"/>
+          </a:lnRef>
+          <a:fillRef idx="0">
+            <a:schemeClr val="accent1"/>
+          </a:fillRef>
+          <a:effectRef idx="0">
+            <a:schemeClr val="accent1"/>
+          </a:effectRef>
+          <a:fontRef idx="minor">
+            <a:schemeClr val="tx1"/>
+          </a:fontRef>
+        </p:style>
+      </p:cxnSp>
+      <p:cxnSp>
+        <p:nvCxnSpPr>
+          <p:cNvPr id="57" name="Straight Connector 56">
+            <a:extLst>
+              <a:ext uri="{FF2B5EF4-FFF2-40B4-BE49-F238E27FC236}">
+                <a16:creationId xmlns:a16="http://schemas.microsoft.com/office/drawing/2014/main" id="{8C4A6183-4FD2-45BD-A670-D1A79E03ABB1}"/>
+              </a:ext>
+            </a:extLst>
+          </p:cNvPr>
+          <p:cNvCxnSpPr>
+            <a:stCxn id="99" idx="2"/>
+            <a:endCxn id="8" idx="0"/>
           </p:cNvCxnSpPr>
           <p:nvPr/>
         </p:nvCxnSpPr>
         <p:spPr>
           <a:xfrm>
-            <a:off x="8907065" y="1394328"/>
-            <a:ext cx="0" cy="447171"/>
+            <a:off x="9447612" y="3244857"/>
+            <a:ext cx="5951" cy="228602"/>
           </a:xfrm>
           <a:prstGeom prst="line">
             <a:avLst/>
@@ -39761,10 +39439,10 @@
       </p:cxnSp>
       <p:sp>
         <p:nvSpPr>
-          <p:cNvPr id="31" name="TextBox 30">
+          <p:cNvPr id="80" name="TextBox 79">
             <a:extLst>
               <a:ext uri="{FF2B5EF4-FFF2-40B4-BE49-F238E27FC236}">
-                <a16:creationId xmlns:a16="http://schemas.microsoft.com/office/drawing/2014/main" id="{183E318F-8216-44E6-9BF8-924A55C2D22A}"/>
+                <a16:creationId xmlns:a16="http://schemas.microsoft.com/office/drawing/2014/main" id="{EA53921F-B1AE-4B19-8E7A-FA19B286A49D}"/>
               </a:ext>
             </a:extLst>
           </p:cNvPr>
@@ -39773,7 +39451,7 @@
         </p:nvSpPr>
         <p:spPr>
           <a:xfrm>
-            <a:off x="794145" y="3002239"/>
+            <a:off x="80961" y="6318520"/>
             <a:ext cx="2224088" cy="369332"/>
           </a:xfrm>
           <a:prstGeom prst="rect">
@@ -39798,10 +39476,10 @@
       </p:sp>
       <p:sp>
         <p:nvSpPr>
-          <p:cNvPr id="32" name="TextBox 31">
+          <p:cNvPr id="82" name="TextBox 81">
             <a:extLst>
               <a:ext uri="{FF2B5EF4-FFF2-40B4-BE49-F238E27FC236}">
-                <a16:creationId xmlns:a16="http://schemas.microsoft.com/office/drawing/2014/main" id="{271F76A7-A6D6-43ED-B0AE-089A2440316C}"/>
+                <a16:creationId xmlns:a16="http://schemas.microsoft.com/office/drawing/2014/main" id="{A5688FE6-328E-4EDB-B0DD-24E04E385F3C}"/>
               </a:ext>
             </a:extLst>
           </p:cNvPr>
@@ -39810,45 +39488,8 @@
         </p:nvSpPr>
         <p:spPr>
           <a:xfrm>
-            <a:off x="4968476" y="5723282"/>
-            <a:ext cx="2224088" cy="369332"/>
-          </a:xfrm>
-          <a:prstGeom prst="rect">
-            <a:avLst/>
-          </a:prstGeom>
-          <a:noFill/>
-        </p:spPr>
-        <p:txBody>
-          <a:bodyPr wrap="square" rtlCol="0">
-            <a:spAutoFit/>
-          </a:bodyPr>
-          <a:lstStyle/>
-          <a:p>
-            <a:pPr algn="ctr"/>
-            <a:r>
-              <a:rPr lang="en-US" dirty="0"/>
-              <a:t>System Interface</a:t>
-            </a:r>
-            <a:endParaRPr lang="en-MY" dirty="0"/>
-          </a:p>
-        </p:txBody>
-      </p:sp>
-      <p:sp>
-        <p:nvSpPr>
-          <p:cNvPr id="33" name="TextBox 32">
-            <a:extLst>
-              <a:ext uri="{FF2B5EF4-FFF2-40B4-BE49-F238E27FC236}">
-                <a16:creationId xmlns:a16="http://schemas.microsoft.com/office/drawing/2014/main" id="{2AE29595-A066-4886-AAA6-05624B695EE2}"/>
-              </a:ext>
-            </a:extLst>
-          </p:cNvPr>
-          <p:cNvSpPr txBox="1"/>
-          <p:nvPr/>
-        </p:nvSpPr>
-        <p:spPr>
-          <a:xfrm>
-            <a:off x="5461396" y="2917538"/>
-            <a:ext cx="2224088" cy="646331"/>
+            <a:off x="4136550" y="6318520"/>
+            <a:ext cx="2373467" cy="369332"/>
           </a:xfrm>
           <a:prstGeom prst="rect">
             <a:avLst/>
@@ -39872,10 +39513,10 @@
       </p:sp>
       <p:sp>
         <p:nvSpPr>
-          <p:cNvPr id="34" name="TextBox 33">
+          <p:cNvPr id="84" name="TextBox 83">
             <a:extLst>
               <a:ext uri="{FF2B5EF4-FFF2-40B4-BE49-F238E27FC236}">
-                <a16:creationId xmlns:a16="http://schemas.microsoft.com/office/drawing/2014/main" id="{947D0E2C-5E96-48D9-A06B-56E105ECB752}"/>
+                <a16:creationId xmlns:a16="http://schemas.microsoft.com/office/drawing/2014/main" id="{C0F5DA97-2FEB-4716-A71B-FE595722D893}"/>
               </a:ext>
             </a:extLst>
           </p:cNvPr>
@@ -39884,7 +39525,7 @@
         </p:nvSpPr>
         <p:spPr>
           <a:xfrm>
-            <a:off x="7795021" y="3002239"/>
+            <a:off x="8329636" y="6318520"/>
             <a:ext cx="2224088" cy="369332"/>
           </a:xfrm>
           <a:prstGeom prst="rect">
@@ -39907,55 +39548,12 @@
           </a:p>
         </p:txBody>
       </p:sp>
-      <p:cxnSp>
-        <p:nvCxnSpPr>
-          <p:cNvPr id="35" name="Straight Arrow Connector 34">
+      <p:sp>
+        <p:nvSpPr>
+          <p:cNvPr id="89" name="Rectangle: Rounded Corners 88">
             <a:extLst>
               <a:ext uri="{FF2B5EF4-FFF2-40B4-BE49-F238E27FC236}">
-                <a16:creationId xmlns:a16="http://schemas.microsoft.com/office/drawing/2014/main" id="{206EC6ED-FA7D-4034-96D8-C96CDD4A3532}"/>
-              </a:ext>
-            </a:extLst>
-          </p:cNvPr>
-          <p:cNvCxnSpPr>
-            <a:cxnSpLocks/>
-            <a:endCxn id="36" idx="2"/>
-          </p:cNvCxnSpPr>
-          <p:nvPr/>
-        </p:nvCxnSpPr>
-        <p:spPr>
-          <a:xfrm flipV="1">
-            <a:off x="9795270" y="2293937"/>
-            <a:ext cx="538163" cy="2"/>
-          </a:xfrm>
-          <a:prstGeom prst="straightConnector1">
-            <a:avLst/>
-          </a:prstGeom>
-          <a:ln>
-            <a:headEnd type="triangle"/>
-            <a:tailEnd type="triangle"/>
-          </a:ln>
-        </p:spPr>
-        <p:style>
-          <a:lnRef idx="1">
-            <a:schemeClr val="accent1"/>
-          </a:lnRef>
-          <a:fillRef idx="0">
-            <a:schemeClr val="accent1"/>
-          </a:fillRef>
-          <a:effectRef idx="0">
-            <a:schemeClr val="accent1"/>
-          </a:effectRef>
-          <a:fontRef idx="minor">
-            <a:schemeClr val="tx1"/>
-          </a:fontRef>
-        </p:style>
-      </p:cxnSp>
-      <p:sp>
-        <p:nvSpPr>
-          <p:cNvPr id="36" name="Cylinder 35">
-            <a:extLst>
-              <a:ext uri="{FF2B5EF4-FFF2-40B4-BE49-F238E27FC236}">
-                <a16:creationId xmlns:a16="http://schemas.microsoft.com/office/drawing/2014/main" id="{46F66E1E-DE9D-4417-BCE8-171F7BEED672}"/>
+                <a16:creationId xmlns:a16="http://schemas.microsoft.com/office/drawing/2014/main" id="{A97BB650-E60B-4780-9BCB-29EDD0915370}"/>
               </a:ext>
             </a:extLst>
           </p:cNvPr>
@@ -39964,24 +39562,30 @@
         </p:nvSpPr>
         <p:spPr>
           <a:xfrm>
-            <a:off x="10333433" y="1612899"/>
-            <a:ext cx="1062037" cy="1362075"/>
+            <a:off x="4750408" y="1769270"/>
+            <a:ext cx="1119559" cy="223680"/>
           </a:xfrm>
-          <a:prstGeom prst="can">
+          <a:prstGeom prst="roundRect">
             <a:avLst/>
           </a:prstGeom>
+          <a:solidFill>
+            <a:schemeClr val="accent1">
+              <a:lumMod val="60000"/>
+              <a:lumOff val="40000"/>
+            </a:schemeClr>
+          </a:solidFill>
         </p:spPr>
         <p:style>
           <a:lnRef idx="2">
-            <a:schemeClr val="dk1">
+            <a:schemeClr val="accent5">
               <a:shade val="50000"/>
             </a:schemeClr>
           </a:lnRef>
           <a:fillRef idx="1">
-            <a:schemeClr val="dk1"/>
+            <a:schemeClr val="accent5"/>
           </a:fillRef>
           <a:effectRef idx="0">
-            <a:schemeClr val="dk1"/>
+            <a:schemeClr val="accent5"/>
           </a:effectRef>
           <a:fontRef idx="minor">
             <a:schemeClr val="lt1"/>
@@ -39993,56 +39597,18 @@
           <a:p>
             <a:pPr algn="ctr"/>
             <a:r>
-              <a:rPr lang="en-US" dirty="0"/>
-              <a:t>Database</a:t>
+              <a:rPr lang="en-US" sz="1600" dirty="0"/>
+              <a:t>Populator</a:t>
             </a:r>
-            <a:endParaRPr lang="en-MY" dirty="0"/>
           </a:p>
         </p:txBody>
       </p:sp>
       <p:sp>
         <p:nvSpPr>
-          <p:cNvPr id="37" name="TextBox 36">
+          <p:cNvPr id="90" name="Rectangle: Rounded Corners 89">
             <a:extLst>
               <a:ext uri="{FF2B5EF4-FFF2-40B4-BE49-F238E27FC236}">
-                <a16:creationId xmlns:a16="http://schemas.microsoft.com/office/drawing/2014/main" id="{D42B42F9-AD2C-44EC-934F-B64D38647BD1}"/>
-              </a:ext>
-            </a:extLst>
-          </p:cNvPr>
-          <p:cNvSpPr txBox="1"/>
-          <p:nvPr/>
-        </p:nvSpPr>
-        <p:spPr>
-          <a:xfrm>
-            <a:off x="3127770" y="2917539"/>
-            <a:ext cx="2224088" cy="646331"/>
-          </a:xfrm>
-          <a:prstGeom prst="rect">
-            <a:avLst/>
-          </a:prstGeom>
-          <a:noFill/>
-        </p:spPr>
-        <p:txBody>
-          <a:bodyPr wrap="square" rtlCol="0">
-            <a:spAutoFit/>
-          </a:bodyPr>
-          <a:lstStyle/>
-          <a:p>
-            <a:pPr algn="ctr"/>
-            <a:r>
-              <a:rPr lang="en-US" dirty="0"/>
-              <a:t>Service/Business Layer</a:t>
-            </a:r>
-            <a:endParaRPr lang="en-MY" dirty="0"/>
-          </a:p>
-        </p:txBody>
-      </p:sp>
-      <p:sp>
-        <p:nvSpPr>
-          <p:cNvPr id="39" name="Rectangle: Rounded Corners 38">
-            <a:extLst>
-              <a:ext uri="{FF2B5EF4-FFF2-40B4-BE49-F238E27FC236}">
-                <a16:creationId xmlns:a16="http://schemas.microsoft.com/office/drawing/2014/main" id="{D44F0C19-7B06-4C1A-8EFF-3B2C4432A82E}"/>
+                <a16:creationId xmlns:a16="http://schemas.microsoft.com/office/drawing/2014/main" id="{1DF9B1CC-ED98-4574-B95F-CCD4A7529CE1}"/>
               </a:ext>
             </a:extLst>
           </p:cNvPr>
@@ -40051,24 +39617,30 @@
         </p:nvSpPr>
         <p:spPr>
           <a:xfrm>
-            <a:off x="5175645" y="4818407"/>
-            <a:ext cx="1809750" cy="904875"/>
+            <a:off x="4750407" y="2122673"/>
+            <a:ext cx="1119559" cy="223680"/>
           </a:xfrm>
           <a:prstGeom prst="roundRect">
             <a:avLst/>
           </a:prstGeom>
+          <a:solidFill>
+            <a:schemeClr val="accent1">
+              <a:lumMod val="60000"/>
+              <a:lumOff val="40000"/>
+            </a:schemeClr>
+          </a:solidFill>
         </p:spPr>
         <p:style>
           <a:lnRef idx="2">
-            <a:schemeClr val="accent1">
+            <a:schemeClr val="accent5">
               <a:shade val="50000"/>
             </a:schemeClr>
           </a:lnRef>
           <a:fillRef idx="1">
-            <a:schemeClr val="accent1"/>
+            <a:schemeClr val="accent5"/>
           </a:fillRef>
           <a:effectRef idx="0">
-            <a:schemeClr val="accent1"/>
+            <a:schemeClr val="accent5"/>
           </a:effectRef>
           <a:fontRef idx="minor">
             <a:schemeClr val="lt1"/>
@@ -40080,301 +39652,32 @@
           <a:p>
             <a:pPr algn="ctr"/>
             <a:r>
-              <a:rPr lang="en-US" dirty="0"/>
-              <a:t>Facade</a:t>
+              <a:rPr lang="en-US" sz="1600" dirty="0"/>
+              <a:t>Populator</a:t>
             </a:r>
-          </a:p>
-        </p:txBody>
-      </p:sp>
-      <p:sp>
-        <p:nvSpPr>
-          <p:cNvPr id="40" name="Rectangle: Rounded Corners 39">
-            <a:extLst>
-              <a:ext uri="{FF2B5EF4-FFF2-40B4-BE49-F238E27FC236}">
-                <a16:creationId xmlns:a16="http://schemas.microsoft.com/office/drawing/2014/main" id="{7A3E5F58-E4D0-4D31-B90B-D87EFB37DB73}"/>
-              </a:ext>
-            </a:extLst>
-          </p:cNvPr>
-          <p:cNvSpPr/>
-          <p:nvPr/>
-        </p:nvSpPr>
-        <p:spPr>
-          <a:xfrm>
-            <a:off x="2599133" y="4182321"/>
-            <a:ext cx="1809750" cy="904875"/>
-          </a:xfrm>
-          <a:prstGeom prst="roundRect">
-            <a:avLst/>
-          </a:prstGeom>
-        </p:spPr>
-        <p:style>
-          <a:lnRef idx="2">
-            <a:schemeClr val="accent1">
-              <a:shade val="50000"/>
-            </a:schemeClr>
-          </a:lnRef>
-          <a:fillRef idx="1">
-            <a:schemeClr val="accent1"/>
-          </a:fillRef>
-          <a:effectRef idx="0">
-            <a:schemeClr val="accent1"/>
-          </a:effectRef>
-          <a:fontRef idx="minor">
-            <a:schemeClr val="lt1"/>
-          </a:fontRef>
-        </p:style>
-        <p:txBody>
-          <a:bodyPr rtlCol="0" anchor="ctr"/>
-          <a:lstStyle/>
-          <a:p>
-            <a:pPr algn="ctr"/>
-            <a:r>
-              <a:rPr lang="en-US" dirty="0"/>
-              <a:t>API</a:t>
-            </a:r>
-          </a:p>
-        </p:txBody>
-      </p:sp>
-      <p:sp>
-        <p:nvSpPr>
-          <p:cNvPr id="41" name="Rectangle: Rounded Corners 40">
-            <a:extLst>
-              <a:ext uri="{FF2B5EF4-FFF2-40B4-BE49-F238E27FC236}">
-                <a16:creationId xmlns:a16="http://schemas.microsoft.com/office/drawing/2014/main" id="{5CBE5B68-F386-4E49-8D41-85460BC7B316}"/>
-              </a:ext>
-            </a:extLst>
-          </p:cNvPr>
-          <p:cNvSpPr/>
-          <p:nvPr/>
-        </p:nvSpPr>
-        <p:spPr>
-          <a:xfrm>
-            <a:off x="2599133" y="5378774"/>
-            <a:ext cx="1809750" cy="904875"/>
-          </a:xfrm>
-          <a:prstGeom prst="roundRect">
-            <a:avLst/>
-          </a:prstGeom>
-        </p:spPr>
-        <p:style>
-          <a:lnRef idx="2">
-            <a:schemeClr val="accent1">
-              <a:shade val="50000"/>
-            </a:schemeClr>
-          </a:lnRef>
-          <a:fillRef idx="1">
-            <a:schemeClr val="accent1"/>
-          </a:fillRef>
-          <a:effectRef idx="0">
-            <a:schemeClr val="accent1"/>
-          </a:effectRef>
-          <a:fontRef idx="minor">
-            <a:schemeClr val="lt1"/>
-          </a:fontRef>
-        </p:style>
-        <p:txBody>
-          <a:bodyPr rtlCol="0" anchor="ctr"/>
-          <a:lstStyle/>
-          <a:p>
-            <a:pPr algn="ctr"/>
-            <a:r>
-              <a:rPr lang="en-US" dirty="0"/>
-              <a:t>Client</a:t>
-            </a:r>
-          </a:p>
-        </p:txBody>
-      </p:sp>
-      <p:sp>
-        <p:nvSpPr>
-          <p:cNvPr id="42" name="Rectangle: Rounded Corners 41">
-            <a:extLst>
-              <a:ext uri="{FF2B5EF4-FFF2-40B4-BE49-F238E27FC236}">
-                <a16:creationId xmlns:a16="http://schemas.microsoft.com/office/drawing/2014/main" id="{7CFFDD46-FE5B-4BCF-A186-752B28D2868A}"/>
-              </a:ext>
-            </a:extLst>
-          </p:cNvPr>
-          <p:cNvSpPr/>
-          <p:nvPr/>
-        </p:nvSpPr>
-        <p:spPr>
-          <a:xfrm>
-            <a:off x="7618808" y="4182320"/>
-            <a:ext cx="1809750" cy="904875"/>
-          </a:xfrm>
-          <a:prstGeom prst="roundRect">
-            <a:avLst/>
-          </a:prstGeom>
-        </p:spPr>
-        <p:style>
-          <a:lnRef idx="2">
-            <a:schemeClr val="accent1">
-              <a:shade val="50000"/>
-            </a:schemeClr>
-          </a:lnRef>
-          <a:fillRef idx="1">
-            <a:schemeClr val="accent1"/>
-          </a:fillRef>
-          <a:effectRef idx="0">
-            <a:schemeClr val="accent1"/>
-          </a:effectRef>
-          <a:fontRef idx="minor">
-            <a:schemeClr val="lt1"/>
-          </a:fontRef>
-        </p:style>
-        <p:txBody>
-          <a:bodyPr rtlCol="0" anchor="ctr"/>
-          <a:lstStyle/>
-          <a:p>
-            <a:pPr algn="ctr"/>
-            <a:r>
-              <a:rPr lang="en-US" dirty="0"/>
-              <a:t>Service</a:t>
-            </a:r>
-          </a:p>
-        </p:txBody>
-      </p:sp>
-      <p:sp>
-        <p:nvSpPr>
-          <p:cNvPr id="43" name="Rectangle: Rounded Corners 42">
-            <a:extLst>
-              <a:ext uri="{FF2B5EF4-FFF2-40B4-BE49-F238E27FC236}">
-                <a16:creationId xmlns:a16="http://schemas.microsoft.com/office/drawing/2014/main" id="{0EFEF691-A45D-4B58-AA4B-CBB75CA508F9}"/>
-              </a:ext>
-            </a:extLst>
-          </p:cNvPr>
-          <p:cNvSpPr/>
-          <p:nvPr/>
-        </p:nvSpPr>
-        <p:spPr>
-          <a:xfrm>
-            <a:off x="7618808" y="5378773"/>
-            <a:ext cx="1809750" cy="904875"/>
-          </a:xfrm>
-          <a:prstGeom prst="roundRect">
-            <a:avLst/>
-          </a:prstGeom>
-        </p:spPr>
-        <p:style>
-          <a:lnRef idx="2">
-            <a:schemeClr val="accent1">
-              <a:shade val="50000"/>
-            </a:schemeClr>
-          </a:lnRef>
-          <a:fillRef idx="1">
-            <a:schemeClr val="accent1"/>
-          </a:fillRef>
-          <a:effectRef idx="0">
-            <a:schemeClr val="accent1"/>
-          </a:effectRef>
-          <a:fontRef idx="minor">
-            <a:schemeClr val="lt1"/>
-          </a:fontRef>
-        </p:style>
-        <p:txBody>
-          <a:bodyPr rtlCol="0" anchor="ctr"/>
-          <a:lstStyle/>
-          <a:p>
-            <a:pPr algn="ctr"/>
-            <a:r>
-              <a:rPr lang="en-US" dirty="0"/>
-              <a:t>Service</a:t>
-            </a:r>
-          </a:p>
-        </p:txBody>
-      </p:sp>
-      <p:sp>
-        <p:nvSpPr>
-          <p:cNvPr id="44" name="TextBox 43">
-            <a:extLst>
-              <a:ext uri="{FF2B5EF4-FFF2-40B4-BE49-F238E27FC236}">
-                <a16:creationId xmlns:a16="http://schemas.microsoft.com/office/drawing/2014/main" id="{95AE9299-3882-4A5A-9299-0A7132269F38}"/>
-              </a:ext>
-            </a:extLst>
-          </p:cNvPr>
-          <p:cNvSpPr txBox="1"/>
-          <p:nvPr/>
-        </p:nvSpPr>
-        <p:spPr>
-          <a:xfrm>
-            <a:off x="7394969" y="3812988"/>
-            <a:ext cx="2224088" cy="369332"/>
-          </a:xfrm>
-          <a:prstGeom prst="rect">
-            <a:avLst/>
-          </a:prstGeom>
-          <a:noFill/>
-        </p:spPr>
-        <p:txBody>
-          <a:bodyPr wrap="square" rtlCol="0">
-            <a:spAutoFit/>
-          </a:bodyPr>
-          <a:lstStyle/>
-          <a:p>
-            <a:pPr algn="ctr"/>
-            <a:r>
-              <a:rPr lang="en-US" dirty="0"/>
-              <a:t>Subsystem</a:t>
-            </a:r>
-            <a:endParaRPr lang="en-MY" dirty="0"/>
-          </a:p>
-        </p:txBody>
-      </p:sp>
-      <p:sp>
-        <p:nvSpPr>
-          <p:cNvPr id="45" name="TextBox 44">
-            <a:extLst>
-              <a:ext uri="{FF2B5EF4-FFF2-40B4-BE49-F238E27FC236}">
-                <a16:creationId xmlns:a16="http://schemas.microsoft.com/office/drawing/2014/main" id="{76F0571E-5A3C-4B95-B68D-D6580E1E43EA}"/>
-              </a:ext>
-            </a:extLst>
-          </p:cNvPr>
-          <p:cNvSpPr txBox="1"/>
-          <p:nvPr/>
-        </p:nvSpPr>
-        <p:spPr>
-          <a:xfrm>
-            <a:off x="7509271" y="6283648"/>
-            <a:ext cx="2224088" cy="369332"/>
-          </a:xfrm>
-          <a:prstGeom prst="rect">
-            <a:avLst/>
-          </a:prstGeom>
-          <a:noFill/>
-        </p:spPr>
-        <p:txBody>
-          <a:bodyPr wrap="square" rtlCol="0">
-            <a:spAutoFit/>
-          </a:bodyPr>
-          <a:lstStyle/>
-          <a:p>
-            <a:pPr algn="ctr"/>
-            <a:r>
-              <a:rPr lang="en-US" dirty="0"/>
-              <a:t>Subsystem</a:t>
-            </a:r>
-            <a:endParaRPr lang="en-MY" dirty="0"/>
           </a:p>
         </p:txBody>
       </p:sp>
       <p:cxnSp>
         <p:nvCxnSpPr>
-          <p:cNvPr id="48" name="Straight Arrow Connector 47">
+          <p:cNvPr id="98" name="Straight Arrow Connector 97">
             <a:extLst>
               <a:ext uri="{FF2B5EF4-FFF2-40B4-BE49-F238E27FC236}">
-                <a16:creationId xmlns:a16="http://schemas.microsoft.com/office/drawing/2014/main" id="{F5B97444-4C25-4A79-B0C1-B8EDC2EAA0B5}"/>
+                <a16:creationId xmlns:a16="http://schemas.microsoft.com/office/drawing/2014/main" id="{59C6F9C1-85D0-40AA-A601-776ECBAE69B8}"/>
               </a:ext>
             </a:extLst>
           </p:cNvPr>
           <p:cNvCxnSpPr>
-            <a:stCxn id="40" idx="3"/>
-            <a:endCxn id="39" idx="1"/>
+            <a:cxnSpLocks/>
+            <a:stCxn id="64" idx="2"/>
+            <a:endCxn id="89" idx="0"/>
           </p:cNvCxnSpPr>
           <p:nvPr/>
         </p:nvCxnSpPr>
         <p:spPr>
           <a:xfrm>
-            <a:off x="4408883" y="4634759"/>
-            <a:ext cx="766762" cy="636086"/>
+            <a:off x="5310188" y="1627903"/>
+            <a:ext cx="0" cy="141367"/>
           </a:xfrm>
           <a:prstGeom prst="straightConnector1">
             <a:avLst/>
@@ -40400,24 +39703,24 @@
       </p:cxnSp>
       <p:cxnSp>
         <p:nvCxnSpPr>
-          <p:cNvPr id="50" name="Straight Arrow Connector 49">
+          <p:cNvPr id="102" name="Straight Arrow Connector 101">
             <a:extLst>
               <a:ext uri="{FF2B5EF4-FFF2-40B4-BE49-F238E27FC236}">
-                <a16:creationId xmlns:a16="http://schemas.microsoft.com/office/drawing/2014/main" id="{6AE02B6C-7CB8-441F-92F9-17CB0D736EC9}"/>
+                <a16:creationId xmlns:a16="http://schemas.microsoft.com/office/drawing/2014/main" id="{F9211872-3C5B-467B-8C96-41A04B0E4B64}"/>
               </a:ext>
             </a:extLst>
           </p:cNvPr>
           <p:cNvCxnSpPr>
             <a:cxnSpLocks/>
-            <a:stCxn id="41" idx="3"/>
-            <a:endCxn id="39" idx="1"/>
+            <a:stCxn id="89" idx="2"/>
+            <a:endCxn id="90" idx="0"/>
           </p:cNvCxnSpPr>
           <p:nvPr/>
         </p:nvCxnSpPr>
         <p:spPr>
-          <a:xfrm flipV="1">
-            <a:off x="4408883" y="5270845"/>
-            <a:ext cx="766762" cy="560367"/>
+          <a:xfrm flipH="1">
+            <a:off x="5310187" y="1992950"/>
+            <a:ext cx="1" cy="129723"/>
           </a:xfrm>
           <a:prstGeom prst="straightConnector1">
             <a:avLst/>
@@ -40441,134 +39744,10 @@
           </a:fontRef>
         </p:style>
       </p:cxnSp>
-      <p:cxnSp>
-        <p:nvCxnSpPr>
-          <p:cNvPr id="54" name="Straight Arrow Connector 53">
-            <a:extLst>
-              <a:ext uri="{FF2B5EF4-FFF2-40B4-BE49-F238E27FC236}">
-                <a16:creationId xmlns:a16="http://schemas.microsoft.com/office/drawing/2014/main" id="{A8E2F7B2-9B84-44B9-A31F-209EA501E89A}"/>
-              </a:ext>
-            </a:extLst>
-          </p:cNvPr>
-          <p:cNvCxnSpPr>
-            <a:stCxn id="39" idx="3"/>
-            <a:endCxn id="42" idx="1"/>
-          </p:cNvCxnSpPr>
-          <p:nvPr/>
-        </p:nvCxnSpPr>
-        <p:spPr>
-          <a:xfrm flipV="1">
-            <a:off x="6985395" y="4634758"/>
-            <a:ext cx="633413" cy="636087"/>
-          </a:xfrm>
-          <a:prstGeom prst="straightConnector1">
-            <a:avLst/>
-          </a:prstGeom>
-          <a:ln>
-            <a:tailEnd type="triangle"/>
-          </a:ln>
-        </p:spPr>
-        <p:style>
-          <a:lnRef idx="1">
-            <a:schemeClr val="accent1"/>
-          </a:lnRef>
-          <a:fillRef idx="0">
-            <a:schemeClr val="accent1"/>
-          </a:fillRef>
-          <a:effectRef idx="0">
-            <a:schemeClr val="accent1"/>
-          </a:effectRef>
-          <a:fontRef idx="minor">
-            <a:schemeClr val="tx1"/>
-          </a:fontRef>
-        </p:style>
-      </p:cxnSp>
-      <p:cxnSp>
-        <p:nvCxnSpPr>
-          <p:cNvPr id="56" name="Straight Arrow Connector 55">
-            <a:extLst>
-              <a:ext uri="{FF2B5EF4-FFF2-40B4-BE49-F238E27FC236}">
-                <a16:creationId xmlns:a16="http://schemas.microsoft.com/office/drawing/2014/main" id="{D8CA8CE9-8E93-41C6-8ECE-144C1F8EC7EC}"/>
-              </a:ext>
-            </a:extLst>
-          </p:cNvPr>
-          <p:cNvCxnSpPr>
-            <a:endCxn id="43" idx="1"/>
-          </p:cNvCxnSpPr>
-          <p:nvPr/>
-        </p:nvCxnSpPr>
-        <p:spPr>
-          <a:xfrm>
-            <a:off x="6985395" y="5294989"/>
-            <a:ext cx="633413" cy="536222"/>
-          </a:xfrm>
-          <a:prstGeom prst="straightConnector1">
-            <a:avLst/>
-          </a:prstGeom>
-          <a:ln>
-            <a:tailEnd type="triangle"/>
-          </a:ln>
-        </p:spPr>
-        <p:style>
-          <a:lnRef idx="1">
-            <a:schemeClr val="accent1"/>
-          </a:lnRef>
-          <a:fillRef idx="0">
-            <a:schemeClr val="accent1"/>
-          </a:fillRef>
-          <a:effectRef idx="0">
-            <a:schemeClr val="accent1"/>
-          </a:effectRef>
-          <a:fontRef idx="minor">
-            <a:schemeClr val="tx1"/>
-          </a:fontRef>
-        </p:style>
-      </p:cxnSp>
-      <p:sp>
-        <p:nvSpPr>
-          <p:cNvPr id="57" name="TextBox 56">
-            <a:extLst>
-              <a:ext uri="{FF2B5EF4-FFF2-40B4-BE49-F238E27FC236}">
-                <a16:creationId xmlns:a16="http://schemas.microsoft.com/office/drawing/2014/main" id="{DA74DE34-113D-408A-9566-81118E819E20}"/>
-              </a:ext>
-            </a:extLst>
-          </p:cNvPr>
-          <p:cNvSpPr txBox="1"/>
-          <p:nvPr/>
-        </p:nvSpPr>
-        <p:spPr>
-          <a:xfrm>
-            <a:off x="2140741" y="3735033"/>
-            <a:ext cx="2268142" cy="369332"/>
-          </a:xfrm>
-          <a:prstGeom prst="rect">
-            <a:avLst/>
-          </a:prstGeom>
-          <a:noFill/>
-          <a:ln>
-            <a:solidFill>
-              <a:schemeClr val="accent1"/>
-            </a:solidFill>
-          </a:ln>
-        </p:spPr>
-        <p:txBody>
-          <a:bodyPr wrap="square" rtlCol="0">
-            <a:spAutoFit/>
-          </a:bodyPr>
-          <a:lstStyle/>
-          <a:p>
-            <a:r>
-              <a:rPr lang="en-US" dirty="0"/>
-              <a:t>Façade Design Pattern</a:t>
-            </a:r>
-            <a:endParaRPr lang="en-MY" dirty="0"/>
-          </a:p>
-        </p:txBody>
-      </p:sp>
     </p:spTree>
     <p:extLst>
       <p:ext uri="{BB962C8B-B14F-4D97-AF65-F5344CB8AC3E}">
-        <p14:creationId xmlns:p14="http://schemas.microsoft.com/office/powerpoint/2010/main" val="2613621226"/>
+        <p14:creationId xmlns:p14="http://schemas.microsoft.com/office/powerpoint/2010/main" val="444397306"/>
       </p:ext>
     </p:extLst>
   </p:cSld>
@@ -40578,7 +39757,7 @@
 </p:sld>
 </file>
 
-<file path=ppt/slides/slide6.xml><?xml version="1.0" encoding="utf-8"?>
+<file path=ppt/slides/slide5.xml><?xml version="1.0" encoding="utf-8"?>
 <p:sld xmlns:a="http://schemas.openxmlformats.org/drawingml/2006/main" xmlns:r="http://schemas.openxmlformats.org/officeDocument/2006/relationships" xmlns:p="http://schemas.openxmlformats.org/presentationml/2006/main">
   <p:cSld>
     <p:spTree>
@@ -41913,7 +41092,7 @@
 </p:sld>
 </file>
 
-<file path=ppt/slides/slide7.xml><?xml version="1.0" encoding="utf-8"?>
+<file path=ppt/slides/slide6.xml><?xml version="1.0" encoding="utf-8"?>
 <p:sld xmlns:a="http://schemas.openxmlformats.org/drawingml/2006/main" xmlns:r="http://schemas.openxmlformats.org/officeDocument/2006/relationships" xmlns:p="http://schemas.openxmlformats.org/presentationml/2006/main">
   <p:cSld>
     <p:spTree>
@@ -43574,7 +42753,7 @@
 </p:sld>
 </file>
 
-<file path=ppt/slides/slide8.xml><?xml version="1.0" encoding="utf-8"?>
+<file path=ppt/slides/slide7.xml><?xml version="1.0" encoding="utf-8"?>
 <p:sld xmlns:a="http://schemas.openxmlformats.org/drawingml/2006/main" xmlns:r="http://schemas.openxmlformats.org/officeDocument/2006/relationships" xmlns:p="http://schemas.openxmlformats.org/presentationml/2006/main">
   <p:cSld>
     <p:spTree>
@@ -43669,7 +42848,7 @@
 </p:sld>
 </file>
 
-<file path=ppt/slides/slide9.xml><?xml version="1.0" encoding="utf-8"?>
+<file path=ppt/slides/slide8.xml><?xml version="1.0" encoding="utf-8"?>
 <p:sld xmlns:a="http://schemas.openxmlformats.org/drawingml/2006/main" xmlns:r="http://schemas.openxmlformats.org/officeDocument/2006/relationships" xmlns:p="http://schemas.openxmlformats.org/presentationml/2006/main">
   <p:cSld>
     <p:spTree>
@@ -43755,6 +42934,109 @@
     <p:extLst>
       <p:ext uri="{BB962C8B-B14F-4D97-AF65-F5344CB8AC3E}">
         <p14:creationId xmlns:p14="http://schemas.microsoft.com/office/powerpoint/2010/main" val="3632031911"/>
+      </p:ext>
+    </p:extLst>
+  </p:cSld>
+  <p:clrMapOvr>
+    <a:masterClrMapping/>
+  </p:clrMapOvr>
+</p:sld>
+</file>
+
+<file path=ppt/slides/slide9.xml><?xml version="1.0" encoding="utf-8"?>
+<p:sld xmlns:a="http://schemas.openxmlformats.org/drawingml/2006/main" xmlns:r="http://schemas.openxmlformats.org/officeDocument/2006/relationships" xmlns:p="http://schemas.openxmlformats.org/presentationml/2006/main">
+  <p:cSld>
+    <p:spTree>
+      <p:nvGrpSpPr>
+        <p:cNvPr id="1" name=""/>
+        <p:cNvGrpSpPr/>
+        <p:nvPr/>
+      </p:nvGrpSpPr>
+      <p:grpSpPr>
+        <a:xfrm>
+          <a:off x="0" y="0"/>
+          <a:ext cx="0" cy="0"/>
+          <a:chOff x="0" y="0"/>
+          <a:chExt cx="0" cy="0"/>
+        </a:xfrm>
+      </p:grpSpPr>
+      <p:sp>
+        <p:nvSpPr>
+          <p:cNvPr id="49" name="TextBox 48">
+            <a:extLst>
+              <a:ext uri="{FF2B5EF4-FFF2-40B4-BE49-F238E27FC236}">
+                <a16:creationId xmlns:a16="http://schemas.microsoft.com/office/drawing/2014/main" id="{98BD274D-6B21-45DB-AFFB-9A1ED74A4A2B}"/>
+              </a:ext>
+            </a:extLst>
+          </p:cNvPr>
+          <p:cNvSpPr txBox="1"/>
+          <p:nvPr/>
+        </p:nvSpPr>
+        <p:spPr>
+          <a:xfrm>
+            <a:off x="0" y="0"/>
+            <a:ext cx="3867150" cy="584775"/>
+          </a:xfrm>
+          <a:prstGeom prst="rect">
+            <a:avLst/>
+          </a:prstGeom>
+          <a:noFill/>
+        </p:spPr>
+        <p:txBody>
+          <a:bodyPr wrap="square" rtlCol="0">
+            <a:spAutoFit/>
+          </a:bodyPr>
+          <a:lstStyle/>
+          <a:p>
+            <a:pPr algn="ctr"/>
+            <a:r>
+              <a:rPr lang="en-US" sz="3200" dirty="0"/>
+              <a:t>HTML (</a:t>
+            </a:r>
+            <a:r>
+              <a:rPr lang="en-US" sz="3200" dirty="0" err="1"/>
+              <a:t>Thymeleaf</a:t>
+            </a:r>
+            <a:r>
+              <a:rPr lang="en-US" sz="3200" dirty="0"/>
+              <a:t>)</a:t>
+            </a:r>
+            <a:endParaRPr lang="en-MY" sz="3200" dirty="0"/>
+          </a:p>
+        </p:txBody>
+      </p:sp>
+      <p:graphicFrame>
+        <p:nvGraphicFramePr>
+          <p:cNvPr id="9" name="Diagram 8">
+            <a:extLst>
+              <a:ext uri="{FF2B5EF4-FFF2-40B4-BE49-F238E27FC236}">
+                <a16:creationId xmlns:a16="http://schemas.microsoft.com/office/drawing/2014/main" id="{B1F2736A-AE97-4EC7-93BF-8E50EA5821EA}"/>
+              </a:ext>
+            </a:extLst>
+          </p:cNvPr>
+          <p:cNvGraphicFramePr/>
+          <p:nvPr>
+            <p:extLst>
+              <p:ext uri="{D42A27DB-BD31-4B8C-83A1-F6EECF244321}">
+                <p14:modId xmlns:p14="http://schemas.microsoft.com/office/powerpoint/2010/main" val="2919453060"/>
+              </p:ext>
+            </p:extLst>
+          </p:nvPr>
+        </p:nvGraphicFramePr>
+        <p:xfrm>
+          <a:off x="414337" y="687675"/>
+          <a:ext cx="11363325" cy="5482650"/>
+        </p:xfrm>
+        <a:graphic>
+          <a:graphicData uri="http://schemas.openxmlformats.org/drawingml/2006/diagram">
+            <dgm:relIds xmlns:dgm="http://schemas.openxmlformats.org/drawingml/2006/diagram" xmlns:r="http://schemas.openxmlformats.org/officeDocument/2006/relationships" r:dm="rId2" r:lo="rId3" r:qs="rId4" r:cs="rId5"/>
+          </a:graphicData>
+        </a:graphic>
+      </p:graphicFrame>
+    </p:spTree>
+    <p:extLst>
+      <p:ext uri="{BB962C8B-B14F-4D97-AF65-F5344CB8AC3E}">
+        <p14:creationId xmlns:p14="http://schemas.microsoft.com/office/powerpoint/2010/main" val="2608576769"/>
       </p:ext>
     </p:extLst>
   </p:cSld>
